--- a/Documents/Figures/_Figures.pptx
+++ b/Documents/Figures/_Figures.pptx
@@ -1902,10 +1902,10 @@
       </p:grpSp>
       <p:grpSp>
         <p:nvGrpSpPr>
-          <p:cNvPr id="34" name="Group 33">
+          <p:cNvPr id="10" name="Group 9">
             <a:extLst>
               <a:ext uri="{FF2B5EF4-FFF2-40B4-BE49-F238E27FC236}">
-                <a16:creationId xmlns:a16="http://schemas.microsoft.com/office/drawing/2014/main" id="{6DB9B6BE-DF7B-C71E-006B-BBE92128CD96}"/>
+                <a16:creationId xmlns:a16="http://schemas.microsoft.com/office/drawing/2014/main" id="{68026EB8-4F2D-5157-4AAC-FE7A31D16DDE}"/>
               </a:ext>
             </a:extLst>
           </p:cNvPr>
@@ -1976,7 +1976,7 @@
                   <a:latin typeface="Arial" panose="020B0604020202020204" pitchFamily="34" charset="0"/>
                   <a:cs typeface="Arial" panose="020B0604020202020204" pitchFamily="34" charset="0"/>
                 </a:rPr>
-                <a:t>Foot Flat</a:t>
+                <a:t>Toe Off</a:t>
               </a:r>
               <a:br>
                 <a:rPr lang="en-US" sz="900" dirty="0">
@@ -1995,7 +1995,7 @@
                   <a:latin typeface="Arial" panose="020B0604020202020204" pitchFamily="34" charset="0"/>
                   <a:cs typeface="Arial" panose="020B0604020202020204" pitchFamily="34" charset="0"/>
                 </a:rPr>
-                <a:t>(Foot Speed &gt; 0)</a:t>
+                <a:t>(Load Cell &gt; TH)</a:t>
               </a:r>
             </a:p>
           </p:txBody>
@@ -2136,7 +2136,7 @@
                   <a:latin typeface="Arial" panose="020B0604020202020204" pitchFamily="34" charset="0"/>
                   <a:cs typeface="Arial" panose="020B0604020202020204" pitchFamily="34" charset="0"/>
                 </a:rPr>
-                <a:t>Toe Off</a:t>
+                <a:t>Foot Flat</a:t>
               </a:r>
               <a:br>
                 <a:rPr lang="en-US" sz="900" dirty="0">
@@ -2155,7 +2155,7 @@
                   <a:latin typeface="Arial" panose="020B0604020202020204" pitchFamily="34" charset="0"/>
                   <a:cs typeface="Arial" panose="020B0604020202020204" pitchFamily="34" charset="0"/>
                 </a:rPr>
-                <a:t>(Load Cell &gt; TH)</a:t>
+                <a:t>(Foot Speed &gt; 0)</a:t>
               </a:r>
             </a:p>
           </p:txBody>

--- a/Documents/Figures/_Figures.pptx
+++ b/Documents/Figures/_Figures.pptx
@@ -480,1428 +480,6 @@
       </p:grpSpPr>
       <p:grpSp>
         <p:nvGrpSpPr>
-          <p:cNvPr id="112" name="Group 111">
-            <a:extLst>
-              <a:ext uri="{FF2B5EF4-FFF2-40B4-BE49-F238E27FC236}">
-                <a16:creationId xmlns:a16="http://schemas.microsoft.com/office/drawing/2014/main" id="{B1CA083C-143D-EA65-FF10-093392CFBF39}"/>
-              </a:ext>
-            </a:extLst>
-          </p:cNvPr>
-          <p:cNvGrpSpPr/>
-          <p:nvPr/>
-        </p:nvGrpSpPr>
-        <p:grpSpPr>
-          <a:xfrm>
-            <a:off x="768785" y="1092820"/>
-            <a:ext cx="5465213" cy="2334123"/>
-            <a:chOff x="556750" y="2298768"/>
-            <a:chExt cx="5465213" cy="2334123"/>
-          </a:xfrm>
-        </p:grpSpPr>
-        <p:sp>
-          <p:nvSpPr>
-            <p:cNvPr id="75" name="Rectangle 74">
-              <a:extLst>
-                <a:ext uri="{FF2B5EF4-FFF2-40B4-BE49-F238E27FC236}">
-                  <a16:creationId xmlns:a16="http://schemas.microsoft.com/office/drawing/2014/main" id="{885BD0E6-BDD4-0DA4-F8C4-B5DE06DF521D}"/>
-                </a:ext>
-              </a:extLst>
-            </p:cNvPr>
-            <p:cNvSpPr/>
-            <p:nvPr/>
-          </p:nvSpPr>
-          <p:spPr>
-            <a:xfrm>
-              <a:off x="2541837" y="3162113"/>
-              <a:ext cx="457200" cy="740424"/>
-            </a:xfrm>
-            <a:prstGeom prst="rect">
-              <a:avLst/>
-            </a:prstGeom>
-            <a:noFill/>
-            <a:ln>
-              <a:solidFill>
-                <a:schemeClr val="tx1"/>
-              </a:solidFill>
-            </a:ln>
-          </p:spPr>
-          <p:style>
-            <a:lnRef idx="2">
-              <a:schemeClr val="accent1">
-                <a:shade val="15000"/>
-              </a:schemeClr>
-            </a:lnRef>
-            <a:fillRef idx="1">
-              <a:schemeClr val="accent1"/>
-            </a:fillRef>
-            <a:effectRef idx="0">
-              <a:schemeClr val="accent1"/>
-            </a:effectRef>
-            <a:fontRef idx="minor">
-              <a:schemeClr val="lt1"/>
-            </a:fontRef>
-          </p:style>
-          <p:txBody>
-            <a:bodyPr rtlCol="0" anchor="ctr"/>
-            <a:lstStyle/>
-            <a:p>
-              <a:pPr algn="ctr"/>
-              <a:r>
-                <a:rPr lang="en-US" sz="900" dirty="0">
-                  <a:solidFill>
-                    <a:schemeClr val="tx1"/>
-                  </a:solidFill>
-                  <a:latin typeface="Arial" panose="020B0604020202020204" pitchFamily="34" charset="0"/>
-                  <a:cs typeface="Arial" panose="020B0604020202020204" pitchFamily="34" charset="0"/>
-                </a:rPr>
-                <a:t>MCU</a:t>
-              </a:r>
-            </a:p>
-          </p:txBody>
-        </p:sp>
-        <p:sp>
-          <p:nvSpPr>
-            <p:cNvPr id="76" name="Rectangle 75">
-              <a:extLst>
-                <a:ext uri="{FF2B5EF4-FFF2-40B4-BE49-F238E27FC236}">
-                  <a16:creationId xmlns:a16="http://schemas.microsoft.com/office/drawing/2014/main" id="{596B208F-A27B-F933-1E1C-1C5B24456EC8}"/>
-                </a:ext>
-              </a:extLst>
-            </p:cNvPr>
-            <p:cNvSpPr/>
-            <p:nvPr/>
-          </p:nvSpPr>
-          <p:spPr>
-            <a:xfrm>
-              <a:off x="4650363" y="2427220"/>
-              <a:ext cx="1371600" cy="228600"/>
-            </a:xfrm>
-            <a:prstGeom prst="rect">
-              <a:avLst/>
-            </a:prstGeom>
-            <a:noFill/>
-            <a:ln>
-              <a:solidFill>
-                <a:schemeClr val="tx1"/>
-              </a:solidFill>
-            </a:ln>
-          </p:spPr>
-          <p:style>
-            <a:lnRef idx="2">
-              <a:schemeClr val="accent1">
-                <a:shade val="15000"/>
-              </a:schemeClr>
-            </a:lnRef>
-            <a:fillRef idx="1">
-              <a:schemeClr val="accent1"/>
-            </a:fillRef>
-            <a:effectRef idx="0">
-              <a:schemeClr val="accent1"/>
-            </a:effectRef>
-            <a:fontRef idx="minor">
-              <a:schemeClr val="lt1"/>
-            </a:fontRef>
-          </p:style>
-          <p:txBody>
-            <a:bodyPr rtlCol="0" anchor="ctr"/>
-            <a:lstStyle/>
-            <a:p>
-              <a:pPr algn="ctr"/>
-              <a:r>
-                <a:rPr lang="en-US" sz="900" dirty="0">
-                  <a:solidFill>
-                    <a:schemeClr val="tx1"/>
-                  </a:solidFill>
-                  <a:latin typeface="Arial" panose="020B0604020202020204" pitchFamily="34" charset="0"/>
-                  <a:cs typeface="Arial" panose="020B0604020202020204" pitchFamily="34" charset="0"/>
-                </a:rPr>
-                <a:t>2X MOTOR DRIVER</a:t>
-              </a:r>
-            </a:p>
-          </p:txBody>
-        </p:sp>
-        <p:sp>
-          <p:nvSpPr>
-            <p:cNvPr id="77" name="Rectangle 76">
-              <a:extLst>
-                <a:ext uri="{FF2B5EF4-FFF2-40B4-BE49-F238E27FC236}">
-                  <a16:creationId xmlns:a16="http://schemas.microsoft.com/office/drawing/2014/main" id="{55B70A40-EBC5-2D75-64D5-429D220E8A3F}"/>
-                </a:ext>
-              </a:extLst>
-            </p:cNvPr>
-            <p:cNvSpPr/>
-            <p:nvPr/>
-          </p:nvSpPr>
-          <p:spPr>
-            <a:xfrm>
-              <a:off x="932980" y="3244831"/>
-              <a:ext cx="645638" cy="228600"/>
-            </a:xfrm>
-            <a:prstGeom prst="rect">
-              <a:avLst/>
-            </a:prstGeom>
-            <a:noFill/>
-            <a:ln>
-              <a:solidFill>
-                <a:schemeClr val="tx1"/>
-              </a:solidFill>
-            </a:ln>
-          </p:spPr>
-          <p:style>
-            <a:lnRef idx="2">
-              <a:schemeClr val="accent1">
-                <a:shade val="15000"/>
-              </a:schemeClr>
-            </a:lnRef>
-            <a:fillRef idx="1">
-              <a:schemeClr val="accent1"/>
-            </a:fillRef>
-            <a:effectRef idx="0">
-              <a:schemeClr val="accent1"/>
-            </a:effectRef>
-            <a:fontRef idx="minor">
-              <a:schemeClr val="lt1"/>
-            </a:fontRef>
-          </p:style>
-          <p:txBody>
-            <a:bodyPr rtlCol="0" anchor="ctr"/>
-            <a:lstStyle/>
-            <a:p>
-              <a:pPr algn="ctr"/>
-              <a:r>
-                <a:rPr lang="en-US" sz="900" dirty="0">
-                  <a:solidFill>
-                    <a:schemeClr val="tx1"/>
-                  </a:solidFill>
-                  <a:latin typeface="Arial" panose="020B0604020202020204" pitchFamily="34" charset="0"/>
-                  <a:cs typeface="Arial" panose="020B0604020202020204" pitchFamily="34" charset="0"/>
-                </a:rPr>
-                <a:t>IMU</a:t>
-              </a:r>
-            </a:p>
-          </p:txBody>
-        </p:sp>
-        <p:sp>
-          <p:nvSpPr>
-            <p:cNvPr id="78" name="Rectangle 77">
-              <a:extLst>
-                <a:ext uri="{FF2B5EF4-FFF2-40B4-BE49-F238E27FC236}">
-                  <a16:creationId xmlns:a16="http://schemas.microsoft.com/office/drawing/2014/main" id="{0BB039E1-15CC-9022-DDBC-16D91FD28704}"/>
-                </a:ext>
-              </a:extLst>
-            </p:cNvPr>
-            <p:cNvSpPr/>
-            <p:nvPr/>
-          </p:nvSpPr>
-          <p:spPr>
-            <a:xfrm>
-              <a:off x="2311560" y="4295798"/>
-              <a:ext cx="914400" cy="228600"/>
-            </a:xfrm>
-            <a:prstGeom prst="rect">
-              <a:avLst/>
-            </a:prstGeom>
-            <a:noFill/>
-            <a:ln>
-              <a:solidFill>
-                <a:schemeClr val="tx1"/>
-              </a:solidFill>
-            </a:ln>
-          </p:spPr>
-          <p:style>
-            <a:lnRef idx="2">
-              <a:schemeClr val="accent1">
-                <a:shade val="15000"/>
-              </a:schemeClr>
-            </a:lnRef>
-            <a:fillRef idx="1">
-              <a:schemeClr val="accent1"/>
-            </a:fillRef>
-            <a:effectRef idx="0">
-              <a:schemeClr val="accent1"/>
-            </a:effectRef>
-            <a:fontRef idx="minor">
-              <a:schemeClr val="lt1"/>
-            </a:fontRef>
-          </p:style>
-          <p:txBody>
-            <a:bodyPr rtlCol="0" anchor="ctr"/>
-            <a:lstStyle/>
-            <a:p>
-              <a:pPr algn="ctr"/>
-              <a:r>
-                <a:rPr lang="en-US" sz="900" dirty="0">
-                  <a:solidFill>
-                    <a:schemeClr val="tx1"/>
-                  </a:solidFill>
-                  <a:latin typeface="Arial" panose="020B0604020202020204" pitchFamily="34" charset="0"/>
-                  <a:cs typeface="Arial" panose="020B0604020202020204" pitchFamily="34" charset="0"/>
-                </a:rPr>
-                <a:t>SD CARD</a:t>
-              </a:r>
-            </a:p>
-          </p:txBody>
-        </p:sp>
-        <p:sp>
-          <p:nvSpPr>
-            <p:cNvPr id="79" name="Rectangle 78">
-              <a:extLst>
-                <a:ext uri="{FF2B5EF4-FFF2-40B4-BE49-F238E27FC236}">
-                  <a16:creationId xmlns:a16="http://schemas.microsoft.com/office/drawing/2014/main" id="{BAF91752-2CA1-7C13-B92E-5F00711952F1}"/>
-                </a:ext>
-              </a:extLst>
-            </p:cNvPr>
-            <p:cNvSpPr/>
-            <p:nvPr/>
-          </p:nvSpPr>
-          <p:spPr>
-            <a:xfrm>
-              <a:off x="556750" y="4287759"/>
-              <a:ext cx="914400" cy="228600"/>
-            </a:xfrm>
-            <a:prstGeom prst="rect">
-              <a:avLst/>
-            </a:prstGeom>
-            <a:noFill/>
-            <a:ln>
-              <a:solidFill>
-                <a:schemeClr val="tx1"/>
-              </a:solidFill>
-            </a:ln>
-          </p:spPr>
-          <p:style>
-            <a:lnRef idx="2">
-              <a:schemeClr val="accent1">
-                <a:shade val="15000"/>
-              </a:schemeClr>
-            </a:lnRef>
-            <a:fillRef idx="1">
-              <a:schemeClr val="accent1"/>
-            </a:fillRef>
-            <a:effectRef idx="0">
-              <a:schemeClr val="accent1"/>
-            </a:effectRef>
-            <a:fontRef idx="minor">
-              <a:schemeClr val="lt1"/>
-            </a:fontRef>
-          </p:style>
-          <p:txBody>
-            <a:bodyPr rtlCol="0" anchor="ctr"/>
-            <a:lstStyle/>
-            <a:p>
-              <a:pPr algn="ctr"/>
-              <a:r>
-                <a:rPr lang="en-US" sz="900" dirty="0">
-                  <a:solidFill>
-                    <a:schemeClr val="tx1"/>
-                  </a:solidFill>
-                  <a:latin typeface="Arial" panose="020B0604020202020204" pitchFamily="34" charset="0"/>
-                  <a:cs typeface="Arial" panose="020B0604020202020204" pitchFamily="34" charset="0"/>
-                </a:rPr>
-                <a:t>COMPUTER</a:t>
-              </a:r>
-            </a:p>
-          </p:txBody>
-        </p:sp>
-        <p:sp>
-          <p:nvSpPr>
-            <p:cNvPr id="80" name="TextBox 79">
-              <a:extLst>
-                <a:ext uri="{FF2B5EF4-FFF2-40B4-BE49-F238E27FC236}">
-                  <a16:creationId xmlns:a16="http://schemas.microsoft.com/office/drawing/2014/main" id="{396AADB7-43E6-CD61-1784-0080E222A630}"/>
-                </a:ext>
-              </a:extLst>
-            </p:cNvPr>
-            <p:cNvSpPr txBox="1"/>
-            <p:nvPr/>
-          </p:nvSpPr>
-          <p:spPr>
-            <a:xfrm>
-              <a:off x="1530806" y="4402059"/>
-              <a:ext cx="585013" cy="230832"/>
-            </a:xfrm>
-            <a:prstGeom prst="rect">
-              <a:avLst/>
-            </a:prstGeom>
-            <a:noFill/>
-          </p:spPr>
-          <p:txBody>
-            <a:bodyPr wrap="square" rtlCol="0">
-              <a:spAutoFit/>
-            </a:bodyPr>
-            <a:lstStyle/>
-            <a:p>
-              <a:pPr algn="ctr"/>
-              <a:r>
-                <a:rPr lang="en-US" sz="900" dirty="0">
-                  <a:latin typeface="Arial" panose="020B0604020202020204" pitchFamily="34" charset="0"/>
-                  <a:cs typeface="Arial" panose="020B0604020202020204" pitchFamily="34" charset="0"/>
-                </a:rPr>
-                <a:t>USB</a:t>
-              </a:r>
-            </a:p>
-          </p:txBody>
-        </p:sp>
-        <p:sp>
-          <p:nvSpPr>
-            <p:cNvPr id="81" name="TextBox 80">
-              <a:extLst>
-                <a:ext uri="{FF2B5EF4-FFF2-40B4-BE49-F238E27FC236}">
-                  <a16:creationId xmlns:a16="http://schemas.microsoft.com/office/drawing/2014/main" id="{16C7F738-0AB8-7C62-BD7B-A1F3A3AE1F0C}"/>
-                </a:ext>
-              </a:extLst>
-            </p:cNvPr>
-            <p:cNvSpPr txBox="1"/>
-            <p:nvPr/>
-          </p:nvSpPr>
-          <p:spPr>
-            <a:xfrm>
-              <a:off x="4760364" y="2774769"/>
-              <a:ext cx="575799" cy="230832"/>
-            </a:xfrm>
-            <a:prstGeom prst="rect">
-              <a:avLst/>
-            </a:prstGeom>
-            <a:noFill/>
-          </p:spPr>
-          <p:txBody>
-            <a:bodyPr wrap="none" rtlCol="0">
-              <a:spAutoFit/>
-            </a:bodyPr>
-            <a:lstStyle/>
-            <a:p>
-              <a:r>
-                <a:rPr lang="en-US" sz="900" dirty="0">
-                  <a:latin typeface="Arial" panose="020B0604020202020204" pitchFamily="34" charset="0"/>
-                  <a:cs typeface="Arial" panose="020B0604020202020204" pitchFamily="34" charset="0"/>
-                </a:rPr>
-                <a:t>CAN_H</a:t>
-              </a:r>
-            </a:p>
-          </p:txBody>
-        </p:sp>
-        <p:sp>
-          <p:nvSpPr>
-            <p:cNvPr id="82" name="TextBox 81">
-              <a:extLst>
-                <a:ext uri="{FF2B5EF4-FFF2-40B4-BE49-F238E27FC236}">
-                  <a16:creationId xmlns:a16="http://schemas.microsoft.com/office/drawing/2014/main" id="{DB07CC1B-F1A1-749A-BE84-C71003673964}"/>
-                </a:ext>
-              </a:extLst>
-            </p:cNvPr>
-            <p:cNvSpPr txBox="1"/>
-            <p:nvPr/>
-          </p:nvSpPr>
-          <p:spPr>
-            <a:xfrm>
-              <a:off x="3190488" y="3465093"/>
-              <a:ext cx="370614" cy="230832"/>
-            </a:xfrm>
-            <a:prstGeom prst="rect">
-              <a:avLst/>
-            </a:prstGeom>
-            <a:noFill/>
-          </p:spPr>
-          <p:txBody>
-            <a:bodyPr wrap="none" rtlCol="0">
-              <a:spAutoFit/>
-            </a:bodyPr>
-            <a:lstStyle/>
-            <a:p>
-              <a:r>
-                <a:rPr lang="en-US" sz="900" dirty="0">
-                  <a:latin typeface="Arial" panose="020B0604020202020204" pitchFamily="34" charset="0"/>
-                  <a:cs typeface="Arial" panose="020B0604020202020204" pitchFamily="34" charset="0"/>
-                </a:rPr>
-                <a:t>SSI</a:t>
-              </a:r>
-            </a:p>
-          </p:txBody>
-        </p:sp>
-        <p:sp>
-          <p:nvSpPr>
-            <p:cNvPr id="83" name="TextBox 82">
-              <a:extLst>
-                <a:ext uri="{FF2B5EF4-FFF2-40B4-BE49-F238E27FC236}">
-                  <a16:creationId xmlns:a16="http://schemas.microsoft.com/office/drawing/2014/main" id="{006D5ED4-CC7B-7558-C4EC-BE9313F36273}"/>
-                </a:ext>
-              </a:extLst>
-            </p:cNvPr>
-            <p:cNvSpPr txBox="1"/>
-            <p:nvPr/>
-          </p:nvSpPr>
-          <p:spPr>
-            <a:xfrm>
-              <a:off x="2115819" y="3120721"/>
-              <a:ext cx="370614" cy="230832"/>
-            </a:xfrm>
-            <a:prstGeom prst="rect">
-              <a:avLst/>
-            </a:prstGeom>
-            <a:noFill/>
-          </p:spPr>
-          <p:txBody>
-            <a:bodyPr wrap="none" rtlCol="0">
-              <a:spAutoFit/>
-            </a:bodyPr>
-            <a:lstStyle/>
-            <a:p>
-              <a:r>
-                <a:rPr lang="en-US" sz="900" dirty="0">
-                  <a:latin typeface="Arial" panose="020B0604020202020204" pitchFamily="34" charset="0"/>
-                  <a:cs typeface="Arial" panose="020B0604020202020204" pitchFamily="34" charset="0"/>
-                </a:rPr>
-                <a:t>SPI</a:t>
-              </a:r>
-            </a:p>
-          </p:txBody>
-        </p:sp>
-        <p:sp>
-          <p:nvSpPr>
-            <p:cNvPr id="84" name="Rectangle 83">
-              <a:extLst>
-                <a:ext uri="{FF2B5EF4-FFF2-40B4-BE49-F238E27FC236}">
-                  <a16:creationId xmlns:a16="http://schemas.microsoft.com/office/drawing/2014/main" id="{71919A12-4121-0016-8D41-2CA421BDCA85}"/>
-                </a:ext>
-              </a:extLst>
-            </p:cNvPr>
-            <p:cNvSpPr/>
-            <p:nvPr/>
-          </p:nvSpPr>
-          <p:spPr>
-            <a:xfrm>
-              <a:off x="2115819" y="2885889"/>
-              <a:ext cx="1629478" cy="1731845"/>
-            </a:xfrm>
-            <a:prstGeom prst="rect">
-              <a:avLst/>
-            </a:prstGeom>
-            <a:noFill/>
-            <a:ln>
-              <a:solidFill>
-                <a:schemeClr val="tx1"/>
-              </a:solidFill>
-            </a:ln>
-          </p:spPr>
-          <p:style>
-            <a:lnRef idx="2">
-              <a:schemeClr val="accent1">
-                <a:shade val="15000"/>
-              </a:schemeClr>
-            </a:lnRef>
-            <a:fillRef idx="1">
-              <a:schemeClr val="accent1"/>
-            </a:fillRef>
-            <a:effectRef idx="0">
-              <a:schemeClr val="accent1"/>
-            </a:effectRef>
-            <a:fontRef idx="minor">
-              <a:schemeClr val="lt1"/>
-            </a:fontRef>
-          </p:style>
-          <p:txBody>
-            <a:bodyPr rtlCol="0" anchor="ctr"/>
-            <a:lstStyle/>
-            <a:p>
-              <a:pPr algn="ctr"/>
-              <a:endParaRPr lang="en-US" sz="900" dirty="0">
-                <a:solidFill>
-                  <a:schemeClr val="tx1"/>
-                </a:solidFill>
-                <a:latin typeface="Arial" panose="020B0604020202020204" pitchFamily="34" charset="0"/>
-                <a:cs typeface="Arial" panose="020B0604020202020204" pitchFamily="34" charset="0"/>
-              </a:endParaRPr>
-            </a:p>
-          </p:txBody>
-        </p:sp>
-        <p:cxnSp>
-          <p:nvCxnSpPr>
-            <p:cNvPr id="85" name="Straight Arrow Connector 84">
-              <a:extLst>
-                <a:ext uri="{FF2B5EF4-FFF2-40B4-BE49-F238E27FC236}">
-                  <a16:creationId xmlns:a16="http://schemas.microsoft.com/office/drawing/2014/main" id="{5F0E723F-E553-D106-5872-60ED9636F0E5}"/>
-                </a:ext>
-              </a:extLst>
-            </p:cNvPr>
-            <p:cNvCxnSpPr>
-              <a:cxnSpLocks/>
-              <a:stCxn id="75" idx="2"/>
-              <a:endCxn id="78" idx="0"/>
-            </p:cNvCxnSpPr>
-            <p:nvPr/>
-          </p:nvCxnSpPr>
-          <p:spPr>
-            <a:xfrm flipH="1">
-              <a:off x="2768760" y="3902537"/>
-              <a:ext cx="1677" cy="393261"/>
-            </a:xfrm>
-            <a:prstGeom prst="straightConnector1">
-              <a:avLst/>
-            </a:prstGeom>
-            <a:ln>
-              <a:headEnd type="triangle" w="sm" len="lg"/>
-              <a:tailEnd type="triangle" w="sm" len="lg"/>
-            </a:ln>
-          </p:spPr>
-          <p:style>
-            <a:lnRef idx="1">
-              <a:schemeClr val="dk1"/>
-            </a:lnRef>
-            <a:fillRef idx="0">
-              <a:schemeClr val="dk1"/>
-            </a:fillRef>
-            <a:effectRef idx="0">
-              <a:schemeClr val="dk1"/>
-            </a:effectRef>
-            <a:fontRef idx="minor">
-              <a:schemeClr val="tx1"/>
-            </a:fontRef>
-          </p:style>
-        </p:cxnSp>
-        <p:sp>
-          <p:nvSpPr>
-            <p:cNvPr id="86" name="TextBox 85">
-              <a:extLst>
-                <a:ext uri="{FF2B5EF4-FFF2-40B4-BE49-F238E27FC236}">
-                  <a16:creationId xmlns:a16="http://schemas.microsoft.com/office/drawing/2014/main" id="{B32CE815-D7D4-CD9C-5CA5-77DC1E0A1556}"/>
-                </a:ext>
-              </a:extLst>
-            </p:cNvPr>
-            <p:cNvSpPr txBox="1"/>
-            <p:nvPr/>
-          </p:nvSpPr>
-          <p:spPr>
-            <a:xfrm>
-              <a:off x="2082579" y="2868897"/>
-              <a:ext cx="498855" cy="230832"/>
-            </a:xfrm>
-            <a:prstGeom prst="rect">
-              <a:avLst/>
-            </a:prstGeom>
-            <a:noFill/>
-          </p:spPr>
-          <p:txBody>
-            <a:bodyPr wrap="none" rtlCol="0">
-              <a:spAutoFit/>
-            </a:bodyPr>
-            <a:lstStyle/>
-            <a:p>
-              <a:r>
-                <a:rPr lang="en-US" sz="900" dirty="0">
-                  <a:latin typeface="Arial" panose="020B0604020202020204" pitchFamily="34" charset="0"/>
-                  <a:cs typeface="Arial" panose="020B0604020202020204" pitchFamily="34" charset="0"/>
-                </a:rPr>
-                <a:t>PCBA</a:t>
-              </a:r>
-            </a:p>
-          </p:txBody>
-        </p:sp>
-        <p:sp>
-          <p:nvSpPr>
-            <p:cNvPr id="88" name="Rectangle 87">
-              <a:extLst>
-                <a:ext uri="{FF2B5EF4-FFF2-40B4-BE49-F238E27FC236}">
-                  <a16:creationId xmlns:a16="http://schemas.microsoft.com/office/drawing/2014/main" id="{B7978016-A566-326D-ADE6-2DE88D3C4871}"/>
-                </a:ext>
-              </a:extLst>
-            </p:cNvPr>
-            <p:cNvSpPr/>
-            <p:nvPr/>
-          </p:nvSpPr>
-          <p:spPr>
-            <a:xfrm>
-              <a:off x="4282498" y="3689559"/>
-              <a:ext cx="1371600" cy="228600"/>
-            </a:xfrm>
-            <a:prstGeom prst="rect">
-              <a:avLst/>
-            </a:prstGeom>
-            <a:noFill/>
-            <a:ln>
-              <a:solidFill>
-                <a:schemeClr val="tx1"/>
-              </a:solidFill>
-            </a:ln>
-          </p:spPr>
-          <p:style>
-            <a:lnRef idx="2">
-              <a:schemeClr val="accent1">
-                <a:shade val="15000"/>
-              </a:schemeClr>
-            </a:lnRef>
-            <a:fillRef idx="1">
-              <a:schemeClr val="accent1"/>
-            </a:fillRef>
-            <a:effectRef idx="0">
-              <a:schemeClr val="accent1"/>
-            </a:effectRef>
-            <a:fontRef idx="minor">
-              <a:schemeClr val="lt1"/>
-            </a:fontRef>
-          </p:style>
-          <p:txBody>
-            <a:bodyPr rtlCol="0" anchor="ctr"/>
-            <a:lstStyle/>
-            <a:p>
-              <a:pPr algn="ctr"/>
-              <a:r>
-                <a:rPr lang="en-US" sz="900" dirty="0">
-                  <a:solidFill>
-                    <a:schemeClr val="tx1"/>
-                  </a:solidFill>
-                  <a:latin typeface="Arial" panose="020B0604020202020204" pitchFamily="34" charset="0"/>
-                  <a:cs typeface="Arial" panose="020B0604020202020204" pitchFamily="34" charset="0"/>
-                </a:rPr>
-                <a:t>2X MAG ENCODER</a:t>
-              </a:r>
-            </a:p>
-          </p:txBody>
-        </p:sp>
-        <p:cxnSp>
-          <p:nvCxnSpPr>
-            <p:cNvPr id="89" name="Straight Arrow Connector 88">
-              <a:extLst>
-                <a:ext uri="{FF2B5EF4-FFF2-40B4-BE49-F238E27FC236}">
-                  <a16:creationId xmlns:a16="http://schemas.microsoft.com/office/drawing/2014/main" id="{FED6773C-3782-D07C-6E43-62E00B2FB82A}"/>
-                </a:ext>
-              </a:extLst>
-            </p:cNvPr>
-            <p:cNvCxnSpPr>
-              <a:cxnSpLocks/>
-              <a:stCxn id="79" idx="3"/>
-            </p:cNvCxnSpPr>
-            <p:nvPr/>
-          </p:nvCxnSpPr>
-          <p:spPr>
-            <a:xfrm>
-              <a:off x="1471150" y="4402059"/>
-              <a:ext cx="838079" cy="0"/>
-            </a:xfrm>
-            <a:prstGeom prst="straightConnector1">
-              <a:avLst/>
-            </a:prstGeom>
-            <a:ln>
-              <a:headEnd type="triangle" w="sm" len="lg"/>
-              <a:tailEnd type="triangle" w="sm" len="lg"/>
-            </a:ln>
-          </p:spPr>
-          <p:style>
-            <a:lnRef idx="1">
-              <a:schemeClr val="dk1"/>
-            </a:lnRef>
-            <a:fillRef idx="0">
-              <a:schemeClr val="dk1"/>
-            </a:fillRef>
-            <a:effectRef idx="0">
-              <a:schemeClr val="dk1"/>
-            </a:effectRef>
-            <a:fontRef idx="minor">
-              <a:schemeClr val="tx1"/>
-            </a:fontRef>
-          </p:style>
-        </p:cxnSp>
-        <p:cxnSp>
-          <p:nvCxnSpPr>
-            <p:cNvPr id="90" name="Straight Arrow Connector 89">
-              <a:extLst>
-                <a:ext uri="{FF2B5EF4-FFF2-40B4-BE49-F238E27FC236}">
-                  <a16:creationId xmlns:a16="http://schemas.microsoft.com/office/drawing/2014/main" id="{C2AD4876-2712-CFB0-E26E-163E8DC35E31}"/>
-                </a:ext>
-              </a:extLst>
-            </p:cNvPr>
-            <p:cNvCxnSpPr>
-              <a:cxnSpLocks/>
-              <a:stCxn id="77" idx="3"/>
-            </p:cNvCxnSpPr>
-            <p:nvPr/>
-          </p:nvCxnSpPr>
-          <p:spPr>
-            <a:xfrm>
-              <a:off x="1578618" y="3359131"/>
-              <a:ext cx="966909" cy="0"/>
-            </a:xfrm>
-            <a:prstGeom prst="straightConnector1">
-              <a:avLst/>
-            </a:prstGeom>
-            <a:ln>
-              <a:headEnd type="triangle" w="sm" len="lg"/>
-              <a:tailEnd type="triangle" w="sm" len="lg"/>
-            </a:ln>
-          </p:spPr>
-          <p:style>
-            <a:lnRef idx="1">
-              <a:schemeClr val="dk1"/>
-            </a:lnRef>
-            <a:fillRef idx="0">
-              <a:schemeClr val="dk1"/>
-            </a:fillRef>
-            <a:effectRef idx="0">
-              <a:schemeClr val="dk1"/>
-            </a:effectRef>
-            <a:fontRef idx="minor">
-              <a:schemeClr val="tx1"/>
-            </a:fontRef>
-          </p:style>
-        </p:cxnSp>
-        <p:sp>
-          <p:nvSpPr>
-            <p:cNvPr id="91" name="Rectangle 90">
-              <a:extLst>
-                <a:ext uri="{FF2B5EF4-FFF2-40B4-BE49-F238E27FC236}">
-                  <a16:creationId xmlns:a16="http://schemas.microsoft.com/office/drawing/2014/main" id="{FE857AF0-D7FE-5B75-265D-8670826EF442}"/>
-                </a:ext>
-              </a:extLst>
-            </p:cNvPr>
-            <p:cNvSpPr/>
-            <p:nvPr/>
-          </p:nvSpPr>
-          <p:spPr>
-            <a:xfrm>
-              <a:off x="3927588" y="3069446"/>
-              <a:ext cx="1013783" cy="457200"/>
-            </a:xfrm>
-            <a:prstGeom prst="rect">
-              <a:avLst/>
-            </a:prstGeom>
-            <a:noFill/>
-            <a:ln>
-              <a:solidFill>
-                <a:schemeClr val="tx1"/>
-              </a:solidFill>
-            </a:ln>
-          </p:spPr>
-          <p:style>
-            <a:lnRef idx="2">
-              <a:schemeClr val="accent1">
-                <a:shade val="15000"/>
-              </a:schemeClr>
-            </a:lnRef>
-            <a:fillRef idx="1">
-              <a:schemeClr val="accent1"/>
-            </a:fillRef>
-            <a:effectRef idx="0">
-              <a:schemeClr val="accent1"/>
-            </a:effectRef>
-            <a:fontRef idx="minor">
-              <a:schemeClr val="lt1"/>
-            </a:fontRef>
-          </p:style>
-          <p:txBody>
-            <a:bodyPr rtlCol="0" anchor="ctr"/>
-            <a:lstStyle/>
-            <a:p>
-              <a:pPr algn="ctr"/>
-              <a:r>
-                <a:rPr lang="en-US" sz="900" dirty="0">
-                  <a:solidFill>
-                    <a:schemeClr val="tx1"/>
-                  </a:solidFill>
-                  <a:latin typeface="Arial" panose="020B0604020202020204" pitchFamily="34" charset="0"/>
-                  <a:cs typeface="Arial" panose="020B0604020202020204" pitchFamily="34" charset="0"/>
-                </a:rPr>
-                <a:t>2X CAN</a:t>
-              </a:r>
-              <a:br>
-                <a:rPr lang="en-US" sz="900" dirty="0">
-                  <a:solidFill>
-                    <a:schemeClr val="tx1"/>
-                  </a:solidFill>
-                  <a:latin typeface="Arial" panose="020B0604020202020204" pitchFamily="34" charset="0"/>
-                  <a:cs typeface="Arial" panose="020B0604020202020204" pitchFamily="34" charset="0"/>
-                </a:rPr>
-              </a:br>
-              <a:r>
-                <a:rPr lang="en-US" sz="900" dirty="0">
-                  <a:solidFill>
-                    <a:schemeClr val="tx1"/>
-                  </a:solidFill>
-                  <a:latin typeface="Arial" panose="020B0604020202020204" pitchFamily="34" charset="0"/>
-                  <a:cs typeface="Arial" panose="020B0604020202020204" pitchFamily="34" charset="0"/>
-                </a:rPr>
-                <a:t>TRANSCEIVER</a:t>
-              </a:r>
-            </a:p>
-          </p:txBody>
-        </p:sp>
-        <p:cxnSp>
-          <p:nvCxnSpPr>
-            <p:cNvPr id="92" name="Straight Arrow Connector 91">
-              <a:extLst>
-                <a:ext uri="{FF2B5EF4-FFF2-40B4-BE49-F238E27FC236}">
-                  <a16:creationId xmlns:a16="http://schemas.microsoft.com/office/drawing/2014/main" id="{2519D5A9-E557-354E-9B26-0F932A66AE64}"/>
-                </a:ext>
-              </a:extLst>
-            </p:cNvPr>
-            <p:cNvCxnSpPr>
-              <a:cxnSpLocks/>
-              <a:stCxn id="91" idx="1"/>
-            </p:cNvCxnSpPr>
-            <p:nvPr/>
-          </p:nvCxnSpPr>
-          <p:spPr>
-            <a:xfrm flipH="1">
-              <a:off x="2995759" y="3298046"/>
-              <a:ext cx="931829" cy="0"/>
-            </a:xfrm>
-            <a:prstGeom prst="straightConnector1">
-              <a:avLst/>
-            </a:prstGeom>
-            <a:ln>
-              <a:headEnd type="triangle" w="sm" len="lg"/>
-              <a:tailEnd type="triangle" w="sm" len="lg"/>
-            </a:ln>
-          </p:spPr>
-          <p:style>
-            <a:lnRef idx="1">
-              <a:schemeClr val="dk1"/>
-            </a:lnRef>
-            <a:fillRef idx="0">
-              <a:schemeClr val="dk1"/>
-            </a:fillRef>
-            <a:effectRef idx="0">
-              <a:schemeClr val="dk1"/>
-            </a:effectRef>
-            <a:fontRef idx="minor">
-              <a:schemeClr val="tx1"/>
-            </a:fontRef>
-          </p:style>
-        </p:cxnSp>
-        <p:sp>
-          <p:nvSpPr>
-            <p:cNvPr id="93" name="TextBox 92">
-              <a:extLst>
-                <a:ext uri="{FF2B5EF4-FFF2-40B4-BE49-F238E27FC236}">
-                  <a16:creationId xmlns:a16="http://schemas.microsoft.com/office/drawing/2014/main" id="{54ECB053-4330-BDF3-45C4-ECC61E85A9DB}"/>
-                </a:ext>
-              </a:extLst>
-            </p:cNvPr>
-            <p:cNvSpPr txBox="1"/>
-            <p:nvPr/>
-          </p:nvSpPr>
-          <p:spPr>
-            <a:xfrm>
-              <a:off x="3214508" y="3112772"/>
-              <a:ext cx="370615" cy="230832"/>
-            </a:xfrm>
-            <a:prstGeom prst="rect">
-              <a:avLst/>
-            </a:prstGeom>
-            <a:noFill/>
-          </p:spPr>
-          <p:txBody>
-            <a:bodyPr wrap="none" rtlCol="0">
-              <a:spAutoFit/>
-            </a:bodyPr>
-            <a:lstStyle/>
-            <a:p>
-              <a:pPr algn="ctr"/>
-              <a:r>
-                <a:rPr lang="en-US" sz="900" dirty="0">
-                  <a:latin typeface="Arial" panose="020B0604020202020204" pitchFamily="34" charset="0"/>
-                  <a:cs typeface="Arial" panose="020B0604020202020204" pitchFamily="34" charset="0"/>
-                </a:rPr>
-                <a:t>SPI</a:t>
-              </a:r>
-            </a:p>
-          </p:txBody>
-        </p:sp>
-        <p:sp>
-          <p:nvSpPr>
-            <p:cNvPr id="94" name="TextBox 93">
-              <a:extLst>
-                <a:ext uri="{FF2B5EF4-FFF2-40B4-BE49-F238E27FC236}">
-                  <a16:creationId xmlns:a16="http://schemas.microsoft.com/office/drawing/2014/main" id="{EE9C2E35-87C1-89A4-F0A8-14DDE4EF8843}"/>
-                </a:ext>
-              </a:extLst>
-            </p:cNvPr>
-            <p:cNvSpPr txBox="1"/>
-            <p:nvPr/>
-          </p:nvSpPr>
-          <p:spPr>
-            <a:xfrm>
-              <a:off x="5366198" y="2780975"/>
-              <a:ext cx="575799" cy="230832"/>
-            </a:xfrm>
-            <a:prstGeom prst="rect">
-              <a:avLst/>
-            </a:prstGeom>
-            <a:noFill/>
-          </p:spPr>
-          <p:txBody>
-            <a:bodyPr wrap="none" rtlCol="0">
-              <a:spAutoFit/>
-            </a:bodyPr>
-            <a:lstStyle/>
-            <a:p>
-              <a:r>
-                <a:rPr lang="en-US" sz="900" dirty="0">
-                  <a:latin typeface="Arial" panose="020B0604020202020204" pitchFamily="34" charset="0"/>
-                  <a:cs typeface="Arial" panose="020B0604020202020204" pitchFamily="34" charset="0"/>
-                </a:rPr>
-                <a:t>CAN_L</a:t>
-              </a:r>
-            </a:p>
-          </p:txBody>
-        </p:sp>
-        <p:sp>
-          <p:nvSpPr>
-            <p:cNvPr id="95" name="Rectangle 94">
-              <a:extLst>
-                <a:ext uri="{FF2B5EF4-FFF2-40B4-BE49-F238E27FC236}">
-                  <a16:creationId xmlns:a16="http://schemas.microsoft.com/office/drawing/2014/main" id="{CEBBFE95-C869-EB1B-700C-A2AAA70C39B8}"/>
-                </a:ext>
-              </a:extLst>
-            </p:cNvPr>
-            <p:cNvSpPr/>
-            <p:nvPr/>
-          </p:nvSpPr>
-          <p:spPr>
-            <a:xfrm>
-              <a:off x="2287956" y="2298768"/>
-              <a:ext cx="996896" cy="228600"/>
-            </a:xfrm>
-            <a:prstGeom prst="rect">
-              <a:avLst/>
-            </a:prstGeom>
-            <a:noFill/>
-            <a:ln>
-              <a:solidFill>
-                <a:schemeClr val="tx1"/>
-              </a:solidFill>
-            </a:ln>
-          </p:spPr>
-          <p:style>
-            <a:lnRef idx="2">
-              <a:schemeClr val="accent1">
-                <a:shade val="15000"/>
-              </a:schemeClr>
-            </a:lnRef>
-            <a:fillRef idx="1">
-              <a:schemeClr val="accent1"/>
-            </a:fillRef>
-            <a:effectRef idx="0">
-              <a:schemeClr val="accent1"/>
-            </a:effectRef>
-            <a:fontRef idx="minor">
-              <a:schemeClr val="lt1"/>
-            </a:fontRef>
-          </p:style>
-          <p:txBody>
-            <a:bodyPr rtlCol="0" anchor="ctr"/>
-            <a:lstStyle/>
-            <a:p>
-              <a:pPr algn="ctr"/>
-              <a:r>
-                <a:rPr lang="en-US" sz="900" dirty="0">
-                  <a:solidFill>
-                    <a:schemeClr val="tx1"/>
-                  </a:solidFill>
-                  <a:latin typeface="Arial" panose="020B0604020202020204" pitchFamily="34" charset="0"/>
-                  <a:cs typeface="Arial" panose="020B0604020202020204" pitchFamily="34" charset="0"/>
-                </a:rPr>
-                <a:t>LOAD CELL</a:t>
-              </a:r>
-            </a:p>
-          </p:txBody>
-        </p:sp>
-        <p:cxnSp>
-          <p:nvCxnSpPr>
-            <p:cNvPr id="96" name="Straight Arrow Connector 95">
-              <a:extLst>
-                <a:ext uri="{FF2B5EF4-FFF2-40B4-BE49-F238E27FC236}">
-                  <a16:creationId xmlns:a16="http://schemas.microsoft.com/office/drawing/2014/main" id="{1BFEDBB1-4A6E-B173-79DD-7D80F9BC1135}"/>
-                </a:ext>
-              </a:extLst>
-            </p:cNvPr>
-            <p:cNvCxnSpPr>
-              <a:cxnSpLocks/>
-            </p:cNvCxnSpPr>
-            <p:nvPr/>
-          </p:nvCxnSpPr>
-          <p:spPr>
-            <a:xfrm>
-              <a:off x="2768760" y="2530289"/>
-              <a:ext cx="0" cy="631824"/>
-            </a:xfrm>
-            <a:prstGeom prst="straightConnector1">
-              <a:avLst/>
-            </a:prstGeom>
-            <a:ln>
-              <a:headEnd type="triangle" w="sm" len="lg"/>
-              <a:tailEnd type="triangle" w="sm" len="lg"/>
-            </a:ln>
-          </p:spPr>
-          <p:style>
-            <a:lnRef idx="1">
-              <a:schemeClr val="dk1"/>
-            </a:lnRef>
-            <a:fillRef idx="0">
-              <a:schemeClr val="dk1"/>
-            </a:fillRef>
-            <a:effectRef idx="0">
-              <a:schemeClr val="dk1"/>
-            </a:effectRef>
-            <a:fontRef idx="minor">
-              <a:schemeClr val="tx1"/>
-            </a:fontRef>
-          </p:style>
-        </p:cxnSp>
-        <p:sp>
-          <p:nvSpPr>
-            <p:cNvPr id="97" name="TextBox 96">
-              <a:extLst>
-                <a:ext uri="{FF2B5EF4-FFF2-40B4-BE49-F238E27FC236}">
-                  <a16:creationId xmlns:a16="http://schemas.microsoft.com/office/drawing/2014/main" id="{AE230A6C-CF49-D860-94CD-A8BB7D010CE4}"/>
-                </a:ext>
-              </a:extLst>
-            </p:cNvPr>
-            <p:cNvSpPr txBox="1"/>
-            <p:nvPr/>
-          </p:nvSpPr>
-          <p:spPr>
-            <a:xfrm>
-              <a:off x="2753787" y="2634949"/>
-              <a:ext cx="1415772" cy="230832"/>
-            </a:xfrm>
-            <a:prstGeom prst="rect">
-              <a:avLst/>
-            </a:prstGeom>
-            <a:noFill/>
-          </p:spPr>
-          <p:txBody>
-            <a:bodyPr wrap="none" rtlCol="0">
-              <a:spAutoFit/>
-            </a:bodyPr>
-            <a:lstStyle/>
-            <a:p>
-              <a:r>
-                <a:rPr lang="en-US" sz="900" dirty="0">
-                  <a:latin typeface="Arial" panose="020B0604020202020204" pitchFamily="34" charset="0"/>
-                  <a:cs typeface="Arial" panose="020B0604020202020204" pitchFamily="34" charset="0"/>
-                </a:rPr>
-                <a:t>2X ANALOG VOLTAGE</a:t>
-              </a:r>
-            </a:p>
-          </p:txBody>
-        </p:sp>
-        <p:sp>
-          <p:nvSpPr>
-            <p:cNvPr id="98" name="Rectangle 97">
-              <a:extLst>
-                <a:ext uri="{FF2B5EF4-FFF2-40B4-BE49-F238E27FC236}">
-                  <a16:creationId xmlns:a16="http://schemas.microsoft.com/office/drawing/2014/main" id="{18D69F85-E5C1-C188-7EFA-7AD30DDD67DB}"/>
-                </a:ext>
-              </a:extLst>
-            </p:cNvPr>
-            <p:cNvSpPr/>
-            <p:nvPr/>
-          </p:nvSpPr>
-          <p:spPr>
-            <a:xfrm>
-              <a:off x="4282498" y="4146759"/>
-              <a:ext cx="1371600" cy="228600"/>
-            </a:xfrm>
-            <a:prstGeom prst="rect">
-              <a:avLst/>
-            </a:prstGeom>
-            <a:noFill/>
-            <a:ln>
-              <a:solidFill>
-                <a:schemeClr val="tx1"/>
-              </a:solidFill>
-            </a:ln>
-          </p:spPr>
-          <p:style>
-            <a:lnRef idx="2">
-              <a:schemeClr val="accent1">
-                <a:shade val="15000"/>
-              </a:schemeClr>
-            </a:lnRef>
-            <a:fillRef idx="1">
-              <a:schemeClr val="accent1"/>
-            </a:fillRef>
-            <a:effectRef idx="0">
-              <a:schemeClr val="accent1"/>
-            </a:effectRef>
-            <a:fontRef idx="minor">
-              <a:schemeClr val="lt1"/>
-            </a:fontRef>
-          </p:style>
-          <p:txBody>
-            <a:bodyPr rtlCol="0" anchor="ctr"/>
-            <a:lstStyle/>
-            <a:p>
-              <a:pPr algn="ctr"/>
-              <a:r>
-                <a:rPr lang="en-US" sz="900" dirty="0">
-                  <a:solidFill>
-                    <a:schemeClr val="tx1"/>
-                  </a:solidFill>
-                  <a:latin typeface="Arial" panose="020B0604020202020204" pitchFamily="34" charset="0"/>
-                  <a:cs typeface="Arial" panose="020B0604020202020204" pitchFamily="34" charset="0"/>
-                </a:rPr>
-                <a:t>3.7 V LiPo BATTERY</a:t>
-              </a:r>
-            </a:p>
-          </p:txBody>
-        </p:sp>
-        <p:cxnSp>
-          <p:nvCxnSpPr>
-            <p:cNvPr id="99" name="Connector: Elbow 98">
-              <a:extLst>
-                <a:ext uri="{FF2B5EF4-FFF2-40B4-BE49-F238E27FC236}">
-                  <a16:creationId xmlns:a16="http://schemas.microsoft.com/office/drawing/2014/main" id="{D9EDF1ED-0814-DBD5-D06E-B2BC57315345}"/>
-                </a:ext>
-              </a:extLst>
-            </p:cNvPr>
-            <p:cNvCxnSpPr>
-              <a:cxnSpLocks/>
-              <a:endCxn id="88" idx="1"/>
-            </p:cNvCxnSpPr>
-            <p:nvPr/>
-          </p:nvCxnSpPr>
-          <p:spPr>
-            <a:xfrm>
-              <a:off x="3001260" y="3673845"/>
-              <a:ext cx="1281238" cy="130014"/>
-            </a:xfrm>
-            <a:prstGeom prst="bentConnector3">
-              <a:avLst>
-                <a:gd name="adj1" fmla="val 50000"/>
-              </a:avLst>
-            </a:prstGeom>
-            <a:ln>
-              <a:headEnd type="triangle" w="sm" len="lg"/>
-              <a:tailEnd type="triangle" w="sm" len="lg"/>
-            </a:ln>
-          </p:spPr>
-          <p:style>
-            <a:lnRef idx="1">
-              <a:schemeClr val="dk1"/>
-            </a:lnRef>
-            <a:fillRef idx="0">
-              <a:schemeClr val="dk1"/>
-            </a:fillRef>
-            <a:effectRef idx="0">
-              <a:schemeClr val="dk1"/>
-            </a:effectRef>
-            <a:fontRef idx="minor">
-              <a:schemeClr val="tx1"/>
-            </a:fontRef>
-          </p:style>
-        </p:cxnSp>
-        <p:cxnSp>
-          <p:nvCxnSpPr>
-            <p:cNvPr id="100" name="Connector: Elbow 99">
-              <a:extLst>
-                <a:ext uri="{FF2B5EF4-FFF2-40B4-BE49-F238E27FC236}">
-                  <a16:creationId xmlns:a16="http://schemas.microsoft.com/office/drawing/2014/main" id="{894E52C7-B46E-ED33-906E-BBF729030532}"/>
-                </a:ext>
-              </a:extLst>
-            </p:cNvPr>
-            <p:cNvCxnSpPr>
-              <a:cxnSpLocks/>
-            </p:cNvCxnSpPr>
-            <p:nvPr/>
-          </p:nvCxnSpPr>
-          <p:spPr>
-            <a:xfrm rot="10800000">
-              <a:off x="2995760" y="3829502"/>
-              <a:ext cx="1286738" cy="431556"/>
-            </a:xfrm>
-            <a:prstGeom prst="bentConnector3">
-              <a:avLst>
-                <a:gd name="adj1" fmla="val 59376"/>
-              </a:avLst>
-            </a:prstGeom>
-            <a:ln>
-              <a:headEnd type="none" w="sm" len="lg"/>
-              <a:tailEnd type="triangle" w="sm" len="lg"/>
-            </a:ln>
-          </p:spPr>
-          <p:style>
-            <a:lnRef idx="1">
-              <a:schemeClr val="dk1"/>
-            </a:lnRef>
-            <a:fillRef idx="0">
-              <a:schemeClr val="dk1"/>
-            </a:fillRef>
-            <a:effectRef idx="0">
-              <a:schemeClr val="dk1"/>
-            </a:effectRef>
-            <a:fontRef idx="minor">
-              <a:schemeClr val="tx1"/>
-            </a:fontRef>
-          </p:style>
-        </p:cxnSp>
-        <p:cxnSp>
-          <p:nvCxnSpPr>
-            <p:cNvPr id="101" name="Connector: Elbow 100">
-              <a:extLst>
-                <a:ext uri="{FF2B5EF4-FFF2-40B4-BE49-F238E27FC236}">
-                  <a16:creationId xmlns:a16="http://schemas.microsoft.com/office/drawing/2014/main" id="{829ADDAF-721E-7DF6-DDFC-F692FE69D9A8}"/>
-                </a:ext>
-              </a:extLst>
-            </p:cNvPr>
-            <p:cNvCxnSpPr>
-              <a:cxnSpLocks/>
-              <a:stCxn id="75" idx="1"/>
-            </p:cNvCxnSpPr>
-            <p:nvPr/>
-          </p:nvCxnSpPr>
-          <p:spPr>
-            <a:xfrm rot="10800000" flipV="1">
-              <a:off x="1854143" y="3532325"/>
-              <a:ext cx="687694" cy="859208"/>
-            </a:xfrm>
-            <a:prstGeom prst="bentConnector2">
-              <a:avLst/>
-            </a:prstGeom>
-            <a:ln>
-              <a:headEnd type="triangle" w="sm" len="lg"/>
-              <a:tailEnd type="none" w="sm" len="lg"/>
-            </a:ln>
-          </p:spPr>
-          <p:style>
-            <a:lnRef idx="1">
-              <a:schemeClr val="dk1"/>
-            </a:lnRef>
-            <a:fillRef idx="0">
-              <a:schemeClr val="dk1"/>
-            </a:fillRef>
-            <a:effectRef idx="0">
-              <a:schemeClr val="dk1"/>
-            </a:effectRef>
-            <a:fontRef idx="minor">
-              <a:schemeClr val="tx1"/>
-            </a:fontRef>
-          </p:style>
-        </p:cxnSp>
-        <p:sp>
-          <p:nvSpPr>
-            <p:cNvPr id="102" name="TextBox 101">
-              <a:extLst>
-                <a:ext uri="{FF2B5EF4-FFF2-40B4-BE49-F238E27FC236}">
-                  <a16:creationId xmlns:a16="http://schemas.microsoft.com/office/drawing/2014/main" id="{13A3BE5E-910E-4B95-2B2D-BD1C19E46488}"/>
-                </a:ext>
-              </a:extLst>
-            </p:cNvPr>
-            <p:cNvSpPr txBox="1"/>
-            <p:nvPr/>
-          </p:nvSpPr>
-          <p:spPr>
-            <a:xfrm>
-              <a:off x="3697485" y="4274449"/>
-              <a:ext cx="585013" cy="230832"/>
-            </a:xfrm>
-            <a:prstGeom prst="rect">
-              <a:avLst/>
-            </a:prstGeom>
-            <a:noFill/>
-          </p:spPr>
-          <p:txBody>
-            <a:bodyPr wrap="square" rtlCol="0">
-              <a:spAutoFit/>
-            </a:bodyPr>
-            <a:lstStyle/>
-            <a:p>
-              <a:pPr algn="ctr"/>
-              <a:r>
-                <a:rPr lang="en-US" sz="900" i="1" dirty="0">
-                  <a:latin typeface="Arial" panose="020B0604020202020204" pitchFamily="34" charset="0"/>
-                  <a:cs typeface="Arial" panose="020B0604020202020204" pitchFamily="34" charset="0"/>
-                </a:rPr>
-                <a:t>Power</a:t>
-              </a:r>
-            </a:p>
-          </p:txBody>
-        </p:sp>
-        <p:sp>
-          <p:nvSpPr>
-            <p:cNvPr id="103" name="TextBox 102">
-              <a:extLst>
-                <a:ext uri="{FF2B5EF4-FFF2-40B4-BE49-F238E27FC236}">
-                  <a16:creationId xmlns:a16="http://schemas.microsoft.com/office/drawing/2014/main" id="{21B145D2-9667-01A5-126A-8245D9CB7634}"/>
-                </a:ext>
-              </a:extLst>
-            </p:cNvPr>
-            <p:cNvSpPr txBox="1"/>
-            <p:nvPr/>
-          </p:nvSpPr>
-          <p:spPr>
-            <a:xfrm>
-              <a:off x="1348515" y="3822329"/>
-              <a:ext cx="585013" cy="230832"/>
-            </a:xfrm>
-            <a:prstGeom prst="rect">
-              <a:avLst/>
-            </a:prstGeom>
-            <a:noFill/>
-          </p:spPr>
-          <p:txBody>
-            <a:bodyPr wrap="square" rtlCol="0">
-              <a:spAutoFit/>
-            </a:bodyPr>
-            <a:lstStyle/>
-            <a:p>
-              <a:pPr algn="ctr"/>
-              <a:r>
-                <a:rPr lang="en-US" sz="900" i="1" dirty="0">
-                  <a:latin typeface="Arial" panose="020B0604020202020204" pitchFamily="34" charset="0"/>
-                  <a:cs typeface="Arial" panose="020B0604020202020204" pitchFamily="34" charset="0"/>
-                </a:rPr>
-                <a:t>Power</a:t>
-              </a:r>
-            </a:p>
-          </p:txBody>
-        </p:sp>
-        <p:cxnSp>
-          <p:nvCxnSpPr>
-            <p:cNvPr id="107" name="Connector: Elbow 106">
-              <a:extLst>
-                <a:ext uri="{FF2B5EF4-FFF2-40B4-BE49-F238E27FC236}">
-                  <a16:creationId xmlns:a16="http://schemas.microsoft.com/office/drawing/2014/main" id="{78D89FAD-3B33-0978-62D0-38867E68B399}"/>
-                </a:ext>
-              </a:extLst>
-            </p:cNvPr>
-            <p:cNvCxnSpPr>
-              <a:cxnSpLocks/>
-              <a:stCxn id="76" idx="2"/>
-              <a:endCxn id="91" idx="3"/>
-            </p:cNvCxnSpPr>
-            <p:nvPr/>
-          </p:nvCxnSpPr>
-          <p:spPr>
-            <a:xfrm rot="5400000">
-              <a:off x="4817654" y="2779537"/>
-              <a:ext cx="642226" cy="394792"/>
-            </a:xfrm>
-            <a:prstGeom prst="bentConnector2">
-              <a:avLst/>
-            </a:prstGeom>
-            <a:ln>
-              <a:headEnd type="triangle" w="sm" len="lg"/>
-              <a:tailEnd type="triangle" w="sm" len="lg"/>
-            </a:ln>
-          </p:spPr>
-          <p:style>
-            <a:lnRef idx="1">
-              <a:schemeClr val="dk1"/>
-            </a:lnRef>
-            <a:fillRef idx="0">
-              <a:schemeClr val="dk1"/>
-            </a:fillRef>
-            <a:effectRef idx="0">
-              <a:schemeClr val="dk1"/>
-            </a:effectRef>
-            <a:fontRef idx="minor">
-              <a:schemeClr val="tx1"/>
-            </a:fontRef>
-          </p:style>
-        </p:cxnSp>
-      </p:grpSp>
-      <p:grpSp>
-        <p:nvGrpSpPr>
           <p:cNvPr id="10" name="Group 9">
             <a:extLst>
               <a:ext uri="{FF2B5EF4-FFF2-40B4-BE49-F238E27FC236}">
@@ -2892,6 +1470,1438 @@
             </a:p>
           </p:txBody>
         </p:sp>
+      </p:grpSp>
+      <p:grpSp>
+        <p:nvGrpSpPr>
+          <p:cNvPr id="9" name="Group 8">
+            <a:extLst>
+              <a:ext uri="{FF2B5EF4-FFF2-40B4-BE49-F238E27FC236}">
+                <a16:creationId xmlns:a16="http://schemas.microsoft.com/office/drawing/2014/main" id="{B6CAAEDC-E2D6-5079-91D3-FE25579A775E}"/>
+              </a:ext>
+            </a:extLst>
+          </p:cNvPr>
+          <p:cNvGrpSpPr/>
+          <p:nvPr/>
+        </p:nvGrpSpPr>
+        <p:grpSpPr>
+          <a:xfrm>
+            <a:off x="1071994" y="1092820"/>
+            <a:ext cx="5162004" cy="2532291"/>
+            <a:chOff x="1071994" y="1092820"/>
+            <a:chExt cx="5162004" cy="2532291"/>
+          </a:xfrm>
+        </p:grpSpPr>
+        <p:sp>
+          <p:nvSpPr>
+            <p:cNvPr id="12" name="Rectangle 11">
+              <a:extLst>
+                <a:ext uri="{FF2B5EF4-FFF2-40B4-BE49-F238E27FC236}">
+                  <a16:creationId xmlns:a16="http://schemas.microsoft.com/office/drawing/2014/main" id="{61B6C13B-218D-EFF4-B441-690F80DFC8A4}"/>
+                </a:ext>
+              </a:extLst>
+            </p:cNvPr>
+            <p:cNvSpPr/>
+            <p:nvPr/>
+          </p:nvSpPr>
+          <p:spPr>
+            <a:xfrm>
+              <a:off x="2753872" y="1956165"/>
+              <a:ext cx="457200" cy="740424"/>
+            </a:xfrm>
+            <a:prstGeom prst="rect">
+              <a:avLst/>
+            </a:prstGeom>
+            <a:noFill/>
+            <a:ln>
+              <a:solidFill>
+                <a:schemeClr val="tx1"/>
+              </a:solidFill>
+            </a:ln>
+          </p:spPr>
+          <p:style>
+            <a:lnRef idx="2">
+              <a:schemeClr val="accent1">
+                <a:shade val="15000"/>
+              </a:schemeClr>
+            </a:lnRef>
+            <a:fillRef idx="1">
+              <a:schemeClr val="accent1"/>
+            </a:fillRef>
+            <a:effectRef idx="0">
+              <a:schemeClr val="accent1"/>
+            </a:effectRef>
+            <a:fontRef idx="minor">
+              <a:schemeClr val="lt1"/>
+            </a:fontRef>
+          </p:style>
+          <p:txBody>
+            <a:bodyPr rtlCol="0" anchor="ctr"/>
+            <a:lstStyle/>
+            <a:p>
+              <a:pPr algn="ctr"/>
+              <a:r>
+                <a:rPr lang="en-US" sz="900" dirty="0">
+                  <a:solidFill>
+                    <a:schemeClr val="tx1"/>
+                  </a:solidFill>
+                  <a:latin typeface="Arial" panose="020B0604020202020204" pitchFamily="34" charset="0"/>
+                  <a:cs typeface="Arial" panose="020B0604020202020204" pitchFamily="34" charset="0"/>
+                </a:rPr>
+                <a:t>MCU</a:t>
+              </a:r>
+            </a:p>
+          </p:txBody>
+        </p:sp>
+        <p:sp>
+          <p:nvSpPr>
+            <p:cNvPr id="13" name="Rectangle 12">
+              <a:extLst>
+                <a:ext uri="{FF2B5EF4-FFF2-40B4-BE49-F238E27FC236}">
+                  <a16:creationId xmlns:a16="http://schemas.microsoft.com/office/drawing/2014/main" id="{1F80621B-636F-31CB-AA38-8F5E42338BF2}"/>
+                </a:ext>
+              </a:extLst>
+            </p:cNvPr>
+            <p:cNvSpPr/>
+            <p:nvPr/>
+          </p:nvSpPr>
+          <p:spPr>
+            <a:xfrm>
+              <a:off x="4862398" y="1221272"/>
+              <a:ext cx="1371600" cy="228600"/>
+            </a:xfrm>
+            <a:prstGeom prst="rect">
+              <a:avLst/>
+            </a:prstGeom>
+            <a:noFill/>
+            <a:ln>
+              <a:solidFill>
+                <a:schemeClr val="tx1"/>
+              </a:solidFill>
+            </a:ln>
+          </p:spPr>
+          <p:style>
+            <a:lnRef idx="2">
+              <a:schemeClr val="accent1">
+                <a:shade val="15000"/>
+              </a:schemeClr>
+            </a:lnRef>
+            <a:fillRef idx="1">
+              <a:schemeClr val="accent1"/>
+            </a:fillRef>
+            <a:effectRef idx="0">
+              <a:schemeClr val="accent1"/>
+            </a:effectRef>
+            <a:fontRef idx="minor">
+              <a:schemeClr val="lt1"/>
+            </a:fontRef>
+          </p:style>
+          <p:txBody>
+            <a:bodyPr rtlCol="0" anchor="ctr"/>
+            <a:lstStyle/>
+            <a:p>
+              <a:pPr algn="ctr"/>
+              <a:r>
+                <a:rPr lang="en-US" sz="900" dirty="0">
+                  <a:solidFill>
+                    <a:schemeClr val="tx1"/>
+                  </a:solidFill>
+                  <a:latin typeface="Arial" panose="020B0604020202020204" pitchFamily="34" charset="0"/>
+                  <a:cs typeface="Arial" panose="020B0604020202020204" pitchFamily="34" charset="0"/>
+                </a:rPr>
+                <a:t>2X MOTOR DRIVER</a:t>
+              </a:r>
+            </a:p>
+          </p:txBody>
+        </p:sp>
+        <p:sp>
+          <p:nvSpPr>
+            <p:cNvPr id="15" name="Rectangle 14">
+              <a:extLst>
+                <a:ext uri="{FF2B5EF4-FFF2-40B4-BE49-F238E27FC236}">
+                  <a16:creationId xmlns:a16="http://schemas.microsoft.com/office/drawing/2014/main" id="{D8701DF2-D26F-9D11-719B-F079BEF6B513}"/>
+                </a:ext>
+              </a:extLst>
+            </p:cNvPr>
+            <p:cNvSpPr/>
+            <p:nvPr/>
+          </p:nvSpPr>
+          <p:spPr>
+            <a:xfrm>
+              <a:off x="1145015" y="2038883"/>
+              <a:ext cx="645638" cy="228600"/>
+            </a:xfrm>
+            <a:prstGeom prst="rect">
+              <a:avLst/>
+            </a:prstGeom>
+            <a:noFill/>
+            <a:ln>
+              <a:solidFill>
+                <a:schemeClr val="tx1"/>
+              </a:solidFill>
+            </a:ln>
+          </p:spPr>
+          <p:style>
+            <a:lnRef idx="2">
+              <a:schemeClr val="accent1">
+                <a:shade val="15000"/>
+              </a:schemeClr>
+            </a:lnRef>
+            <a:fillRef idx="1">
+              <a:schemeClr val="accent1"/>
+            </a:fillRef>
+            <a:effectRef idx="0">
+              <a:schemeClr val="accent1"/>
+            </a:effectRef>
+            <a:fontRef idx="minor">
+              <a:schemeClr val="lt1"/>
+            </a:fontRef>
+          </p:style>
+          <p:txBody>
+            <a:bodyPr rtlCol="0" anchor="ctr"/>
+            <a:lstStyle/>
+            <a:p>
+              <a:pPr algn="ctr"/>
+              <a:r>
+                <a:rPr lang="en-US" sz="900" dirty="0">
+                  <a:solidFill>
+                    <a:schemeClr val="tx1"/>
+                  </a:solidFill>
+                  <a:latin typeface="Arial" panose="020B0604020202020204" pitchFamily="34" charset="0"/>
+                  <a:cs typeface="Arial" panose="020B0604020202020204" pitchFamily="34" charset="0"/>
+                </a:rPr>
+                <a:t>IMU</a:t>
+              </a:r>
+            </a:p>
+          </p:txBody>
+        </p:sp>
+        <p:sp>
+          <p:nvSpPr>
+            <p:cNvPr id="16" name="Rectangle 15">
+              <a:extLst>
+                <a:ext uri="{FF2B5EF4-FFF2-40B4-BE49-F238E27FC236}">
+                  <a16:creationId xmlns:a16="http://schemas.microsoft.com/office/drawing/2014/main" id="{B3D5355B-132D-0F5F-D469-E981C707F212}"/>
+                </a:ext>
+              </a:extLst>
+            </p:cNvPr>
+            <p:cNvSpPr/>
+            <p:nvPr/>
+          </p:nvSpPr>
+          <p:spPr>
+            <a:xfrm>
+              <a:off x="1071994" y="3282211"/>
+              <a:ext cx="914400" cy="228600"/>
+            </a:xfrm>
+            <a:prstGeom prst="rect">
+              <a:avLst/>
+            </a:prstGeom>
+            <a:noFill/>
+            <a:ln>
+              <a:solidFill>
+                <a:schemeClr val="tx1"/>
+              </a:solidFill>
+            </a:ln>
+          </p:spPr>
+          <p:style>
+            <a:lnRef idx="2">
+              <a:schemeClr val="accent1">
+                <a:shade val="15000"/>
+              </a:schemeClr>
+            </a:lnRef>
+            <a:fillRef idx="1">
+              <a:schemeClr val="accent1"/>
+            </a:fillRef>
+            <a:effectRef idx="0">
+              <a:schemeClr val="accent1"/>
+            </a:effectRef>
+            <a:fontRef idx="minor">
+              <a:schemeClr val="lt1"/>
+            </a:fontRef>
+          </p:style>
+          <p:txBody>
+            <a:bodyPr rtlCol="0" anchor="ctr"/>
+            <a:lstStyle/>
+            <a:p>
+              <a:pPr algn="ctr"/>
+              <a:r>
+                <a:rPr lang="en-US" sz="900" dirty="0">
+                  <a:solidFill>
+                    <a:schemeClr val="tx1"/>
+                  </a:solidFill>
+                  <a:latin typeface="Arial" panose="020B0604020202020204" pitchFamily="34" charset="0"/>
+                  <a:cs typeface="Arial" panose="020B0604020202020204" pitchFamily="34" charset="0"/>
+                </a:rPr>
+                <a:t>COMPUTER</a:t>
+              </a:r>
+            </a:p>
+          </p:txBody>
+        </p:sp>
+        <p:sp>
+          <p:nvSpPr>
+            <p:cNvPr id="17" name="TextBox 16">
+              <a:extLst>
+                <a:ext uri="{FF2B5EF4-FFF2-40B4-BE49-F238E27FC236}">
+                  <a16:creationId xmlns:a16="http://schemas.microsoft.com/office/drawing/2014/main" id="{FC4ABA99-080B-1690-7D95-118B4DBEC148}"/>
+                </a:ext>
+              </a:extLst>
+            </p:cNvPr>
+            <p:cNvSpPr txBox="1"/>
+            <p:nvPr/>
+          </p:nvSpPr>
+          <p:spPr>
+            <a:xfrm>
+              <a:off x="1924105" y="3166795"/>
+              <a:ext cx="585013" cy="230832"/>
+            </a:xfrm>
+            <a:prstGeom prst="rect">
+              <a:avLst/>
+            </a:prstGeom>
+            <a:noFill/>
+          </p:spPr>
+          <p:txBody>
+            <a:bodyPr wrap="square" rtlCol="0">
+              <a:spAutoFit/>
+            </a:bodyPr>
+            <a:lstStyle/>
+            <a:p>
+              <a:pPr algn="ctr"/>
+              <a:r>
+                <a:rPr lang="en-US" sz="900" dirty="0">
+                  <a:latin typeface="Arial" panose="020B0604020202020204" pitchFamily="34" charset="0"/>
+                  <a:cs typeface="Arial" panose="020B0604020202020204" pitchFamily="34" charset="0"/>
+                </a:rPr>
+                <a:t>USB</a:t>
+              </a:r>
+            </a:p>
+          </p:txBody>
+        </p:sp>
+        <p:sp>
+          <p:nvSpPr>
+            <p:cNvPr id="18" name="TextBox 17">
+              <a:extLst>
+                <a:ext uri="{FF2B5EF4-FFF2-40B4-BE49-F238E27FC236}">
+                  <a16:creationId xmlns:a16="http://schemas.microsoft.com/office/drawing/2014/main" id="{794F0E3F-0B22-659C-F48B-28DDD3F3AE9B}"/>
+                </a:ext>
+              </a:extLst>
+            </p:cNvPr>
+            <p:cNvSpPr txBox="1"/>
+            <p:nvPr/>
+          </p:nvSpPr>
+          <p:spPr>
+            <a:xfrm>
+              <a:off x="4972399" y="1568821"/>
+              <a:ext cx="575799" cy="230832"/>
+            </a:xfrm>
+            <a:prstGeom prst="rect">
+              <a:avLst/>
+            </a:prstGeom>
+            <a:noFill/>
+          </p:spPr>
+          <p:txBody>
+            <a:bodyPr wrap="none" rtlCol="0">
+              <a:spAutoFit/>
+            </a:bodyPr>
+            <a:lstStyle/>
+            <a:p>
+              <a:r>
+                <a:rPr lang="en-US" sz="900" dirty="0">
+                  <a:latin typeface="Arial" panose="020B0604020202020204" pitchFamily="34" charset="0"/>
+                  <a:cs typeface="Arial" panose="020B0604020202020204" pitchFamily="34" charset="0"/>
+                </a:rPr>
+                <a:t>CAN_H</a:t>
+              </a:r>
+            </a:p>
+          </p:txBody>
+        </p:sp>
+        <p:sp>
+          <p:nvSpPr>
+            <p:cNvPr id="20" name="TextBox 19">
+              <a:extLst>
+                <a:ext uri="{FF2B5EF4-FFF2-40B4-BE49-F238E27FC236}">
+                  <a16:creationId xmlns:a16="http://schemas.microsoft.com/office/drawing/2014/main" id="{4426EBFB-4320-D144-AD69-92245DA7FB0F}"/>
+                </a:ext>
+              </a:extLst>
+            </p:cNvPr>
+            <p:cNvSpPr txBox="1"/>
+            <p:nvPr/>
+          </p:nvSpPr>
+          <p:spPr>
+            <a:xfrm>
+              <a:off x="3402523" y="2259145"/>
+              <a:ext cx="370614" cy="230832"/>
+            </a:xfrm>
+            <a:prstGeom prst="rect">
+              <a:avLst/>
+            </a:prstGeom>
+            <a:noFill/>
+          </p:spPr>
+          <p:txBody>
+            <a:bodyPr wrap="none" rtlCol="0">
+              <a:spAutoFit/>
+            </a:bodyPr>
+            <a:lstStyle/>
+            <a:p>
+              <a:r>
+                <a:rPr lang="en-US" sz="900" dirty="0">
+                  <a:latin typeface="Arial" panose="020B0604020202020204" pitchFamily="34" charset="0"/>
+                  <a:cs typeface="Arial" panose="020B0604020202020204" pitchFamily="34" charset="0"/>
+                </a:rPr>
+                <a:t>SSI</a:t>
+              </a:r>
+            </a:p>
+          </p:txBody>
+        </p:sp>
+        <p:sp>
+          <p:nvSpPr>
+            <p:cNvPr id="21" name="TextBox 20">
+              <a:extLst>
+                <a:ext uri="{FF2B5EF4-FFF2-40B4-BE49-F238E27FC236}">
+                  <a16:creationId xmlns:a16="http://schemas.microsoft.com/office/drawing/2014/main" id="{94A6A192-4FEF-7445-27AE-4BA6E15C8925}"/>
+                </a:ext>
+              </a:extLst>
+            </p:cNvPr>
+            <p:cNvSpPr txBox="1"/>
+            <p:nvPr/>
+          </p:nvSpPr>
+          <p:spPr>
+            <a:xfrm>
+              <a:off x="2327854" y="1914773"/>
+              <a:ext cx="370614" cy="230832"/>
+            </a:xfrm>
+            <a:prstGeom prst="rect">
+              <a:avLst/>
+            </a:prstGeom>
+            <a:noFill/>
+          </p:spPr>
+          <p:txBody>
+            <a:bodyPr wrap="none" rtlCol="0">
+              <a:spAutoFit/>
+            </a:bodyPr>
+            <a:lstStyle/>
+            <a:p>
+              <a:r>
+                <a:rPr lang="en-US" sz="900" dirty="0">
+                  <a:latin typeface="Arial" panose="020B0604020202020204" pitchFamily="34" charset="0"/>
+                  <a:cs typeface="Arial" panose="020B0604020202020204" pitchFamily="34" charset="0"/>
+                </a:rPr>
+                <a:t>SPI</a:t>
+              </a:r>
+            </a:p>
+          </p:txBody>
+        </p:sp>
+        <p:sp>
+          <p:nvSpPr>
+            <p:cNvPr id="23" name="Rectangle 22">
+              <a:extLst>
+                <a:ext uri="{FF2B5EF4-FFF2-40B4-BE49-F238E27FC236}">
+                  <a16:creationId xmlns:a16="http://schemas.microsoft.com/office/drawing/2014/main" id="{F1E920EF-BF0D-35C4-ED9B-7C6FBF85BE5C}"/>
+                </a:ext>
+              </a:extLst>
+            </p:cNvPr>
+            <p:cNvSpPr/>
+            <p:nvPr/>
+          </p:nvSpPr>
+          <p:spPr>
+            <a:xfrm>
+              <a:off x="2327854" y="1679941"/>
+              <a:ext cx="1629478" cy="1247578"/>
+            </a:xfrm>
+            <a:prstGeom prst="rect">
+              <a:avLst/>
+            </a:prstGeom>
+            <a:noFill/>
+            <a:ln>
+              <a:solidFill>
+                <a:schemeClr val="tx1"/>
+              </a:solidFill>
+            </a:ln>
+          </p:spPr>
+          <p:style>
+            <a:lnRef idx="2">
+              <a:schemeClr val="accent1">
+                <a:shade val="15000"/>
+              </a:schemeClr>
+            </a:lnRef>
+            <a:fillRef idx="1">
+              <a:schemeClr val="accent1"/>
+            </a:fillRef>
+            <a:effectRef idx="0">
+              <a:schemeClr val="accent1"/>
+            </a:effectRef>
+            <a:fontRef idx="minor">
+              <a:schemeClr val="lt1"/>
+            </a:fontRef>
+          </p:style>
+          <p:txBody>
+            <a:bodyPr rtlCol="0" anchor="ctr"/>
+            <a:lstStyle/>
+            <a:p>
+              <a:pPr algn="ctr"/>
+              <a:endParaRPr lang="en-US" sz="900" dirty="0">
+                <a:solidFill>
+                  <a:schemeClr val="tx1"/>
+                </a:solidFill>
+                <a:latin typeface="Arial" panose="020B0604020202020204" pitchFamily="34" charset="0"/>
+                <a:cs typeface="Arial" panose="020B0604020202020204" pitchFamily="34" charset="0"/>
+              </a:endParaRPr>
+            </a:p>
+          </p:txBody>
+        </p:sp>
+        <p:sp>
+          <p:nvSpPr>
+            <p:cNvPr id="24" name="TextBox 23">
+              <a:extLst>
+                <a:ext uri="{FF2B5EF4-FFF2-40B4-BE49-F238E27FC236}">
+                  <a16:creationId xmlns:a16="http://schemas.microsoft.com/office/drawing/2014/main" id="{2AB5A6CE-2C25-797F-8875-6D38710E189F}"/>
+                </a:ext>
+              </a:extLst>
+            </p:cNvPr>
+            <p:cNvSpPr txBox="1"/>
+            <p:nvPr/>
+          </p:nvSpPr>
+          <p:spPr>
+            <a:xfrm>
+              <a:off x="2294614" y="1662949"/>
+              <a:ext cx="498855" cy="230832"/>
+            </a:xfrm>
+            <a:prstGeom prst="rect">
+              <a:avLst/>
+            </a:prstGeom>
+            <a:noFill/>
+          </p:spPr>
+          <p:txBody>
+            <a:bodyPr wrap="none" rtlCol="0">
+              <a:spAutoFit/>
+            </a:bodyPr>
+            <a:lstStyle/>
+            <a:p>
+              <a:r>
+                <a:rPr lang="en-US" sz="900" dirty="0">
+                  <a:latin typeface="Arial" panose="020B0604020202020204" pitchFamily="34" charset="0"/>
+                  <a:cs typeface="Arial" panose="020B0604020202020204" pitchFamily="34" charset="0"/>
+                </a:rPr>
+                <a:t>PCBA</a:t>
+              </a:r>
+            </a:p>
+          </p:txBody>
+        </p:sp>
+        <p:sp>
+          <p:nvSpPr>
+            <p:cNvPr id="26" name="Rectangle 25">
+              <a:extLst>
+                <a:ext uri="{FF2B5EF4-FFF2-40B4-BE49-F238E27FC236}">
+                  <a16:creationId xmlns:a16="http://schemas.microsoft.com/office/drawing/2014/main" id="{97750F6D-1FF5-D072-3ADF-6060E41D95E2}"/>
+                </a:ext>
+              </a:extLst>
+            </p:cNvPr>
+            <p:cNvSpPr/>
+            <p:nvPr/>
+          </p:nvSpPr>
+          <p:spPr>
+            <a:xfrm>
+              <a:off x="4494533" y="2483611"/>
+              <a:ext cx="1371600" cy="228600"/>
+            </a:xfrm>
+            <a:prstGeom prst="rect">
+              <a:avLst/>
+            </a:prstGeom>
+            <a:noFill/>
+            <a:ln>
+              <a:solidFill>
+                <a:schemeClr val="tx1"/>
+              </a:solidFill>
+            </a:ln>
+          </p:spPr>
+          <p:style>
+            <a:lnRef idx="2">
+              <a:schemeClr val="accent1">
+                <a:shade val="15000"/>
+              </a:schemeClr>
+            </a:lnRef>
+            <a:fillRef idx="1">
+              <a:schemeClr val="accent1"/>
+            </a:fillRef>
+            <a:effectRef idx="0">
+              <a:schemeClr val="accent1"/>
+            </a:effectRef>
+            <a:fontRef idx="minor">
+              <a:schemeClr val="lt1"/>
+            </a:fontRef>
+          </p:style>
+          <p:txBody>
+            <a:bodyPr rtlCol="0" anchor="ctr"/>
+            <a:lstStyle/>
+            <a:p>
+              <a:pPr algn="ctr"/>
+              <a:r>
+                <a:rPr lang="en-US" sz="900" dirty="0">
+                  <a:solidFill>
+                    <a:schemeClr val="tx1"/>
+                  </a:solidFill>
+                  <a:latin typeface="Arial" panose="020B0604020202020204" pitchFamily="34" charset="0"/>
+                  <a:cs typeface="Arial" panose="020B0604020202020204" pitchFamily="34" charset="0"/>
+                </a:rPr>
+                <a:t>2X MAG ENCODER</a:t>
+              </a:r>
+            </a:p>
+          </p:txBody>
+        </p:sp>
+        <p:cxnSp>
+          <p:nvCxnSpPr>
+            <p:cNvPr id="27" name="Straight Arrow Connector 26">
+              <a:extLst>
+                <a:ext uri="{FF2B5EF4-FFF2-40B4-BE49-F238E27FC236}">
+                  <a16:creationId xmlns:a16="http://schemas.microsoft.com/office/drawing/2014/main" id="{8FD7A8BA-334D-D025-6FFC-8BA85A464E4C}"/>
+                </a:ext>
+              </a:extLst>
+            </p:cNvPr>
+            <p:cNvCxnSpPr>
+              <a:cxnSpLocks/>
+              <a:stCxn id="15" idx="3"/>
+            </p:cNvCxnSpPr>
+            <p:nvPr/>
+          </p:nvCxnSpPr>
+          <p:spPr>
+            <a:xfrm>
+              <a:off x="1790653" y="2153183"/>
+              <a:ext cx="966909" cy="0"/>
+            </a:xfrm>
+            <a:prstGeom prst="straightConnector1">
+              <a:avLst/>
+            </a:prstGeom>
+            <a:ln>
+              <a:headEnd type="triangle" w="sm" len="lg"/>
+              <a:tailEnd type="triangle" w="sm" len="lg"/>
+            </a:ln>
+          </p:spPr>
+          <p:style>
+            <a:lnRef idx="1">
+              <a:schemeClr val="dk1"/>
+            </a:lnRef>
+            <a:fillRef idx="0">
+              <a:schemeClr val="dk1"/>
+            </a:fillRef>
+            <a:effectRef idx="0">
+              <a:schemeClr val="dk1"/>
+            </a:effectRef>
+            <a:fontRef idx="minor">
+              <a:schemeClr val="tx1"/>
+            </a:fontRef>
+          </p:style>
+        </p:cxnSp>
+        <p:sp>
+          <p:nvSpPr>
+            <p:cNvPr id="34" name="Rectangle 33">
+              <a:extLst>
+                <a:ext uri="{FF2B5EF4-FFF2-40B4-BE49-F238E27FC236}">
+                  <a16:creationId xmlns:a16="http://schemas.microsoft.com/office/drawing/2014/main" id="{3BD42BB7-4305-4DBE-B804-F4D35D6C3C46}"/>
+                </a:ext>
+              </a:extLst>
+            </p:cNvPr>
+            <p:cNvSpPr/>
+            <p:nvPr/>
+          </p:nvSpPr>
+          <p:spPr>
+            <a:xfrm>
+              <a:off x="4139623" y="1863498"/>
+              <a:ext cx="1013783" cy="457200"/>
+            </a:xfrm>
+            <a:prstGeom prst="rect">
+              <a:avLst/>
+            </a:prstGeom>
+            <a:noFill/>
+            <a:ln>
+              <a:solidFill>
+                <a:schemeClr val="tx1"/>
+              </a:solidFill>
+            </a:ln>
+          </p:spPr>
+          <p:style>
+            <a:lnRef idx="2">
+              <a:schemeClr val="accent1">
+                <a:shade val="15000"/>
+              </a:schemeClr>
+            </a:lnRef>
+            <a:fillRef idx="1">
+              <a:schemeClr val="accent1"/>
+            </a:fillRef>
+            <a:effectRef idx="0">
+              <a:schemeClr val="accent1"/>
+            </a:effectRef>
+            <a:fontRef idx="minor">
+              <a:schemeClr val="lt1"/>
+            </a:fontRef>
+          </p:style>
+          <p:txBody>
+            <a:bodyPr rtlCol="0" anchor="ctr"/>
+            <a:lstStyle/>
+            <a:p>
+              <a:pPr algn="ctr"/>
+              <a:r>
+                <a:rPr lang="en-US" sz="900" dirty="0">
+                  <a:solidFill>
+                    <a:schemeClr val="tx1"/>
+                  </a:solidFill>
+                  <a:latin typeface="Arial" panose="020B0604020202020204" pitchFamily="34" charset="0"/>
+                  <a:cs typeface="Arial" panose="020B0604020202020204" pitchFamily="34" charset="0"/>
+                </a:rPr>
+                <a:t>2X CAN</a:t>
+              </a:r>
+              <a:br>
+                <a:rPr lang="en-US" sz="900" dirty="0">
+                  <a:solidFill>
+                    <a:schemeClr val="tx1"/>
+                  </a:solidFill>
+                  <a:latin typeface="Arial" panose="020B0604020202020204" pitchFamily="34" charset="0"/>
+                  <a:cs typeface="Arial" panose="020B0604020202020204" pitchFamily="34" charset="0"/>
+                </a:rPr>
+              </a:br>
+              <a:r>
+                <a:rPr lang="en-US" sz="900" dirty="0">
+                  <a:solidFill>
+                    <a:schemeClr val="tx1"/>
+                  </a:solidFill>
+                  <a:latin typeface="Arial" panose="020B0604020202020204" pitchFamily="34" charset="0"/>
+                  <a:cs typeface="Arial" panose="020B0604020202020204" pitchFamily="34" charset="0"/>
+                </a:rPr>
+                <a:t>TRANSCEIVER</a:t>
+              </a:r>
+            </a:p>
+          </p:txBody>
+        </p:sp>
+        <p:cxnSp>
+          <p:nvCxnSpPr>
+            <p:cNvPr id="35" name="Straight Arrow Connector 34">
+              <a:extLst>
+                <a:ext uri="{FF2B5EF4-FFF2-40B4-BE49-F238E27FC236}">
+                  <a16:creationId xmlns:a16="http://schemas.microsoft.com/office/drawing/2014/main" id="{06C1A7F9-5A41-14BB-5753-7EDE85470327}"/>
+                </a:ext>
+              </a:extLst>
+            </p:cNvPr>
+            <p:cNvCxnSpPr>
+              <a:cxnSpLocks/>
+              <a:stCxn id="34" idx="1"/>
+            </p:cNvCxnSpPr>
+            <p:nvPr/>
+          </p:nvCxnSpPr>
+          <p:spPr>
+            <a:xfrm flipH="1">
+              <a:off x="3207794" y="2092098"/>
+              <a:ext cx="931829" cy="0"/>
+            </a:xfrm>
+            <a:prstGeom prst="straightConnector1">
+              <a:avLst/>
+            </a:prstGeom>
+            <a:ln>
+              <a:headEnd type="triangle" w="sm" len="lg"/>
+              <a:tailEnd type="triangle" w="sm" len="lg"/>
+            </a:ln>
+          </p:spPr>
+          <p:style>
+            <a:lnRef idx="1">
+              <a:schemeClr val="dk1"/>
+            </a:lnRef>
+            <a:fillRef idx="0">
+              <a:schemeClr val="dk1"/>
+            </a:fillRef>
+            <a:effectRef idx="0">
+              <a:schemeClr val="dk1"/>
+            </a:effectRef>
+            <a:fontRef idx="minor">
+              <a:schemeClr val="tx1"/>
+            </a:fontRef>
+          </p:style>
+        </p:cxnSp>
+        <p:sp>
+          <p:nvSpPr>
+            <p:cNvPr id="36" name="TextBox 35">
+              <a:extLst>
+                <a:ext uri="{FF2B5EF4-FFF2-40B4-BE49-F238E27FC236}">
+                  <a16:creationId xmlns:a16="http://schemas.microsoft.com/office/drawing/2014/main" id="{D2E6400B-5980-3DB9-8B3F-B7FDDD256902}"/>
+                </a:ext>
+              </a:extLst>
+            </p:cNvPr>
+            <p:cNvSpPr txBox="1"/>
+            <p:nvPr/>
+          </p:nvSpPr>
+          <p:spPr>
+            <a:xfrm>
+              <a:off x="3426543" y="1906824"/>
+              <a:ext cx="370615" cy="230832"/>
+            </a:xfrm>
+            <a:prstGeom prst="rect">
+              <a:avLst/>
+            </a:prstGeom>
+            <a:noFill/>
+          </p:spPr>
+          <p:txBody>
+            <a:bodyPr wrap="none" rtlCol="0">
+              <a:spAutoFit/>
+            </a:bodyPr>
+            <a:lstStyle/>
+            <a:p>
+              <a:pPr algn="ctr"/>
+              <a:r>
+                <a:rPr lang="en-US" sz="900" dirty="0">
+                  <a:latin typeface="Arial" panose="020B0604020202020204" pitchFamily="34" charset="0"/>
+                  <a:cs typeface="Arial" panose="020B0604020202020204" pitchFamily="34" charset="0"/>
+                </a:rPr>
+                <a:t>SPI</a:t>
+              </a:r>
+            </a:p>
+          </p:txBody>
+        </p:sp>
+        <p:sp>
+          <p:nvSpPr>
+            <p:cNvPr id="37" name="TextBox 36">
+              <a:extLst>
+                <a:ext uri="{FF2B5EF4-FFF2-40B4-BE49-F238E27FC236}">
+                  <a16:creationId xmlns:a16="http://schemas.microsoft.com/office/drawing/2014/main" id="{0E35AB6D-756E-83FB-3668-66E761DE6EE2}"/>
+                </a:ext>
+              </a:extLst>
+            </p:cNvPr>
+            <p:cNvSpPr txBox="1"/>
+            <p:nvPr/>
+          </p:nvSpPr>
+          <p:spPr>
+            <a:xfrm>
+              <a:off x="5578233" y="1575027"/>
+              <a:ext cx="575799" cy="230832"/>
+            </a:xfrm>
+            <a:prstGeom prst="rect">
+              <a:avLst/>
+            </a:prstGeom>
+            <a:noFill/>
+          </p:spPr>
+          <p:txBody>
+            <a:bodyPr wrap="none" rtlCol="0">
+              <a:spAutoFit/>
+            </a:bodyPr>
+            <a:lstStyle/>
+            <a:p>
+              <a:r>
+                <a:rPr lang="en-US" sz="900" dirty="0">
+                  <a:latin typeface="Arial" panose="020B0604020202020204" pitchFamily="34" charset="0"/>
+                  <a:cs typeface="Arial" panose="020B0604020202020204" pitchFamily="34" charset="0"/>
+                </a:rPr>
+                <a:t>CAN_L</a:t>
+              </a:r>
+            </a:p>
+          </p:txBody>
+        </p:sp>
+        <p:sp>
+          <p:nvSpPr>
+            <p:cNvPr id="38" name="Rectangle 37">
+              <a:extLst>
+                <a:ext uri="{FF2B5EF4-FFF2-40B4-BE49-F238E27FC236}">
+                  <a16:creationId xmlns:a16="http://schemas.microsoft.com/office/drawing/2014/main" id="{1DA9AF0E-914A-58F4-36D4-0773A0EF432D}"/>
+                </a:ext>
+              </a:extLst>
+            </p:cNvPr>
+            <p:cNvSpPr/>
+            <p:nvPr/>
+          </p:nvSpPr>
+          <p:spPr>
+            <a:xfrm>
+              <a:off x="2499991" y="1092820"/>
+              <a:ext cx="996896" cy="228600"/>
+            </a:xfrm>
+            <a:prstGeom prst="rect">
+              <a:avLst/>
+            </a:prstGeom>
+            <a:noFill/>
+            <a:ln>
+              <a:solidFill>
+                <a:schemeClr val="tx1"/>
+              </a:solidFill>
+            </a:ln>
+          </p:spPr>
+          <p:style>
+            <a:lnRef idx="2">
+              <a:schemeClr val="accent1">
+                <a:shade val="15000"/>
+              </a:schemeClr>
+            </a:lnRef>
+            <a:fillRef idx="1">
+              <a:schemeClr val="accent1"/>
+            </a:fillRef>
+            <a:effectRef idx="0">
+              <a:schemeClr val="accent1"/>
+            </a:effectRef>
+            <a:fontRef idx="minor">
+              <a:schemeClr val="lt1"/>
+            </a:fontRef>
+          </p:style>
+          <p:txBody>
+            <a:bodyPr rtlCol="0" anchor="ctr"/>
+            <a:lstStyle/>
+            <a:p>
+              <a:pPr algn="ctr"/>
+              <a:r>
+                <a:rPr lang="en-US" sz="900" dirty="0">
+                  <a:solidFill>
+                    <a:schemeClr val="tx1"/>
+                  </a:solidFill>
+                  <a:latin typeface="Arial" panose="020B0604020202020204" pitchFamily="34" charset="0"/>
+                  <a:cs typeface="Arial" panose="020B0604020202020204" pitchFamily="34" charset="0"/>
+                </a:rPr>
+                <a:t>LOAD CELL</a:t>
+              </a:r>
+            </a:p>
+          </p:txBody>
+        </p:sp>
+        <p:cxnSp>
+          <p:nvCxnSpPr>
+            <p:cNvPr id="39" name="Straight Arrow Connector 38">
+              <a:extLst>
+                <a:ext uri="{FF2B5EF4-FFF2-40B4-BE49-F238E27FC236}">
+                  <a16:creationId xmlns:a16="http://schemas.microsoft.com/office/drawing/2014/main" id="{A6B0FB78-5457-1D5C-DF77-04139B626D7F}"/>
+                </a:ext>
+              </a:extLst>
+            </p:cNvPr>
+            <p:cNvCxnSpPr>
+              <a:cxnSpLocks/>
+            </p:cNvCxnSpPr>
+            <p:nvPr/>
+          </p:nvCxnSpPr>
+          <p:spPr>
+            <a:xfrm>
+              <a:off x="2980795" y="1324341"/>
+              <a:ext cx="0" cy="631824"/>
+            </a:xfrm>
+            <a:prstGeom prst="straightConnector1">
+              <a:avLst/>
+            </a:prstGeom>
+            <a:ln>
+              <a:headEnd type="triangle" w="sm" len="lg"/>
+              <a:tailEnd type="triangle" w="sm" len="lg"/>
+            </a:ln>
+          </p:spPr>
+          <p:style>
+            <a:lnRef idx="1">
+              <a:schemeClr val="dk1"/>
+            </a:lnRef>
+            <a:fillRef idx="0">
+              <a:schemeClr val="dk1"/>
+            </a:fillRef>
+            <a:effectRef idx="0">
+              <a:schemeClr val="dk1"/>
+            </a:effectRef>
+            <a:fontRef idx="minor">
+              <a:schemeClr val="tx1"/>
+            </a:fontRef>
+          </p:style>
+        </p:cxnSp>
+        <p:sp>
+          <p:nvSpPr>
+            <p:cNvPr id="40" name="TextBox 39">
+              <a:extLst>
+                <a:ext uri="{FF2B5EF4-FFF2-40B4-BE49-F238E27FC236}">
+                  <a16:creationId xmlns:a16="http://schemas.microsoft.com/office/drawing/2014/main" id="{11D76AF0-87FF-F42A-C7A1-B625DFF24F30}"/>
+                </a:ext>
+              </a:extLst>
+            </p:cNvPr>
+            <p:cNvSpPr txBox="1"/>
+            <p:nvPr/>
+          </p:nvSpPr>
+          <p:spPr>
+            <a:xfrm>
+              <a:off x="2965822" y="1429001"/>
+              <a:ext cx="1415772" cy="230832"/>
+            </a:xfrm>
+            <a:prstGeom prst="rect">
+              <a:avLst/>
+            </a:prstGeom>
+            <a:noFill/>
+          </p:spPr>
+          <p:txBody>
+            <a:bodyPr wrap="none" rtlCol="0">
+              <a:spAutoFit/>
+            </a:bodyPr>
+            <a:lstStyle/>
+            <a:p>
+              <a:r>
+                <a:rPr lang="en-US" sz="900" dirty="0">
+                  <a:latin typeface="Arial" panose="020B0604020202020204" pitchFamily="34" charset="0"/>
+                  <a:cs typeface="Arial" panose="020B0604020202020204" pitchFamily="34" charset="0"/>
+                </a:rPr>
+                <a:t>2X ANALOG VOLTAGE</a:t>
+              </a:r>
+            </a:p>
+          </p:txBody>
+        </p:sp>
+        <p:sp>
+          <p:nvSpPr>
+            <p:cNvPr id="41" name="Rectangle 40">
+              <a:extLst>
+                <a:ext uri="{FF2B5EF4-FFF2-40B4-BE49-F238E27FC236}">
+                  <a16:creationId xmlns:a16="http://schemas.microsoft.com/office/drawing/2014/main" id="{EF03FDC5-5627-3E32-DA03-C08A5CC9E9AF}"/>
+                </a:ext>
+              </a:extLst>
+            </p:cNvPr>
+            <p:cNvSpPr/>
+            <p:nvPr/>
+          </p:nvSpPr>
+          <p:spPr>
+            <a:xfrm>
+              <a:off x="4494533" y="2940811"/>
+              <a:ext cx="1371600" cy="228600"/>
+            </a:xfrm>
+            <a:prstGeom prst="rect">
+              <a:avLst/>
+            </a:prstGeom>
+            <a:noFill/>
+            <a:ln>
+              <a:solidFill>
+                <a:schemeClr val="tx1"/>
+              </a:solidFill>
+            </a:ln>
+          </p:spPr>
+          <p:style>
+            <a:lnRef idx="2">
+              <a:schemeClr val="accent1">
+                <a:shade val="15000"/>
+              </a:schemeClr>
+            </a:lnRef>
+            <a:fillRef idx="1">
+              <a:schemeClr val="accent1"/>
+            </a:fillRef>
+            <a:effectRef idx="0">
+              <a:schemeClr val="accent1"/>
+            </a:effectRef>
+            <a:fontRef idx="minor">
+              <a:schemeClr val="lt1"/>
+            </a:fontRef>
+          </p:style>
+          <p:txBody>
+            <a:bodyPr rtlCol="0" anchor="ctr"/>
+            <a:lstStyle/>
+            <a:p>
+              <a:pPr algn="ctr"/>
+              <a:r>
+                <a:rPr lang="en-US" sz="900" dirty="0">
+                  <a:solidFill>
+                    <a:schemeClr val="tx1"/>
+                  </a:solidFill>
+                  <a:latin typeface="Arial" panose="020B0604020202020204" pitchFamily="34" charset="0"/>
+                  <a:cs typeface="Arial" panose="020B0604020202020204" pitchFamily="34" charset="0"/>
+                </a:rPr>
+                <a:t>3.7 V LiPo BATTERY</a:t>
+              </a:r>
+            </a:p>
+          </p:txBody>
+        </p:sp>
+        <p:cxnSp>
+          <p:nvCxnSpPr>
+            <p:cNvPr id="42" name="Connector: Elbow 41">
+              <a:extLst>
+                <a:ext uri="{FF2B5EF4-FFF2-40B4-BE49-F238E27FC236}">
+                  <a16:creationId xmlns:a16="http://schemas.microsoft.com/office/drawing/2014/main" id="{B267C716-929B-FEE3-7C02-52C4323A00A9}"/>
+                </a:ext>
+              </a:extLst>
+            </p:cNvPr>
+            <p:cNvCxnSpPr>
+              <a:cxnSpLocks/>
+              <a:endCxn id="26" idx="1"/>
+            </p:cNvCxnSpPr>
+            <p:nvPr/>
+          </p:nvCxnSpPr>
+          <p:spPr>
+            <a:xfrm>
+              <a:off x="3213295" y="2467897"/>
+              <a:ext cx="1281238" cy="130014"/>
+            </a:xfrm>
+            <a:prstGeom prst="bentConnector3">
+              <a:avLst>
+                <a:gd name="adj1" fmla="val 50000"/>
+              </a:avLst>
+            </a:prstGeom>
+            <a:ln>
+              <a:headEnd type="triangle" w="sm" len="lg"/>
+              <a:tailEnd type="triangle" w="sm" len="lg"/>
+            </a:ln>
+          </p:spPr>
+          <p:style>
+            <a:lnRef idx="1">
+              <a:schemeClr val="dk1"/>
+            </a:lnRef>
+            <a:fillRef idx="0">
+              <a:schemeClr val="dk1"/>
+            </a:fillRef>
+            <a:effectRef idx="0">
+              <a:schemeClr val="dk1"/>
+            </a:effectRef>
+            <a:fontRef idx="minor">
+              <a:schemeClr val="tx1"/>
+            </a:fontRef>
+          </p:style>
+        </p:cxnSp>
+        <p:cxnSp>
+          <p:nvCxnSpPr>
+            <p:cNvPr id="43" name="Connector: Elbow 42">
+              <a:extLst>
+                <a:ext uri="{FF2B5EF4-FFF2-40B4-BE49-F238E27FC236}">
+                  <a16:creationId xmlns:a16="http://schemas.microsoft.com/office/drawing/2014/main" id="{FA536D5F-3EF9-7A08-518D-8A14869040EB}"/>
+                </a:ext>
+              </a:extLst>
+            </p:cNvPr>
+            <p:cNvCxnSpPr>
+              <a:cxnSpLocks/>
+            </p:cNvCxnSpPr>
+            <p:nvPr/>
+          </p:nvCxnSpPr>
+          <p:spPr>
+            <a:xfrm rot="10800000">
+              <a:off x="3207795" y="2623554"/>
+              <a:ext cx="1286738" cy="431556"/>
+            </a:xfrm>
+            <a:prstGeom prst="bentConnector3">
+              <a:avLst>
+                <a:gd name="adj1" fmla="val 59376"/>
+              </a:avLst>
+            </a:prstGeom>
+            <a:ln>
+              <a:headEnd type="none" w="sm" len="lg"/>
+              <a:tailEnd type="triangle" w="sm" len="lg"/>
+            </a:ln>
+          </p:spPr>
+          <p:style>
+            <a:lnRef idx="1">
+              <a:schemeClr val="dk1"/>
+            </a:lnRef>
+            <a:fillRef idx="0">
+              <a:schemeClr val="dk1"/>
+            </a:fillRef>
+            <a:effectRef idx="0">
+              <a:schemeClr val="dk1"/>
+            </a:effectRef>
+            <a:fontRef idx="minor">
+              <a:schemeClr val="tx1"/>
+            </a:fontRef>
+          </p:style>
+        </p:cxnSp>
+        <p:sp>
+          <p:nvSpPr>
+            <p:cNvPr id="44" name="TextBox 43">
+              <a:extLst>
+                <a:ext uri="{FF2B5EF4-FFF2-40B4-BE49-F238E27FC236}">
+                  <a16:creationId xmlns:a16="http://schemas.microsoft.com/office/drawing/2014/main" id="{DBF00B12-6792-676B-410E-E6E4277CA356}"/>
+                </a:ext>
+              </a:extLst>
+            </p:cNvPr>
+            <p:cNvSpPr txBox="1"/>
+            <p:nvPr/>
+          </p:nvSpPr>
+          <p:spPr>
+            <a:xfrm>
+              <a:off x="3909520" y="3068501"/>
+              <a:ext cx="585013" cy="230832"/>
+            </a:xfrm>
+            <a:prstGeom prst="rect">
+              <a:avLst/>
+            </a:prstGeom>
+            <a:noFill/>
+          </p:spPr>
+          <p:txBody>
+            <a:bodyPr wrap="square" rtlCol="0">
+              <a:spAutoFit/>
+            </a:bodyPr>
+            <a:lstStyle/>
+            <a:p>
+              <a:pPr algn="ctr"/>
+              <a:r>
+                <a:rPr lang="en-US" sz="900" i="1" dirty="0">
+                  <a:latin typeface="Arial" panose="020B0604020202020204" pitchFamily="34" charset="0"/>
+                  <a:cs typeface="Arial" panose="020B0604020202020204" pitchFamily="34" charset="0"/>
+                </a:rPr>
+                <a:t>Power</a:t>
+              </a:r>
+            </a:p>
+          </p:txBody>
+        </p:sp>
+        <p:sp>
+          <p:nvSpPr>
+            <p:cNvPr id="45" name="TextBox 44">
+              <a:extLst>
+                <a:ext uri="{FF2B5EF4-FFF2-40B4-BE49-F238E27FC236}">
+                  <a16:creationId xmlns:a16="http://schemas.microsoft.com/office/drawing/2014/main" id="{AA1F9EE8-C40A-5A11-58E1-EBF31CA9DCDD}"/>
+                </a:ext>
+              </a:extLst>
+            </p:cNvPr>
+            <p:cNvSpPr txBox="1"/>
+            <p:nvPr/>
+          </p:nvSpPr>
+          <p:spPr>
+            <a:xfrm>
+              <a:off x="2400103" y="2932199"/>
+              <a:ext cx="585013" cy="230832"/>
+            </a:xfrm>
+            <a:prstGeom prst="rect">
+              <a:avLst/>
+            </a:prstGeom>
+            <a:noFill/>
+          </p:spPr>
+          <p:txBody>
+            <a:bodyPr wrap="square" rtlCol="0">
+              <a:spAutoFit/>
+            </a:bodyPr>
+            <a:lstStyle/>
+            <a:p>
+              <a:pPr algn="ctr"/>
+              <a:r>
+                <a:rPr lang="en-US" sz="900" i="1" dirty="0">
+                  <a:latin typeface="Arial" panose="020B0604020202020204" pitchFamily="34" charset="0"/>
+                  <a:cs typeface="Arial" panose="020B0604020202020204" pitchFamily="34" charset="0"/>
+                </a:rPr>
+                <a:t>Power</a:t>
+              </a:r>
+            </a:p>
+          </p:txBody>
+        </p:sp>
+        <p:cxnSp>
+          <p:nvCxnSpPr>
+            <p:cNvPr id="46" name="Connector: Elbow 45">
+              <a:extLst>
+                <a:ext uri="{FF2B5EF4-FFF2-40B4-BE49-F238E27FC236}">
+                  <a16:creationId xmlns:a16="http://schemas.microsoft.com/office/drawing/2014/main" id="{6FEE3E5C-1F4A-B675-8988-8EE938492DFA}"/>
+                </a:ext>
+              </a:extLst>
+            </p:cNvPr>
+            <p:cNvCxnSpPr>
+              <a:cxnSpLocks/>
+              <a:stCxn id="13" idx="2"/>
+              <a:endCxn id="34" idx="3"/>
+            </p:cNvCxnSpPr>
+            <p:nvPr/>
+          </p:nvCxnSpPr>
+          <p:spPr>
+            <a:xfrm rot="5400000">
+              <a:off x="5029689" y="1573589"/>
+              <a:ext cx="642226" cy="394792"/>
+            </a:xfrm>
+            <a:prstGeom prst="bentConnector2">
+              <a:avLst/>
+            </a:prstGeom>
+            <a:ln>
+              <a:headEnd type="triangle" w="sm" len="lg"/>
+              <a:tailEnd type="triangle" w="sm" len="lg"/>
+            </a:ln>
+          </p:spPr>
+          <p:style>
+            <a:lnRef idx="1">
+              <a:schemeClr val="dk1"/>
+            </a:lnRef>
+            <a:fillRef idx="0">
+              <a:schemeClr val="dk1"/>
+            </a:fillRef>
+            <a:effectRef idx="0">
+              <a:schemeClr val="dk1"/>
+            </a:effectRef>
+            <a:fontRef idx="minor">
+              <a:schemeClr val="tx1"/>
+            </a:fontRef>
+          </p:style>
+        </p:cxnSp>
+        <p:sp>
+          <p:nvSpPr>
+            <p:cNvPr id="47" name="TextBox 46">
+              <a:extLst>
+                <a:ext uri="{FF2B5EF4-FFF2-40B4-BE49-F238E27FC236}">
+                  <a16:creationId xmlns:a16="http://schemas.microsoft.com/office/drawing/2014/main" id="{292D44C7-76BA-8E78-7DD8-83D4B83796EB}"/>
+                </a:ext>
+              </a:extLst>
+            </p:cNvPr>
+            <p:cNvSpPr txBox="1"/>
+            <p:nvPr/>
+          </p:nvSpPr>
+          <p:spPr>
+            <a:xfrm>
+              <a:off x="2982472" y="2932199"/>
+              <a:ext cx="585013" cy="230832"/>
+            </a:xfrm>
+            <a:prstGeom prst="rect">
+              <a:avLst/>
+            </a:prstGeom>
+            <a:noFill/>
+          </p:spPr>
+          <p:txBody>
+            <a:bodyPr wrap="square" rtlCol="0">
+              <a:spAutoFit/>
+            </a:bodyPr>
+            <a:lstStyle/>
+            <a:p>
+              <a:pPr algn="ctr"/>
+              <a:r>
+                <a:rPr lang="en-US" sz="900" i="1" dirty="0">
+                  <a:latin typeface="Arial" panose="020B0604020202020204" pitchFamily="34" charset="0"/>
+                  <a:cs typeface="Arial" panose="020B0604020202020204" pitchFamily="34" charset="0"/>
+                </a:rPr>
+                <a:t>Debug</a:t>
+              </a:r>
+            </a:p>
+          </p:txBody>
+        </p:sp>
+        <p:sp>
+          <p:nvSpPr>
+            <p:cNvPr id="48" name="Rectangle 47">
+              <a:extLst>
+                <a:ext uri="{FF2B5EF4-FFF2-40B4-BE49-F238E27FC236}">
+                  <a16:creationId xmlns:a16="http://schemas.microsoft.com/office/drawing/2014/main" id="{FAC65575-E0F5-B68A-D49E-C8F9D1C03110}"/>
+                </a:ext>
+              </a:extLst>
+            </p:cNvPr>
+            <p:cNvSpPr/>
+            <p:nvPr/>
+          </p:nvSpPr>
+          <p:spPr>
+            <a:xfrm>
+              <a:off x="2523595" y="3167911"/>
+              <a:ext cx="914400" cy="457200"/>
+            </a:xfrm>
+            <a:prstGeom prst="rect">
+              <a:avLst/>
+            </a:prstGeom>
+            <a:noFill/>
+            <a:ln>
+              <a:solidFill>
+                <a:schemeClr val="tx1"/>
+              </a:solidFill>
+            </a:ln>
+          </p:spPr>
+          <p:style>
+            <a:lnRef idx="2">
+              <a:schemeClr val="accent1">
+                <a:shade val="15000"/>
+              </a:schemeClr>
+            </a:lnRef>
+            <a:fillRef idx="1">
+              <a:schemeClr val="accent1"/>
+            </a:fillRef>
+            <a:effectRef idx="0">
+              <a:schemeClr val="accent1"/>
+            </a:effectRef>
+            <a:fontRef idx="minor">
+              <a:schemeClr val="lt1"/>
+            </a:fontRef>
+          </p:style>
+          <p:txBody>
+            <a:bodyPr rtlCol="0" anchor="ctr"/>
+            <a:lstStyle/>
+            <a:p>
+              <a:pPr algn="ctr"/>
+              <a:r>
+                <a:rPr lang="en-US" sz="900" dirty="0">
+                  <a:solidFill>
+                    <a:schemeClr val="tx1"/>
+                  </a:solidFill>
+                  <a:latin typeface="Arial" panose="020B0604020202020204" pitchFamily="34" charset="0"/>
+                  <a:cs typeface="Arial" panose="020B0604020202020204" pitchFamily="34" charset="0"/>
+                </a:rPr>
+                <a:t>ST-LINK</a:t>
+              </a:r>
+            </a:p>
+            <a:p>
+              <a:pPr algn="ctr"/>
+              <a:r>
+                <a:rPr lang="en-US" sz="900" dirty="0">
+                  <a:solidFill>
+                    <a:schemeClr val="tx1"/>
+                  </a:solidFill>
+                  <a:latin typeface="Arial" panose="020B0604020202020204" pitchFamily="34" charset="0"/>
+                  <a:cs typeface="Arial" panose="020B0604020202020204" pitchFamily="34" charset="0"/>
+                </a:rPr>
+                <a:t>(NUCLEO)</a:t>
+              </a:r>
+            </a:p>
+          </p:txBody>
+        </p:sp>
+        <p:cxnSp>
+          <p:nvCxnSpPr>
+            <p:cNvPr id="49" name="Straight Arrow Connector 48">
+              <a:extLst>
+                <a:ext uri="{FF2B5EF4-FFF2-40B4-BE49-F238E27FC236}">
+                  <a16:creationId xmlns:a16="http://schemas.microsoft.com/office/drawing/2014/main" id="{C3FF3C3F-DAB1-1D38-CEFA-7568417EC847}"/>
+                </a:ext>
+              </a:extLst>
+            </p:cNvPr>
+            <p:cNvCxnSpPr>
+              <a:cxnSpLocks/>
+              <a:stCxn id="48" idx="0"/>
+              <a:endCxn id="12" idx="2"/>
+            </p:cNvCxnSpPr>
+            <p:nvPr/>
+          </p:nvCxnSpPr>
+          <p:spPr>
+            <a:xfrm flipV="1">
+              <a:off x="2980795" y="2696589"/>
+              <a:ext cx="1677" cy="471322"/>
+            </a:xfrm>
+            <a:prstGeom prst="straightConnector1">
+              <a:avLst/>
+            </a:prstGeom>
+            <a:ln>
+              <a:headEnd type="triangle" w="sm" len="lg"/>
+              <a:tailEnd type="triangle" w="sm" len="lg"/>
+            </a:ln>
+          </p:spPr>
+          <p:style>
+            <a:lnRef idx="1">
+              <a:schemeClr val="dk1"/>
+            </a:lnRef>
+            <a:fillRef idx="0">
+              <a:schemeClr val="dk1"/>
+            </a:fillRef>
+            <a:effectRef idx="0">
+              <a:schemeClr val="dk1"/>
+            </a:effectRef>
+            <a:fontRef idx="minor">
+              <a:schemeClr val="tx1"/>
+            </a:fontRef>
+          </p:style>
+        </p:cxnSp>
+        <p:cxnSp>
+          <p:nvCxnSpPr>
+            <p:cNvPr id="50" name="Straight Arrow Connector 49">
+              <a:extLst>
+                <a:ext uri="{FF2B5EF4-FFF2-40B4-BE49-F238E27FC236}">
+                  <a16:creationId xmlns:a16="http://schemas.microsoft.com/office/drawing/2014/main" id="{C531A531-B296-52B6-D5F0-28D0D864A72E}"/>
+                </a:ext>
+              </a:extLst>
+            </p:cNvPr>
+            <p:cNvCxnSpPr>
+              <a:cxnSpLocks/>
+              <a:stCxn id="16" idx="3"/>
+              <a:endCxn id="48" idx="1"/>
+            </p:cNvCxnSpPr>
+            <p:nvPr/>
+          </p:nvCxnSpPr>
+          <p:spPr>
+            <a:xfrm>
+              <a:off x="1986394" y="3396511"/>
+              <a:ext cx="537201" cy="0"/>
+            </a:xfrm>
+            <a:prstGeom prst="straightConnector1">
+              <a:avLst/>
+            </a:prstGeom>
+            <a:ln>
+              <a:headEnd type="triangle" w="sm" len="lg"/>
+              <a:tailEnd type="triangle" w="sm" len="lg"/>
+            </a:ln>
+          </p:spPr>
+          <p:style>
+            <a:lnRef idx="1">
+              <a:schemeClr val="dk1"/>
+            </a:lnRef>
+            <a:fillRef idx="0">
+              <a:schemeClr val="dk1"/>
+            </a:fillRef>
+            <a:effectRef idx="0">
+              <a:schemeClr val="dk1"/>
+            </a:effectRef>
+            <a:fontRef idx="minor">
+              <a:schemeClr val="tx1"/>
+            </a:fontRef>
+          </p:style>
+        </p:cxnSp>
       </p:grpSp>
     </p:spTree>
     <p:extLst>
@@ -2925,10 +2935,10 @@
       </p:grpSpPr>
       <p:grpSp>
         <p:nvGrpSpPr>
-          <p:cNvPr id="85" name="Group 84">
+          <p:cNvPr id="4" name="Group 3">
             <a:extLst>
               <a:ext uri="{FF2B5EF4-FFF2-40B4-BE49-F238E27FC236}">
-                <a16:creationId xmlns:a16="http://schemas.microsoft.com/office/drawing/2014/main" id="{01616401-6706-F0DA-8B18-375616198E71}"/>
+                <a16:creationId xmlns:a16="http://schemas.microsoft.com/office/drawing/2014/main" id="{94054CAD-9663-62E1-8B80-817448D77B30}"/>
               </a:ext>
             </a:extLst>
           </p:cNvPr>
@@ -2937,10 +2947,10 @@
         </p:nvGrpSpPr>
         <p:grpSpPr>
           <a:xfrm>
-            <a:off x="1254919" y="682487"/>
-            <a:ext cx="5964373" cy="8383845"/>
-            <a:chOff x="1254919" y="682487"/>
-            <a:chExt cx="5964373" cy="8383845"/>
+            <a:off x="1249845" y="651965"/>
+            <a:ext cx="5964373" cy="7868092"/>
+            <a:chOff x="1249845" y="651965"/>
+            <a:chExt cx="5964373" cy="7868092"/>
           </a:xfrm>
         </p:grpSpPr>
         <p:sp>
@@ -3004,49 +3014,6 @@
             </a:p>
           </p:txBody>
         </p:sp>
-        <p:cxnSp>
-          <p:nvCxnSpPr>
-            <p:cNvPr id="3" name="Straight Arrow Connector 2">
-              <a:extLst>
-                <a:ext uri="{FF2B5EF4-FFF2-40B4-BE49-F238E27FC236}">
-                  <a16:creationId xmlns:a16="http://schemas.microsoft.com/office/drawing/2014/main" id="{67A48487-128D-0D1E-2DFE-8CE8749CFC5D}"/>
-                </a:ext>
-              </a:extLst>
-            </p:cNvPr>
-            <p:cNvCxnSpPr>
-              <a:cxnSpLocks/>
-              <a:stCxn id="2" idx="2"/>
-            </p:cNvCxnSpPr>
-            <p:nvPr/>
-          </p:nvCxnSpPr>
-          <p:spPr>
-            <a:xfrm>
-              <a:off x="3555061" y="956807"/>
-              <a:ext cx="0" cy="274320"/>
-            </a:xfrm>
-            <a:prstGeom prst="straightConnector1">
-              <a:avLst/>
-            </a:prstGeom>
-            <a:ln>
-              <a:headEnd type="none" w="sm" len="lg"/>
-              <a:tailEnd type="triangle" w="sm" len="lg"/>
-            </a:ln>
-          </p:spPr>
-          <p:style>
-            <a:lnRef idx="1">
-              <a:schemeClr val="dk1"/>
-            </a:lnRef>
-            <a:fillRef idx="0">
-              <a:schemeClr val="dk1"/>
-            </a:fillRef>
-            <a:effectRef idx="0">
-              <a:schemeClr val="dk1"/>
-            </a:effectRef>
-            <a:fontRef idx="minor">
-              <a:schemeClr val="tx1"/>
-            </a:fontRef>
-          </p:style>
-        </p:cxnSp>
         <p:sp>
           <p:nvSpPr>
             <p:cNvPr id="6" name="Flowchart: Alternate Process 5">
@@ -3061,7 +3028,7 @@
           </p:nvSpPr>
           <p:spPr>
             <a:xfrm>
-              <a:off x="3006421" y="1779767"/>
+              <a:off x="3001347" y="1233492"/>
               <a:ext cx="1097280" cy="274320"/>
             </a:xfrm>
             <a:prstGeom prst="flowChartAlternateProcess">
@@ -3129,7 +3096,7 @@
           </p:nvCxnSpPr>
           <p:spPr>
             <a:xfrm>
-              <a:off x="3555061" y="2054087"/>
+              <a:off x="3549987" y="1507812"/>
               <a:ext cx="0" cy="274320"/>
             </a:xfrm>
             <a:prstGeom prst="straightConnector1">
@@ -3169,7 +3136,7 @@
           </p:nvSpPr>
           <p:spPr>
             <a:xfrm>
-              <a:off x="3052141" y="2328407"/>
+              <a:off x="3047067" y="1782132"/>
               <a:ext cx="1005840" cy="274320"/>
             </a:xfrm>
             <a:prstGeom prst="flowChartDecision">
@@ -3237,7 +3204,7 @@
           </p:nvCxnSpPr>
           <p:spPr>
             <a:xfrm>
-              <a:off x="3555061" y="2602727"/>
+              <a:off x="3549987" y="2056452"/>
               <a:ext cx="0" cy="274320"/>
             </a:xfrm>
             <a:prstGeom prst="straightConnector1">
@@ -3279,7 +3246,7 @@
           </p:nvCxnSpPr>
           <p:spPr>
             <a:xfrm>
-              <a:off x="4057981" y="2465567"/>
+              <a:off x="4052907" y="1919292"/>
               <a:ext cx="274320" cy="0"/>
             </a:xfrm>
             <a:prstGeom prst="straightConnector1">
@@ -3319,7 +3286,7 @@
           </p:nvSpPr>
           <p:spPr>
             <a:xfrm>
-              <a:off x="4003422" y="2234735"/>
+              <a:off x="3998348" y="1688460"/>
               <a:ext cx="383438" cy="230832"/>
             </a:xfrm>
             <a:prstGeom prst="rect">
@@ -3358,7 +3325,7 @@
           </p:nvSpPr>
           <p:spPr>
             <a:xfrm>
-              <a:off x="3555061" y="2602727"/>
+              <a:off x="3549987" y="2056452"/>
               <a:ext cx="332142" cy="230832"/>
             </a:xfrm>
             <a:prstGeom prst="rect">
@@ -3397,7 +3364,7 @@
           </p:nvSpPr>
           <p:spPr>
             <a:xfrm>
-              <a:off x="4332301" y="2328407"/>
+              <a:off x="4327227" y="1782132"/>
               <a:ext cx="274320" cy="274320"/>
             </a:xfrm>
             <a:prstGeom prst="flowChartConnector">
@@ -3458,7 +3425,7 @@
           </p:nvSpPr>
           <p:spPr>
             <a:xfrm>
-              <a:off x="5976293" y="682487"/>
+              <a:off x="6026156" y="684852"/>
               <a:ext cx="274320" cy="274320"/>
             </a:xfrm>
             <a:prstGeom prst="flowChartConnector">
@@ -3521,7 +3488,7 @@
           </p:nvCxnSpPr>
           <p:spPr>
             <a:xfrm>
-              <a:off x="6106164" y="956807"/>
+              <a:off x="6156027" y="959172"/>
               <a:ext cx="0" cy="274320"/>
             </a:xfrm>
             <a:prstGeom prst="straightConnector1">
@@ -3563,7 +3530,7 @@
           </p:nvCxnSpPr>
           <p:spPr>
             <a:xfrm>
-              <a:off x="6106164" y="1505447"/>
+              <a:off x="6156027" y="1507812"/>
               <a:ext cx="0" cy="274320"/>
             </a:xfrm>
             <a:prstGeom prst="straightConnector1">
@@ -3603,7 +3570,7 @@
           </p:nvSpPr>
           <p:spPr>
             <a:xfrm>
-              <a:off x="5511804" y="1231127"/>
+              <a:off x="5561667" y="1233492"/>
               <a:ext cx="1188720" cy="274320"/>
             </a:xfrm>
             <a:prstGeom prst="flowChartAlternateProcess">
@@ -3669,7 +3636,7 @@
           </p:nvSpPr>
           <p:spPr>
             <a:xfrm>
-              <a:off x="5648964" y="2511287"/>
+              <a:off x="5698827" y="2513652"/>
               <a:ext cx="914400" cy="274320"/>
             </a:xfrm>
             <a:prstGeom prst="flowChartAlternateProcess">
@@ -3735,7 +3702,7 @@
           </p:nvSpPr>
           <p:spPr>
             <a:xfrm>
-              <a:off x="5381933" y="1779767"/>
+              <a:off x="5431796" y="1782132"/>
               <a:ext cx="1463040" cy="457200"/>
             </a:xfrm>
             <a:prstGeom prst="flowChartAlternateProcess">
@@ -3816,7 +3783,7 @@
           </p:nvCxnSpPr>
           <p:spPr>
             <a:xfrm>
-              <a:off x="6106164" y="2236967"/>
+              <a:off x="6156027" y="2239332"/>
               <a:ext cx="0" cy="274320"/>
             </a:xfrm>
             <a:prstGeom prst="straightConnector1">
@@ -3842,12 +3809,54 @@
             </a:fontRef>
           </p:style>
         </p:cxnSp>
-        <p:sp>
-          <p:nvSpPr>
-            <p:cNvPr id="23" name="Flowchart: Alternate Process 22">
-              <a:extLst>
-                <a:ext uri="{FF2B5EF4-FFF2-40B4-BE49-F238E27FC236}">
-                  <a16:creationId xmlns:a16="http://schemas.microsoft.com/office/drawing/2014/main" id="{BE383BDB-D05C-0CF0-04F6-51E036B9C1CB}"/>
+        <p:cxnSp>
+          <p:nvCxnSpPr>
+            <p:cNvPr id="24" name="Straight Arrow Connector 23">
+              <a:extLst>
+                <a:ext uri="{FF2B5EF4-FFF2-40B4-BE49-F238E27FC236}">
+                  <a16:creationId xmlns:a16="http://schemas.microsoft.com/office/drawing/2014/main" id="{612FC79E-06D8-5D65-7400-110011236952}"/>
+                </a:ext>
+              </a:extLst>
+            </p:cNvPr>
+            <p:cNvCxnSpPr>
+              <a:cxnSpLocks/>
+            </p:cNvCxnSpPr>
+            <p:nvPr/>
+          </p:nvCxnSpPr>
+          <p:spPr>
+            <a:xfrm>
+              <a:off x="3549987" y="959172"/>
+              <a:ext cx="0" cy="274320"/>
+            </a:xfrm>
+            <a:prstGeom prst="straightConnector1">
+              <a:avLst/>
+            </a:prstGeom>
+            <a:ln>
+              <a:headEnd type="none" w="sm" len="lg"/>
+              <a:tailEnd type="triangle" w="sm" len="lg"/>
+            </a:ln>
+          </p:spPr>
+          <p:style>
+            <a:lnRef idx="1">
+              <a:schemeClr val="dk1"/>
+            </a:lnRef>
+            <a:fillRef idx="0">
+              <a:schemeClr val="dk1"/>
+            </a:fillRef>
+            <a:effectRef idx="0">
+              <a:schemeClr val="dk1"/>
+            </a:effectRef>
+            <a:fontRef idx="minor">
+              <a:schemeClr val="tx1"/>
+            </a:fontRef>
+          </p:style>
+        </p:cxnSp>
+        <p:sp>
+          <p:nvSpPr>
+            <p:cNvPr id="25" name="Flowchart: Alternate Process 24">
+              <a:extLst>
+                <a:ext uri="{FF2B5EF4-FFF2-40B4-BE49-F238E27FC236}">
+                  <a16:creationId xmlns:a16="http://schemas.microsoft.com/office/drawing/2014/main" id="{6CB06985-B96E-A973-970C-4CC448918D0F}"/>
                 </a:ext>
               </a:extLst>
             </p:cNvPr>
@@ -3856,8 +3865,582 @@
           </p:nvSpPr>
           <p:spPr>
             <a:xfrm>
-              <a:off x="3006421" y="1238291"/>
-              <a:ext cx="1097280" cy="274320"/>
+              <a:off x="3138507" y="2885398"/>
+              <a:ext cx="822960" cy="731520"/>
+            </a:xfrm>
+            <a:prstGeom prst="flowChartAlternateProcess">
+              <a:avLst/>
+            </a:prstGeom>
+            <a:solidFill>
+              <a:schemeClr val="accent4">
+                <a:lumMod val="20000"/>
+                <a:lumOff val="80000"/>
+              </a:schemeClr>
+            </a:solidFill>
+            <a:ln>
+              <a:solidFill>
+                <a:schemeClr val="tx1"/>
+              </a:solidFill>
+            </a:ln>
+          </p:spPr>
+          <p:style>
+            <a:lnRef idx="2">
+              <a:schemeClr val="accent1">
+                <a:shade val="15000"/>
+              </a:schemeClr>
+            </a:lnRef>
+            <a:fillRef idx="1">
+              <a:schemeClr val="accent1"/>
+            </a:fillRef>
+            <a:effectRef idx="0">
+              <a:schemeClr val="accent1"/>
+            </a:effectRef>
+            <a:fontRef idx="minor">
+              <a:schemeClr val="lt1"/>
+            </a:fontRef>
+          </p:style>
+          <p:txBody>
+            <a:bodyPr rtlCol="0" anchor="ctr"/>
+            <a:lstStyle/>
+            <a:p>
+              <a:pPr algn="ctr"/>
+              <a:r>
+                <a:rPr lang="en-US" sz="900" dirty="0">
+                  <a:solidFill>
+                    <a:sysClr val="windowText" lastClr="000000"/>
+                  </a:solidFill>
+                  <a:latin typeface="Arial" panose="020B0604020202020204" pitchFamily="34" charset="0"/>
+                  <a:cs typeface="Arial" panose="020B0604020202020204" pitchFamily="34" charset="0"/>
+                </a:rPr>
+                <a:t>Get Inputs:</a:t>
+              </a:r>
+            </a:p>
+            <a:p>
+              <a:pPr algn="ctr"/>
+              <a:r>
+                <a:rPr lang="en-US" sz="900" dirty="0">
+                  <a:solidFill>
+                    <a:sysClr val="windowText" lastClr="000000"/>
+                  </a:solidFill>
+                  <a:latin typeface="Arial" panose="020B0604020202020204" pitchFamily="34" charset="0"/>
+                  <a:cs typeface="Arial" panose="020B0604020202020204" pitchFamily="34" charset="0"/>
+                </a:rPr>
+                <a:t>Encoders</a:t>
+              </a:r>
+            </a:p>
+            <a:p>
+              <a:pPr algn="ctr"/>
+              <a:r>
+                <a:rPr lang="en-US" sz="900" dirty="0">
+                  <a:solidFill>
+                    <a:sysClr val="windowText" lastClr="000000"/>
+                  </a:solidFill>
+                  <a:latin typeface="Arial" panose="020B0604020202020204" pitchFamily="34" charset="0"/>
+                  <a:cs typeface="Arial" panose="020B0604020202020204" pitchFamily="34" charset="0"/>
+                </a:rPr>
+                <a:t>Load Cell</a:t>
+              </a:r>
+              <a:br>
+                <a:rPr lang="en-US" sz="900" dirty="0">
+                  <a:solidFill>
+                    <a:sysClr val="windowText" lastClr="000000"/>
+                  </a:solidFill>
+                  <a:latin typeface="Arial" panose="020B0604020202020204" pitchFamily="34" charset="0"/>
+                  <a:cs typeface="Arial" panose="020B0604020202020204" pitchFamily="34" charset="0"/>
+                </a:rPr>
+              </a:br>
+              <a:r>
+                <a:rPr lang="en-US" sz="900" dirty="0">
+                  <a:solidFill>
+                    <a:sysClr val="windowText" lastClr="000000"/>
+                  </a:solidFill>
+                  <a:latin typeface="Arial" panose="020B0604020202020204" pitchFamily="34" charset="0"/>
+                  <a:cs typeface="Arial" panose="020B0604020202020204" pitchFamily="34" charset="0"/>
+                </a:rPr>
+                <a:t>IMU</a:t>
+              </a:r>
+            </a:p>
+          </p:txBody>
+        </p:sp>
+        <p:sp>
+          <p:nvSpPr>
+            <p:cNvPr id="26" name="Flowchart: Alternate Process 25">
+              <a:extLst>
+                <a:ext uri="{FF2B5EF4-FFF2-40B4-BE49-F238E27FC236}">
+                  <a16:creationId xmlns:a16="http://schemas.microsoft.com/office/drawing/2014/main" id="{194EE11F-2393-F7E9-7B39-3216362114CF}"/>
+                </a:ext>
+              </a:extLst>
+            </p:cNvPr>
+            <p:cNvSpPr/>
+            <p:nvPr/>
+          </p:nvSpPr>
+          <p:spPr>
+            <a:xfrm>
+              <a:off x="2681307" y="3891238"/>
+              <a:ext cx="1737360" cy="822960"/>
+            </a:xfrm>
+            <a:prstGeom prst="flowChartAlternateProcess">
+              <a:avLst/>
+            </a:prstGeom>
+            <a:solidFill>
+              <a:schemeClr val="accent4">
+                <a:lumMod val="20000"/>
+                <a:lumOff val="80000"/>
+              </a:schemeClr>
+            </a:solidFill>
+            <a:ln>
+              <a:solidFill>
+                <a:schemeClr val="tx1"/>
+              </a:solidFill>
+            </a:ln>
+          </p:spPr>
+          <p:style>
+            <a:lnRef idx="2">
+              <a:schemeClr val="accent1">
+                <a:shade val="15000"/>
+              </a:schemeClr>
+            </a:lnRef>
+            <a:fillRef idx="1">
+              <a:schemeClr val="accent1"/>
+            </a:fillRef>
+            <a:effectRef idx="0">
+              <a:schemeClr val="accent1"/>
+            </a:effectRef>
+            <a:fontRef idx="minor">
+              <a:schemeClr val="lt1"/>
+            </a:fontRef>
+          </p:style>
+          <p:txBody>
+            <a:bodyPr rtlCol="0" anchor="ctr"/>
+            <a:lstStyle/>
+            <a:p>
+              <a:pPr algn="ctr"/>
+              <a:r>
+                <a:rPr lang="en-US" sz="900" dirty="0">
+                  <a:solidFill>
+                    <a:sysClr val="windowText" lastClr="000000"/>
+                  </a:solidFill>
+                  <a:latin typeface="Arial" panose="020B0604020202020204" pitchFamily="34" charset="0"/>
+                  <a:cs typeface="Arial" panose="020B0604020202020204" pitchFamily="34" charset="0"/>
+                </a:rPr>
+                <a:t>Process Inputs:</a:t>
+              </a:r>
+            </a:p>
+            <a:p>
+              <a:pPr algn="ctr"/>
+              <a:r>
+                <a:rPr lang="en-US" sz="900" dirty="0">
+                  <a:solidFill>
+                    <a:sysClr val="windowText" lastClr="000000"/>
+                  </a:solidFill>
+                  <a:latin typeface="Arial" panose="020B0604020202020204" pitchFamily="34" charset="0"/>
+                  <a:cs typeface="Arial" panose="020B0604020202020204" pitchFamily="34" charset="0"/>
+                </a:rPr>
+                <a:t>Differentiate Encoder</a:t>
+              </a:r>
+            </a:p>
+            <a:p>
+              <a:pPr algn="ctr"/>
+              <a:r>
+                <a:rPr lang="en-US" sz="900" dirty="0">
+                  <a:solidFill>
+                    <a:sysClr val="windowText" lastClr="000000"/>
+                  </a:solidFill>
+                  <a:latin typeface="Arial" panose="020B0604020202020204" pitchFamily="34" charset="0"/>
+                  <a:cs typeface="Arial" panose="020B0604020202020204" pitchFamily="34" charset="0"/>
+                </a:rPr>
+                <a:t>Filter Load Cell</a:t>
+              </a:r>
+              <a:br>
+                <a:rPr lang="en-US" sz="900" dirty="0">
+                  <a:solidFill>
+                    <a:sysClr val="windowText" lastClr="000000"/>
+                  </a:solidFill>
+                  <a:latin typeface="Arial" panose="020B0604020202020204" pitchFamily="34" charset="0"/>
+                  <a:cs typeface="Arial" panose="020B0604020202020204" pitchFamily="34" charset="0"/>
+                </a:rPr>
+              </a:br>
+              <a:r>
+                <a:rPr lang="en-US" sz="900" dirty="0">
+                  <a:solidFill>
+                    <a:sysClr val="windowText" lastClr="000000"/>
+                  </a:solidFill>
+                  <a:latin typeface="Arial" panose="020B0604020202020204" pitchFamily="34" charset="0"/>
+                  <a:cs typeface="Arial" panose="020B0604020202020204" pitchFamily="34" charset="0"/>
+                </a:rPr>
+                <a:t>IMU Orientation Adjustment</a:t>
+              </a:r>
+            </a:p>
+            <a:p>
+              <a:pPr algn="ctr"/>
+              <a:r>
+                <a:rPr lang="en-US" sz="900" dirty="0">
+                  <a:solidFill>
+                    <a:sysClr val="windowText" lastClr="000000"/>
+                  </a:solidFill>
+                  <a:latin typeface="Arial" panose="020B0604020202020204" pitchFamily="34" charset="0"/>
+                  <a:cs typeface="Arial" panose="020B0604020202020204" pitchFamily="34" charset="0"/>
+                </a:rPr>
+                <a:t>Calculate Foot Speed</a:t>
+              </a:r>
+            </a:p>
+          </p:txBody>
+        </p:sp>
+        <p:cxnSp>
+          <p:nvCxnSpPr>
+            <p:cNvPr id="27" name="Straight Arrow Connector 26">
+              <a:extLst>
+                <a:ext uri="{FF2B5EF4-FFF2-40B4-BE49-F238E27FC236}">
+                  <a16:creationId xmlns:a16="http://schemas.microsoft.com/office/drawing/2014/main" id="{D70B5692-3199-82F4-C58F-11B9419F45C9}"/>
+                </a:ext>
+              </a:extLst>
+            </p:cNvPr>
+            <p:cNvCxnSpPr>
+              <a:cxnSpLocks/>
+            </p:cNvCxnSpPr>
+            <p:nvPr/>
+          </p:nvCxnSpPr>
+          <p:spPr>
+            <a:xfrm>
+              <a:off x="3549987" y="3616918"/>
+              <a:ext cx="0" cy="274320"/>
+            </a:xfrm>
+            <a:prstGeom prst="straightConnector1">
+              <a:avLst/>
+            </a:prstGeom>
+            <a:ln>
+              <a:headEnd type="none" w="sm" len="lg"/>
+              <a:tailEnd type="triangle" w="sm" len="lg"/>
+            </a:ln>
+          </p:spPr>
+          <p:style>
+            <a:lnRef idx="1">
+              <a:schemeClr val="dk1"/>
+            </a:lnRef>
+            <a:fillRef idx="0">
+              <a:schemeClr val="dk1"/>
+            </a:fillRef>
+            <a:effectRef idx="0">
+              <a:schemeClr val="dk1"/>
+            </a:effectRef>
+            <a:fontRef idx="minor">
+              <a:schemeClr val="tx1"/>
+            </a:fontRef>
+          </p:style>
+        </p:cxnSp>
+        <p:cxnSp>
+          <p:nvCxnSpPr>
+            <p:cNvPr id="28" name="Straight Arrow Connector 27">
+              <a:extLst>
+                <a:ext uri="{FF2B5EF4-FFF2-40B4-BE49-F238E27FC236}">
+                  <a16:creationId xmlns:a16="http://schemas.microsoft.com/office/drawing/2014/main" id="{FE62A584-264F-2441-8ABE-0825F535A049}"/>
+                </a:ext>
+              </a:extLst>
+            </p:cNvPr>
+            <p:cNvCxnSpPr>
+              <a:cxnSpLocks/>
+            </p:cNvCxnSpPr>
+            <p:nvPr/>
+          </p:nvCxnSpPr>
+          <p:spPr>
+            <a:xfrm>
+              <a:off x="3549987" y="4714198"/>
+              <a:ext cx="0" cy="274320"/>
+            </a:xfrm>
+            <a:prstGeom prst="straightConnector1">
+              <a:avLst/>
+            </a:prstGeom>
+            <a:ln>
+              <a:headEnd type="none" w="sm" len="lg"/>
+              <a:tailEnd type="triangle" w="sm" len="lg"/>
+            </a:ln>
+          </p:spPr>
+          <p:style>
+            <a:lnRef idx="1">
+              <a:schemeClr val="dk1"/>
+            </a:lnRef>
+            <a:fillRef idx="0">
+              <a:schemeClr val="dk1"/>
+            </a:fillRef>
+            <a:effectRef idx="0">
+              <a:schemeClr val="dk1"/>
+            </a:effectRef>
+            <a:fontRef idx="minor">
+              <a:schemeClr val="tx1"/>
+            </a:fontRef>
+          </p:style>
+        </p:cxnSp>
+        <p:sp>
+          <p:nvSpPr>
+            <p:cNvPr id="29" name="Flowchart: Alternate Process 28">
+              <a:extLst>
+                <a:ext uri="{FF2B5EF4-FFF2-40B4-BE49-F238E27FC236}">
+                  <a16:creationId xmlns:a16="http://schemas.microsoft.com/office/drawing/2014/main" id="{0FE26D3F-DF83-05FF-9C44-926944EFADA8}"/>
+                </a:ext>
+              </a:extLst>
+            </p:cNvPr>
+            <p:cNvSpPr/>
+            <p:nvPr/>
+          </p:nvSpPr>
+          <p:spPr>
+            <a:xfrm>
+              <a:off x="2909939" y="4996635"/>
+              <a:ext cx="1280160" cy="274320"/>
+            </a:xfrm>
+            <a:prstGeom prst="flowChartAlternateProcess">
+              <a:avLst/>
+            </a:prstGeom>
+            <a:solidFill>
+              <a:schemeClr val="accent4">
+                <a:lumMod val="20000"/>
+                <a:lumOff val="80000"/>
+              </a:schemeClr>
+            </a:solidFill>
+            <a:ln>
+              <a:solidFill>
+                <a:schemeClr val="tx1"/>
+              </a:solidFill>
+            </a:ln>
+          </p:spPr>
+          <p:style>
+            <a:lnRef idx="2">
+              <a:schemeClr val="accent1">
+                <a:shade val="15000"/>
+              </a:schemeClr>
+            </a:lnRef>
+            <a:fillRef idx="1">
+              <a:schemeClr val="accent1"/>
+            </a:fillRef>
+            <a:effectRef idx="0">
+              <a:schemeClr val="accent1"/>
+            </a:effectRef>
+            <a:fontRef idx="minor">
+              <a:schemeClr val="lt1"/>
+            </a:fontRef>
+          </p:style>
+          <p:txBody>
+            <a:bodyPr rtlCol="0" anchor="ctr"/>
+            <a:lstStyle/>
+            <a:p>
+              <a:pPr algn="ctr"/>
+              <a:r>
+                <a:rPr lang="en-US" sz="900" dirty="0">
+                  <a:solidFill>
+                    <a:sysClr val="windowText" lastClr="000000"/>
+                  </a:solidFill>
+                  <a:latin typeface="Arial" panose="020B0604020202020204" pitchFamily="34" charset="0"/>
+                  <a:cs typeface="Arial" panose="020B0604020202020204" pitchFamily="34" charset="0"/>
+                </a:rPr>
+                <a:t>Run State Machine</a:t>
+              </a:r>
+            </a:p>
+          </p:txBody>
+        </p:sp>
+        <p:sp>
+          <p:nvSpPr>
+            <p:cNvPr id="30" name="Flowchart: Decision 29">
+              <a:extLst>
+                <a:ext uri="{FF2B5EF4-FFF2-40B4-BE49-F238E27FC236}">
+                  <a16:creationId xmlns:a16="http://schemas.microsoft.com/office/drawing/2014/main" id="{7F15AABB-F918-A681-821F-B478C295F3EB}"/>
+                </a:ext>
+              </a:extLst>
+            </p:cNvPr>
+            <p:cNvSpPr/>
+            <p:nvPr/>
+          </p:nvSpPr>
+          <p:spPr>
+            <a:xfrm>
+              <a:off x="1538307" y="5561509"/>
+              <a:ext cx="4023360" cy="365760"/>
+            </a:xfrm>
+            <a:prstGeom prst="flowChartDecision">
+              <a:avLst/>
+            </a:prstGeom>
+            <a:solidFill>
+              <a:schemeClr val="accent4">
+                <a:lumMod val="20000"/>
+                <a:lumOff val="80000"/>
+              </a:schemeClr>
+            </a:solidFill>
+            <a:ln>
+              <a:solidFill>
+                <a:schemeClr val="tx1"/>
+              </a:solidFill>
+            </a:ln>
+          </p:spPr>
+          <p:style>
+            <a:lnRef idx="2">
+              <a:schemeClr val="accent1">
+                <a:shade val="15000"/>
+              </a:schemeClr>
+            </a:lnRef>
+            <a:fillRef idx="1">
+              <a:schemeClr val="accent1"/>
+            </a:fillRef>
+            <a:effectRef idx="0">
+              <a:schemeClr val="accent1"/>
+            </a:effectRef>
+            <a:fontRef idx="minor">
+              <a:schemeClr val="lt1"/>
+            </a:fontRef>
+          </p:style>
+          <p:txBody>
+            <a:bodyPr rtlCol="0" anchor="ctr"/>
+            <a:lstStyle/>
+            <a:p>
+              <a:pPr algn="ctr"/>
+              <a:r>
+                <a:rPr lang="en-US" sz="900" dirty="0">
+                  <a:solidFill>
+                    <a:sysClr val="windowText" lastClr="000000"/>
+                  </a:solidFill>
+                  <a:latin typeface="Arial" panose="020B0604020202020204" pitchFamily="34" charset="0"/>
+                  <a:cs typeface="Arial" panose="020B0604020202020204" pitchFamily="34" charset="0"/>
+                </a:rPr>
+                <a:t>Test Program != Impedance Control</a:t>
+              </a:r>
+            </a:p>
+          </p:txBody>
+        </p:sp>
+        <p:cxnSp>
+          <p:nvCxnSpPr>
+            <p:cNvPr id="31" name="Straight Arrow Connector 30">
+              <a:extLst>
+                <a:ext uri="{FF2B5EF4-FFF2-40B4-BE49-F238E27FC236}">
+                  <a16:creationId xmlns:a16="http://schemas.microsoft.com/office/drawing/2014/main" id="{AE865C51-2A5D-E9F7-1006-008BB790EBAC}"/>
+                </a:ext>
+              </a:extLst>
+            </p:cNvPr>
+            <p:cNvCxnSpPr>
+              <a:cxnSpLocks/>
+            </p:cNvCxnSpPr>
+            <p:nvPr/>
+          </p:nvCxnSpPr>
+          <p:spPr>
+            <a:xfrm>
+              <a:off x="3549987" y="5279072"/>
+              <a:ext cx="0" cy="274320"/>
+            </a:xfrm>
+            <a:prstGeom prst="straightConnector1">
+              <a:avLst/>
+            </a:prstGeom>
+            <a:ln>
+              <a:headEnd type="none" w="sm" len="lg"/>
+              <a:tailEnd type="triangle" w="sm" len="lg"/>
+            </a:ln>
+          </p:spPr>
+          <p:style>
+            <a:lnRef idx="1">
+              <a:schemeClr val="dk1"/>
+            </a:lnRef>
+            <a:fillRef idx="0">
+              <a:schemeClr val="dk1"/>
+            </a:fillRef>
+            <a:effectRef idx="0">
+              <a:schemeClr val="dk1"/>
+            </a:effectRef>
+            <a:fontRef idx="minor">
+              <a:schemeClr val="tx1"/>
+            </a:fontRef>
+          </p:style>
+        </p:cxnSp>
+        <p:cxnSp>
+          <p:nvCxnSpPr>
+            <p:cNvPr id="32" name="Straight Arrow Connector 31">
+              <a:extLst>
+                <a:ext uri="{FF2B5EF4-FFF2-40B4-BE49-F238E27FC236}">
+                  <a16:creationId xmlns:a16="http://schemas.microsoft.com/office/drawing/2014/main" id="{4D0305A9-0569-D1B1-C7BD-A2221761CC40}"/>
+                </a:ext>
+              </a:extLst>
+            </p:cNvPr>
+            <p:cNvCxnSpPr>
+              <a:cxnSpLocks/>
+            </p:cNvCxnSpPr>
+            <p:nvPr/>
+          </p:nvCxnSpPr>
+          <p:spPr>
+            <a:xfrm>
+              <a:off x="3549987" y="5931530"/>
+              <a:ext cx="0" cy="274320"/>
+            </a:xfrm>
+            <a:prstGeom prst="straightConnector1">
+              <a:avLst/>
+            </a:prstGeom>
+            <a:ln>
+              <a:headEnd type="none" w="sm" len="lg"/>
+              <a:tailEnd type="triangle" w="sm" len="lg"/>
+            </a:ln>
+          </p:spPr>
+          <p:style>
+            <a:lnRef idx="1">
+              <a:schemeClr val="dk1"/>
+            </a:lnRef>
+            <a:fillRef idx="0">
+              <a:schemeClr val="dk1"/>
+            </a:fillRef>
+            <a:effectRef idx="0">
+              <a:schemeClr val="dk1"/>
+            </a:effectRef>
+            <a:fontRef idx="minor">
+              <a:schemeClr val="tx1"/>
+            </a:fontRef>
+          </p:style>
+        </p:cxnSp>
+        <p:sp>
+          <p:nvSpPr>
+            <p:cNvPr id="33" name="TextBox 32">
+              <a:extLst>
+                <a:ext uri="{FF2B5EF4-FFF2-40B4-BE49-F238E27FC236}">
+                  <a16:creationId xmlns:a16="http://schemas.microsoft.com/office/drawing/2014/main" id="{A05F62C9-1EFF-7E6C-3FA2-21578927C756}"/>
+                </a:ext>
+              </a:extLst>
+            </p:cNvPr>
+            <p:cNvSpPr txBox="1"/>
+            <p:nvPr/>
+          </p:nvSpPr>
+          <p:spPr>
+            <a:xfrm>
+              <a:off x="3549987" y="5943503"/>
+              <a:ext cx="383438" cy="230832"/>
+            </a:xfrm>
+            <a:prstGeom prst="rect">
+              <a:avLst/>
+            </a:prstGeom>
+            <a:noFill/>
+          </p:spPr>
+          <p:txBody>
+            <a:bodyPr wrap="none" rtlCol="0">
+              <a:spAutoFit/>
+            </a:bodyPr>
+            <a:lstStyle/>
+            <a:p>
+              <a:pPr algn="l"/>
+              <a:r>
+                <a:rPr lang="en-US" sz="900" dirty="0">
+                  <a:latin typeface="Arial" panose="020B0604020202020204" pitchFamily="34" charset="0"/>
+                  <a:cs typeface="Arial" panose="020B0604020202020204" pitchFamily="34" charset="0"/>
+                </a:rPr>
+                <a:t>Yes</a:t>
+              </a:r>
+            </a:p>
+          </p:txBody>
+        </p:sp>
+        <p:sp>
+          <p:nvSpPr>
+            <p:cNvPr id="34" name="Flowchart: Alternate Process 33">
+              <a:extLst>
+                <a:ext uri="{FF2B5EF4-FFF2-40B4-BE49-F238E27FC236}">
+                  <a16:creationId xmlns:a16="http://schemas.microsoft.com/office/drawing/2014/main" id="{1A316F19-F0EA-9E32-7901-16DAD0575DB8}"/>
+                </a:ext>
+              </a:extLst>
+            </p:cNvPr>
+            <p:cNvSpPr/>
+            <p:nvPr/>
+          </p:nvSpPr>
+          <p:spPr>
+            <a:xfrm>
+              <a:off x="2864187" y="6217823"/>
+              <a:ext cx="1371600" cy="457200"/>
             </a:xfrm>
             <a:prstGeom prst="flowChartAlternateProcess">
               <a:avLst/>
@@ -3903,17 +4486,17 @@
                   <a:latin typeface="Arial" panose="020B0604020202020204" pitchFamily="34" charset="0"/>
                   <a:cs typeface="Arial" panose="020B0604020202020204" pitchFamily="34" charset="0"/>
                 </a:rPr>
-                <a:t>Green LED</a:t>
+                <a:t>Assign Control Parameters per State</a:t>
               </a:r>
             </a:p>
           </p:txBody>
         </p:sp>
         <p:cxnSp>
           <p:nvCxnSpPr>
-            <p:cNvPr id="24" name="Straight Arrow Connector 23">
-              <a:extLst>
-                <a:ext uri="{FF2B5EF4-FFF2-40B4-BE49-F238E27FC236}">
-                  <a16:creationId xmlns:a16="http://schemas.microsoft.com/office/drawing/2014/main" id="{612FC79E-06D8-5D65-7400-110011236952}"/>
+            <p:cNvPr id="35" name="Straight Arrow Connector 34">
+              <a:extLst>
+                <a:ext uri="{FF2B5EF4-FFF2-40B4-BE49-F238E27FC236}">
+                  <a16:creationId xmlns:a16="http://schemas.microsoft.com/office/drawing/2014/main" id="{5FF3AEA2-1734-CC64-DA14-0539009E4665}"/>
                 </a:ext>
               </a:extLst>
             </p:cNvPr>
@@ -3924,8 +4507,8 @@
           </p:nvCxnSpPr>
           <p:spPr>
             <a:xfrm>
-              <a:off x="3555061" y="1505447"/>
-              <a:ext cx="0" cy="274320"/>
+              <a:off x="5561667" y="5742157"/>
+              <a:ext cx="274320" cy="0"/>
             </a:xfrm>
             <a:prstGeom prst="straightConnector1">
               <a:avLst/>
@@ -3952,10 +4535,49 @@
         </p:cxnSp>
         <p:sp>
           <p:nvSpPr>
-            <p:cNvPr id="25" name="Flowchart: Alternate Process 24">
-              <a:extLst>
-                <a:ext uri="{FF2B5EF4-FFF2-40B4-BE49-F238E27FC236}">
-                  <a16:creationId xmlns:a16="http://schemas.microsoft.com/office/drawing/2014/main" id="{6CB06985-B96E-A973-970C-4CC448918D0F}"/>
+            <p:cNvPr id="37" name="TextBox 36">
+              <a:extLst>
+                <a:ext uri="{FF2B5EF4-FFF2-40B4-BE49-F238E27FC236}">
+                  <a16:creationId xmlns:a16="http://schemas.microsoft.com/office/drawing/2014/main" id="{FB5E4FEC-2592-9E3E-8BAB-5241A7358F46}"/>
+                </a:ext>
+              </a:extLst>
+            </p:cNvPr>
+            <p:cNvSpPr txBox="1"/>
+            <p:nvPr/>
+          </p:nvSpPr>
+          <p:spPr>
+            <a:xfrm>
+              <a:off x="5503845" y="5513557"/>
+              <a:ext cx="332142" cy="230832"/>
+            </a:xfrm>
+            <a:prstGeom prst="rect">
+              <a:avLst/>
+            </a:prstGeom>
+            <a:noFill/>
+          </p:spPr>
+          <p:txBody>
+            <a:bodyPr wrap="none" rtlCol="0">
+              <a:spAutoFit/>
+            </a:bodyPr>
+            <a:lstStyle/>
+            <a:p>
+              <a:pPr algn="l"/>
+              <a:r>
+                <a:rPr lang="en-US" sz="900" dirty="0">
+                  <a:latin typeface="Arial" panose="020B0604020202020204" pitchFamily="34" charset="0"/>
+                  <a:cs typeface="Arial" panose="020B0604020202020204" pitchFamily="34" charset="0"/>
+                </a:rPr>
+                <a:t>No</a:t>
+              </a:r>
+            </a:p>
+          </p:txBody>
+        </p:sp>
+        <p:sp>
+          <p:nvSpPr>
+            <p:cNvPr id="38" name="Flowchart: Alternate Process 37">
+              <a:extLst>
+                <a:ext uri="{FF2B5EF4-FFF2-40B4-BE49-F238E27FC236}">
+                  <a16:creationId xmlns:a16="http://schemas.microsoft.com/office/drawing/2014/main" id="{1E93BA64-287F-E4B4-67B2-6AB0BC2DD51C}"/>
                 </a:ext>
               </a:extLst>
             </p:cNvPr>
@@ -3964,8 +4586,116 @@
           </p:nvSpPr>
           <p:spPr>
             <a:xfrm>
-              <a:off x="3143581" y="3431673"/>
-              <a:ext cx="822960" cy="731520"/>
+              <a:off x="5842618" y="5471478"/>
+              <a:ext cx="1371600" cy="548640"/>
+            </a:xfrm>
+            <a:prstGeom prst="flowChartAlternateProcess">
+              <a:avLst/>
+            </a:prstGeom>
+            <a:solidFill>
+              <a:schemeClr val="accent6">
+                <a:lumMod val="20000"/>
+                <a:lumOff val="80000"/>
+              </a:schemeClr>
+            </a:solidFill>
+            <a:ln>
+              <a:solidFill>
+                <a:schemeClr val="tx1"/>
+              </a:solidFill>
+            </a:ln>
+          </p:spPr>
+          <p:style>
+            <a:lnRef idx="2">
+              <a:schemeClr val="accent1">
+                <a:shade val="15000"/>
+              </a:schemeClr>
+            </a:lnRef>
+            <a:fillRef idx="1">
+              <a:schemeClr val="accent1"/>
+            </a:fillRef>
+            <a:effectRef idx="0">
+              <a:schemeClr val="accent1"/>
+            </a:effectRef>
+            <a:fontRef idx="minor">
+              <a:schemeClr val="lt1"/>
+            </a:fontRef>
+          </p:style>
+          <p:txBody>
+            <a:bodyPr rtlCol="0" anchor="ctr"/>
+            <a:lstStyle/>
+            <a:p>
+              <a:pPr algn="ctr"/>
+              <a:r>
+                <a:rPr lang="en-US" sz="900" dirty="0">
+                  <a:solidFill>
+                    <a:sysClr val="windowText" lastClr="000000"/>
+                  </a:solidFill>
+                  <a:latin typeface="Arial" panose="020B0604020202020204" pitchFamily="34" charset="0"/>
+                  <a:cs typeface="Arial" panose="020B0604020202020204" pitchFamily="34" charset="0"/>
+                </a:rPr>
+                <a:t>Assign Control Parameters regardless of State</a:t>
+              </a:r>
+            </a:p>
+          </p:txBody>
+        </p:sp>
+        <p:cxnSp>
+          <p:nvCxnSpPr>
+            <p:cNvPr id="39" name="Straight Arrow Connector 38">
+              <a:extLst>
+                <a:ext uri="{FF2B5EF4-FFF2-40B4-BE49-F238E27FC236}">
+                  <a16:creationId xmlns:a16="http://schemas.microsoft.com/office/drawing/2014/main" id="{44CC4793-78EF-5A3F-1BFC-F2B1CB0C5506}"/>
+                </a:ext>
+              </a:extLst>
+            </p:cNvPr>
+            <p:cNvCxnSpPr>
+              <a:cxnSpLocks/>
+            </p:cNvCxnSpPr>
+            <p:nvPr/>
+          </p:nvCxnSpPr>
+          <p:spPr>
+            <a:xfrm>
+              <a:off x="3555398" y="6675023"/>
+              <a:ext cx="0" cy="274320"/>
+            </a:xfrm>
+            <a:prstGeom prst="straightConnector1">
+              <a:avLst/>
+            </a:prstGeom>
+            <a:ln>
+              <a:headEnd type="none" w="sm" len="lg"/>
+              <a:tailEnd type="triangle" w="sm" len="lg"/>
+            </a:ln>
+          </p:spPr>
+          <p:style>
+            <a:lnRef idx="1">
+              <a:schemeClr val="dk1"/>
+            </a:lnRef>
+            <a:fillRef idx="0">
+              <a:schemeClr val="dk1"/>
+            </a:fillRef>
+            <a:effectRef idx="0">
+              <a:schemeClr val="dk1"/>
+            </a:effectRef>
+            <a:fontRef idx="minor">
+              <a:schemeClr val="tx1"/>
+            </a:fontRef>
+          </p:style>
+        </p:cxnSp>
+        <p:sp>
+          <p:nvSpPr>
+            <p:cNvPr id="40" name="Flowchart: Alternate Process 39">
+              <a:extLst>
+                <a:ext uri="{FF2B5EF4-FFF2-40B4-BE49-F238E27FC236}">
+                  <a16:creationId xmlns:a16="http://schemas.microsoft.com/office/drawing/2014/main" id="{3795CCDE-0418-6D43-2211-608E5A642564}"/>
+                </a:ext>
+              </a:extLst>
+            </p:cNvPr>
+            <p:cNvSpPr/>
+            <p:nvPr/>
+          </p:nvSpPr>
+          <p:spPr>
+            <a:xfrm>
+              <a:off x="2921503" y="7595198"/>
+              <a:ext cx="1280160" cy="274320"/>
             </a:xfrm>
             <a:prstGeom prst="flowChartAlternateProcess">
               <a:avLst/>
@@ -4011,62 +4741,61 @@
                   <a:latin typeface="Arial" panose="020B0604020202020204" pitchFamily="34" charset="0"/>
                   <a:cs typeface="Arial" panose="020B0604020202020204" pitchFamily="34" charset="0"/>
                 </a:rPr>
-                <a:t>Get Inputs:</a:t>
-              </a:r>
-            </a:p>
-            <a:p>
-              <a:pPr algn="ctr"/>
-              <a:r>
-                <a:rPr lang="en-US" sz="900" dirty="0">
-                  <a:solidFill>
-                    <a:sysClr val="windowText" lastClr="000000"/>
-                  </a:solidFill>
-                  <a:latin typeface="Arial" panose="020B0604020202020204" pitchFamily="34" charset="0"/>
-                  <a:cs typeface="Arial" panose="020B0604020202020204" pitchFamily="34" charset="0"/>
-                </a:rPr>
-                <a:t>Encoders</a:t>
-              </a:r>
-            </a:p>
-            <a:p>
-              <a:pPr algn="ctr"/>
-              <a:r>
-                <a:rPr lang="en-US" sz="900" dirty="0">
-                  <a:solidFill>
-                    <a:sysClr val="windowText" lastClr="000000"/>
-                  </a:solidFill>
-                  <a:latin typeface="Arial" panose="020B0604020202020204" pitchFamily="34" charset="0"/>
-                  <a:cs typeface="Arial" panose="020B0604020202020204" pitchFamily="34" charset="0"/>
-                </a:rPr>
-                <a:t>Load Cell</a:t>
-              </a:r>
-              <a:br>
-                <a:rPr lang="en-US" sz="900" dirty="0">
-                  <a:solidFill>
-                    <a:sysClr val="windowText" lastClr="000000"/>
-                  </a:solidFill>
-                  <a:latin typeface="Arial" panose="020B0604020202020204" pitchFamily="34" charset="0"/>
-                  <a:cs typeface="Arial" panose="020B0604020202020204" pitchFamily="34" charset="0"/>
-                </a:rPr>
-              </a:br>
-              <a:r>
-                <a:rPr lang="en-US" sz="900" dirty="0">
-                  <a:solidFill>
-                    <a:sysClr val="windowText" lastClr="000000"/>
-                  </a:solidFill>
-                  <a:latin typeface="Arial" panose="020B0604020202020204" pitchFamily="34" charset="0"/>
-                  <a:cs typeface="Arial" panose="020B0604020202020204" pitchFamily="34" charset="0"/>
-                </a:rPr>
-                <a:t>IMU</a:t>
-              </a:r>
-            </a:p>
-          </p:txBody>
-        </p:sp>
-        <p:sp>
-          <p:nvSpPr>
-            <p:cNvPr id="26" name="Flowchart: Alternate Process 25">
-              <a:extLst>
-                <a:ext uri="{FF2B5EF4-FFF2-40B4-BE49-F238E27FC236}">
-                  <a16:creationId xmlns:a16="http://schemas.microsoft.com/office/drawing/2014/main" id="{194EE11F-2393-F7E9-7B39-3216362114CF}"/>
+                <a:t>Apply Motor Torque</a:t>
+              </a:r>
+            </a:p>
+          </p:txBody>
+        </p:sp>
+        <p:cxnSp>
+          <p:nvCxnSpPr>
+            <p:cNvPr id="42" name="Connector: Elbow 41">
+              <a:extLst>
+                <a:ext uri="{FF2B5EF4-FFF2-40B4-BE49-F238E27FC236}">
+                  <a16:creationId xmlns:a16="http://schemas.microsoft.com/office/drawing/2014/main" id="{D0150F77-2BE3-DABE-8574-F216E1C49B5D}"/>
+                </a:ext>
+              </a:extLst>
+            </p:cNvPr>
+            <p:cNvCxnSpPr>
+              <a:cxnSpLocks/>
+              <a:stCxn id="38" idx="2"/>
+              <a:endCxn id="40" idx="3"/>
+            </p:cNvCxnSpPr>
+            <p:nvPr/>
+          </p:nvCxnSpPr>
+          <p:spPr>
+            <a:xfrm rot="5400000">
+              <a:off x="4508921" y="5712861"/>
+              <a:ext cx="1712240" cy="2326755"/>
+            </a:xfrm>
+            <a:prstGeom prst="bentConnector2">
+              <a:avLst/>
+            </a:prstGeom>
+            <a:ln>
+              <a:headEnd type="none" w="sm" len="lg"/>
+              <a:tailEnd type="triangle" w="sm" len="lg"/>
+            </a:ln>
+          </p:spPr>
+          <p:style>
+            <a:lnRef idx="1">
+              <a:schemeClr val="dk1"/>
+            </a:lnRef>
+            <a:fillRef idx="0">
+              <a:schemeClr val="dk1"/>
+            </a:fillRef>
+            <a:effectRef idx="0">
+              <a:schemeClr val="dk1"/>
+            </a:effectRef>
+            <a:fontRef idx="minor">
+              <a:schemeClr val="tx1"/>
+            </a:fontRef>
+          </p:style>
+        </p:cxnSp>
+        <p:sp>
+          <p:nvSpPr>
+            <p:cNvPr id="46" name="Flowchart: Decision 45">
+              <a:extLst>
+                <a:ext uri="{FF2B5EF4-FFF2-40B4-BE49-F238E27FC236}">
+                  <a16:creationId xmlns:a16="http://schemas.microsoft.com/office/drawing/2014/main" id="{03F720EA-594D-5E6A-AC0C-8D4C99A6A1F6}"/>
                 </a:ext>
               </a:extLst>
             </p:cNvPr>
@@ -4075,10 +4804,10 @@
           </p:nvSpPr>
           <p:spPr>
             <a:xfrm>
-              <a:off x="2686381" y="4437513"/>
-              <a:ext cx="1737360" cy="822960"/>
-            </a:xfrm>
-            <a:prstGeom prst="flowChartAlternateProcess">
+              <a:off x="2281423" y="6949343"/>
+              <a:ext cx="2560320" cy="365760"/>
+            </a:xfrm>
+            <a:prstGeom prst="flowChartDecision">
               <a:avLst/>
             </a:prstGeom>
             <a:solidFill>
@@ -4122,75 +4851,17 @@
                   <a:latin typeface="Arial" panose="020B0604020202020204" pitchFamily="34" charset="0"/>
                   <a:cs typeface="Arial" panose="020B0604020202020204" pitchFamily="34" charset="0"/>
                 </a:rPr>
-                <a:t>Process Inputs:</a:t>
-              </a:r>
-            </a:p>
-            <a:p>
-              <a:pPr algn="ctr"/>
-              <a:r>
-                <a:rPr lang="en-US" sz="900" dirty="0">
-                  <a:solidFill>
-                    <a:sysClr val="windowText" lastClr="000000"/>
-                  </a:solidFill>
-                  <a:latin typeface="Arial" panose="020B0604020202020204" pitchFamily="34" charset="0"/>
-                  <a:cs typeface="Arial" panose="020B0604020202020204" pitchFamily="34" charset="0"/>
-                </a:rPr>
-                <a:t>Differentiate Encoder</a:t>
-              </a:r>
-            </a:p>
-            <a:p>
-              <a:pPr algn="ctr"/>
-              <a:r>
-                <a:rPr lang="en-US" sz="900" dirty="0">
-                  <a:solidFill>
-                    <a:sysClr val="windowText" lastClr="000000"/>
-                  </a:solidFill>
-                  <a:latin typeface="Arial" panose="020B0604020202020204" pitchFamily="34" charset="0"/>
-                  <a:cs typeface="Arial" panose="020B0604020202020204" pitchFamily="34" charset="0"/>
-                </a:rPr>
-                <a:t>Filter Load Cell</a:t>
-              </a:r>
-              <a:br>
-                <a:rPr lang="en-US" sz="900" dirty="0">
-                  <a:solidFill>
-                    <a:sysClr val="windowText" lastClr="000000"/>
-                  </a:solidFill>
-                  <a:latin typeface="Arial" panose="020B0604020202020204" pitchFamily="34" charset="0"/>
-                  <a:cs typeface="Arial" panose="020B0604020202020204" pitchFamily="34" charset="0"/>
-                </a:rPr>
-              </a:br>
-              <a:r>
-                <a:rPr lang="en-US" sz="900" dirty="0">
-                  <a:solidFill>
-                    <a:sysClr val="windowText" lastClr="000000"/>
-                  </a:solidFill>
-                  <a:latin typeface="Arial" panose="020B0604020202020204" pitchFamily="34" charset="0"/>
-                  <a:cs typeface="Arial" panose="020B0604020202020204" pitchFamily="34" charset="0"/>
-                </a:rPr>
-                <a:t>IMU Orientation Adjustment</a:t>
-              </a:r>
-            </a:p>
-            <a:p>
-              <a:pPr algn="ctr"/>
-              <a:r>
-                <a:rPr lang="en-US" sz="900" dirty="0">
-                  <a:solidFill>
-                    <a:sysClr val="windowText" lastClr="000000"/>
-                  </a:solidFill>
-                  <a:latin typeface="Arial" panose="020B0604020202020204" pitchFamily="34" charset="0"/>
-                  <a:cs typeface="Arial" panose="020B0604020202020204" pitchFamily="34" charset="0"/>
-                </a:rPr>
-                <a:t>Calculate Foot Speed</a:t>
+                <a:t>Test Program = None</a:t>
               </a:r>
             </a:p>
           </p:txBody>
         </p:sp>
         <p:cxnSp>
           <p:nvCxnSpPr>
-            <p:cNvPr id="27" name="Straight Arrow Connector 26">
-              <a:extLst>
-                <a:ext uri="{FF2B5EF4-FFF2-40B4-BE49-F238E27FC236}">
-                  <a16:creationId xmlns:a16="http://schemas.microsoft.com/office/drawing/2014/main" id="{D70B5692-3199-82F4-C58F-11B9419F45C9}"/>
+            <p:cNvPr id="50" name="Straight Arrow Connector 49">
+              <a:extLst>
+                <a:ext uri="{FF2B5EF4-FFF2-40B4-BE49-F238E27FC236}">
+                  <a16:creationId xmlns:a16="http://schemas.microsoft.com/office/drawing/2014/main" id="{0A188560-38AC-839B-36BF-05CEDBEF0C04}"/>
                 </a:ext>
               </a:extLst>
             </p:cNvPr>
@@ -4201,11 +4872,96 @@
           </p:nvCxnSpPr>
           <p:spPr>
             <a:xfrm>
-              <a:off x="3555061" y="4163193"/>
+              <a:off x="3561583" y="7315103"/>
               <a:ext cx="0" cy="274320"/>
             </a:xfrm>
             <a:prstGeom prst="straightConnector1">
               <a:avLst/>
+            </a:prstGeom>
+            <a:ln>
+              <a:headEnd type="none" w="sm" len="lg"/>
+              <a:tailEnd type="triangle" w="sm" len="lg"/>
+            </a:ln>
+          </p:spPr>
+          <p:style>
+            <a:lnRef idx="1">
+              <a:schemeClr val="dk1"/>
+            </a:lnRef>
+            <a:fillRef idx="0">
+              <a:schemeClr val="dk1"/>
+            </a:fillRef>
+            <a:effectRef idx="0">
+              <a:schemeClr val="dk1"/>
+            </a:effectRef>
+            <a:fontRef idx="minor">
+              <a:schemeClr val="tx1"/>
+            </a:fontRef>
+          </p:style>
+        </p:cxnSp>
+        <p:sp>
+          <p:nvSpPr>
+            <p:cNvPr id="52" name="TextBox 51">
+              <a:extLst>
+                <a:ext uri="{FF2B5EF4-FFF2-40B4-BE49-F238E27FC236}">
+                  <a16:creationId xmlns:a16="http://schemas.microsoft.com/office/drawing/2014/main" id="{8A35E543-4A83-1A3E-2A7B-453CF21A8F59}"/>
+                </a:ext>
+              </a:extLst>
+            </p:cNvPr>
+            <p:cNvSpPr txBox="1"/>
+            <p:nvPr/>
+          </p:nvSpPr>
+          <p:spPr>
+            <a:xfrm>
+              <a:off x="3561583" y="7336847"/>
+              <a:ext cx="383438" cy="230832"/>
+            </a:xfrm>
+            <a:prstGeom prst="rect">
+              <a:avLst/>
+            </a:prstGeom>
+            <a:noFill/>
+          </p:spPr>
+          <p:txBody>
+            <a:bodyPr wrap="none" rtlCol="0">
+              <a:spAutoFit/>
+            </a:bodyPr>
+            <a:lstStyle/>
+            <a:p>
+              <a:pPr algn="l"/>
+              <a:r>
+                <a:rPr lang="en-US" sz="900" dirty="0">
+                  <a:latin typeface="Arial" panose="020B0604020202020204" pitchFamily="34" charset="0"/>
+                  <a:cs typeface="Arial" panose="020B0604020202020204" pitchFamily="34" charset="0"/>
+                </a:rPr>
+                <a:t>Yes</a:t>
+              </a:r>
+            </a:p>
+          </p:txBody>
+        </p:sp>
+        <p:cxnSp>
+          <p:nvCxnSpPr>
+            <p:cNvPr id="53" name="Connector: Elbow 52">
+              <a:extLst>
+                <a:ext uri="{FF2B5EF4-FFF2-40B4-BE49-F238E27FC236}">
+                  <a16:creationId xmlns:a16="http://schemas.microsoft.com/office/drawing/2014/main" id="{F6FD9A50-FBC8-BCA4-CC23-20DA49019B1A}"/>
+                </a:ext>
+              </a:extLst>
+            </p:cNvPr>
+            <p:cNvCxnSpPr>
+              <a:cxnSpLocks/>
+              <a:stCxn id="64" idx="1"/>
+              <a:endCxn id="25" idx="1"/>
+            </p:cNvCxnSpPr>
+            <p:nvPr/>
+          </p:nvCxnSpPr>
+          <p:spPr>
+            <a:xfrm rot="10800000" flipH="1">
+              <a:off x="2647183" y="3251159"/>
+              <a:ext cx="491324" cy="5086019"/>
+            </a:xfrm>
+            <a:prstGeom prst="bentConnector3">
+              <a:avLst>
+                <a:gd name="adj1" fmla="val -284333"/>
+              </a:avLst>
             </a:prstGeom>
             <a:ln>
               <a:headEnd type="none" w="sm" len="lg"/>
@@ -4229,30 +4985,27 @@
         </p:cxnSp>
         <p:cxnSp>
           <p:nvCxnSpPr>
-            <p:cNvPr id="28" name="Straight Arrow Connector 27">
-              <a:extLst>
-                <a:ext uri="{FF2B5EF4-FFF2-40B4-BE49-F238E27FC236}">
-                  <a16:creationId xmlns:a16="http://schemas.microsoft.com/office/drawing/2014/main" id="{FE62A584-264F-2441-8ABE-0825F535A049}"/>
+            <p:cNvPr id="58" name="Straight Connector 57">
+              <a:extLst>
+                <a:ext uri="{FF2B5EF4-FFF2-40B4-BE49-F238E27FC236}">
+                  <a16:creationId xmlns:a16="http://schemas.microsoft.com/office/drawing/2014/main" id="{A75B0BC9-C9B0-D3DE-38F1-A2FCBE419609}"/>
                 </a:ext>
               </a:extLst>
             </p:cNvPr>
             <p:cNvCxnSpPr>
               <a:cxnSpLocks/>
+              <a:endCxn id="46" idx="1"/>
             </p:cNvCxnSpPr>
             <p:nvPr/>
           </p:nvCxnSpPr>
           <p:spPr>
             <a:xfrm>
-              <a:off x="3555061" y="5260473"/>
-              <a:ext cx="0" cy="274320"/>
-            </a:xfrm>
-            <a:prstGeom prst="straightConnector1">
-              <a:avLst/>
-            </a:prstGeom>
-            <a:ln>
-              <a:headEnd type="none" w="sm" len="lg"/>
-              <a:tailEnd type="triangle" w="sm" len="lg"/>
-            </a:ln>
+              <a:off x="1249845" y="7132223"/>
+              <a:ext cx="1031578" cy="0"/>
+            </a:xfrm>
+            <a:prstGeom prst="line">
+              <a:avLst/>
+            </a:prstGeom>
           </p:spPr>
           <p:style>
             <a:lnRef idx="1">
@@ -4271,10 +5024,10 @@
         </p:cxnSp>
         <p:sp>
           <p:nvSpPr>
-            <p:cNvPr id="29" name="Flowchart: Alternate Process 28">
-              <a:extLst>
-                <a:ext uri="{FF2B5EF4-FFF2-40B4-BE49-F238E27FC236}">
-                  <a16:creationId xmlns:a16="http://schemas.microsoft.com/office/drawing/2014/main" id="{0FE26D3F-DF83-05FF-9C44-926944EFADA8}"/>
+            <p:cNvPr id="62" name="Flowchart: Alternate Process 61">
+              <a:extLst>
+                <a:ext uri="{FF2B5EF4-FFF2-40B4-BE49-F238E27FC236}">
+                  <a16:creationId xmlns:a16="http://schemas.microsoft.com/office/drawing/2014/main" id="{B19C6733-8F4D-3D8E-5041-6EDB84D15B48}"/>
                 </a:ext>
               </a:extLst>
             </p:cNvPr>
@@ -4283,8 +5036,8 @@
           </p:nvSpPr>
           <p:spPr>
             <a:xfrm>
-              <a:off x="2915013" y="5542910"/>
-              <a:ext cx="1280160" cy="274320"/>
+              <a:off x="2967223" y="2336758"/>
+              <a:ext cx="1188720" cy="274320"/>
             </a:xfrm>
             <a:prstGeom prst="flowChartAlternateProcess">
               <a:avLst/>
@@ -4330,17 +5083,59 @@
                   <a:latin typeface="Arial" panose="020B0604020202020204" pitchFamily="34" charset="0"/>
                   <a:cs typeface="Arial" panose="020B0604020202020204" pitchFamily="34" charset="0"/>
                 </a:rPr>
-                <a:t>Run State Machine</a:t>
-              </a:r>
-            </a:p>
-          </p:txBody>
-        </p:sp>
-        <p:sp>
-          <p:nvSpPr>
-            <p:cNvPr id="30" name="Flowchart: Decision 29">
-              <a:extLst>
-                <a:ext uri="{FF2B5EF4-FFF2-40B4-BE49-F238E27FC236}">
-                  <a16:creationId xmlns:a16="http://schemas.microsoft.com/office/drawing/2014/main" id="{7F15AABB-F918-A681-821F-B478C295F3EB}"/>
+                <a:t>Set Test Program</a:t>
+              </a:r>
+            </a:p>
+          </p:txBody>
+        </p:sp>
+        <p:cxnSp>
+          <p:nvCxnSpPr>
+            <p:cNvPr id="63" name="Straight Arrow Connector 62">
+              <a:extLst>
+                <a:ext uri="{FF2B5EF4-FFF2-40B4-BE49-F238E27FC236}">
+                  <a16:creationId xmlns:a16="http://schemas.microsoft.com/office/drawing/2014/main" id="{C4D36F03-D23A-84E7-B24E-C3A70EF3D23D}"/>
+                </a:ext>
+              </a:extLst>
+            </p:cNvPr>
+            <p:cNvCxnSpPr>
+              <a:cxnSpLocks/>
+            </p:cNvCxnSpPr>
+            <p:nvPr/>
+          </p:nvCxnSpPr>
+          <p:spPr>
+            <a:xfrm>
+              <a:off x="3549987" y="2611078"/>
+              <a:ext cx="0" cy="274320"/>
+            </a:xfrm>
+            <a:prstGeom prst="straightConnector1">
+              <a:avLst/>
+            </a:prstGeom>
+            <a:ln>
+              <a:headEnd type="none" w="sm" len="lg"/>
+              <a:tailEnd type="triangle" w="sm" len="lg"/>
+            </a:ln>
+          </p:spPr>
+          <p:style>
+            <a:lnRef idx="1">
+              <a:schemeClr val="dk1"/>
+            </a:lnRef>
+            <a:fillRef idx="0">
+              <a:schemeClr val="dk1"/>
+            </a:fillRef>
+            <a:effectRef idx="0">
+              <a:schemeClr val="dk1"/>
+            </a:effectRef>
+            <a:fontRef idx="minor">
+              <a:schemeClr val="tx1"/>
+            </a:fontRef>
+          </p:style>
+        </p:cxnSp>
+        <p:sp>
+          <p:nvSpPr>
+            <p:cNvPr id="64" name="Flowchart: Decision 63">
+              <a:extLst>
+                <a:ext uri="{FF2B5EF4-FFF2-40B4-BE49-F238E27FC236}">
+                  <a16:creationId xmlns:a16="http://schemas.microsoft.com/office/drawing/2014/main" id="{B8679397-C646-4977-403F-458C08D66F69}"/>
                 </a:ext>
               </a:extLst>
             </p:cNvPr>
@@ -4349,8 +5144,8 @@
           </p:nvSpPr>
           <p:spPr>
             <a:xfrm>
-              <a:off x="1543381" y="6107784"/>
-              <a:ext cx="4023360" cy="365760"/>
+              <a:off x="2647183" y="8154297"/>
+              <a:ext cx="1828800" cy="365760"/>
             </a:xfrm>
             <a:prstGeom prst="flowChartDecision">
               <a:avLst/>
@@ -4396,17 +5191,17 @@
                   <a:latin typeface="Arial" panose="020B0604020202020204" pitchFamily="34" charset="0"/>
                   <a:cs typeface="Arial" panose="020B0604020202020204" pitchFamily="34" charset="0"/>
                 </a:rPr>
-                <a:t>Test Program != Impedance Control</a:t>
+                <a:t>EPOS4 Error?</a:t>
               </a:r>
             </a:p>
           </p:txBody>
         </p:sp>
         <p:cxnSp>
           <p:nvCxnSpPr>
-            <p:cNvPr id="31" name="Straight Arrow Connector 30">
-              <a:extLst>
-                <a:ext uri="{FF2B5EF4-FFF2-40B4-BE49-F238E27FC236}">
-                  <a16:creationId xmlns:a16="http://schemas.microsoft.com/office/drawing/2014/main" id="{AE865C51-2A5D-E9F7-1006-008BB790EBAC}"/>
+            <p:cNvPr id="72" name="Straight Arrow Connector 71">
+              <a:extLst>
+                <a:ext uri="{FF2B5EF4-FFF2-40B4-BE49-F238E27FC236}">
+                  <a16:creationId xmlns:a16="http://schemas.microsoft.com/office/drawing/2014/main" id="{AD37B877-7FDD-AF8C-7183-5E2654A2693F}"/>
                 </a:ext>
               </a:extLst>
             </p:cNvPr>
@@ -4417,7 +5212,7 @@
           </p:nvCxnSpPr>
           <p:spPr>
             <a:xfrm>
-              <a:off x="3555061" y="5825347"/>
+              <a:off x="3561583" y="7869518"/>
               <a:ext cx="0" cy="274320"/>
             </a:xfrm>
             <a:prstGeom prst="straightConnector1">
@@ -4443,12 +5238,51 @@
             </a:fontRef>
           </p:style>
         </p:cxnSp>
+        <p:sp>
+          <p:nvSpPr>
+            <p:cNvPr id="75" name="TextBox 74">
+              <a:extLst>
+                <a:ext uri="{FF2B5EF4-FFF2-40B4-BE49-F238E27FC236}">
+                  <a16:creationId xmlns:a16="http://schemas.microsoft.com/office/drawing/2014/main" id="{BE59F917-6E2A-1ED3-B731-85D30B89BBE6}"/>
+                </a:ext>
+              </a:extLst>
+            </p:cNvPr>
+            <p:cNvSpPr txBox="1"/>
+            <p:nvPr/>
+          </p:nvSpPr>
+          <p:spPr>
+            <a:xfrm>
+              <a:off x="4432027" y="8106909"/>
+              <a:ext cx="383438" cy="230832"/>
+            </a:xfrm>
+            <a:prstGeom prst="rect">
+              <a:avLst/>
+            </a:prstGeom>
+            <a:noFill/>
+          </p:spPr>
+          <p:txBody>
+            <a:bodyPr wrap="none" rtlCol="0">
+              <a:spAutoFit/>
+            </a:bodyPr>
+            <a:lstStyle/>
+            <a:p>
+              <a:pPr algn="l"/>
+              <a:r>
+                <a:rPr lang="en-US" sz="900" dirty="0">
+                  <a:latin typeface="Arial" panose="020B0604020202020204" pitchFamily="34" charset="0"/>
+                  <a:cs typeface="Arial" panose="020B0604020202020204" pitchFamily="34" charset="0"/>
+                </a:rPr>
+                <a:t>Yes</a:t>
+              </a:r>
+            </a:p>
+          </p:txBody>
+        </p:sp>
         <p:cxnSp>
           <p:nvCxnSpPr>
-            <p:cNvPr id="32" name="Straight Arrow Connector 31">
-              <a:extLst>
-                <a:ext uri="{FF2B5EF4-FFF2-40B4-BE49-F238E27FC236}">
-                  <a16:creationId xmlns:a16="http://schemas.microsoft.com/office/drawing/2014/main" id="{4D0305A9-0569-D1B1-C7BD-A2221761CC40}"/>
+            <p:cNvPr id="77" name="Straight Arrow Connector 76">
+              <a:extLst>
+                <a:ext uri="{FF2B5EF4-FFF2-40B4-BE49-F238E27FC236}">
+                  <a16:creationId xmlns:a16="http://schemas.microsoft.com/office/drawing/2014/main" id="{9C8CEAFC-1D68-04D1-0D47-482E2105D4C2}"/>
                 </a:ext>
               </a:extLst>
             </p:cNvPr>
@@ -4459,8 +5293,8 @@
           </p:nvCxnSpPr>
           <p:spPr>
             <a:xfrm>
-              <a:off x="3555061" y="6477805"/>
-              <a:ext cx="0" cy="274320"/>
+              <a:off x="4493298" y="8334945"/>
+              <a:ext cx="274320" cy="0"/>
             </a:xfrm>
             <a:prstGeom prst="straightConnector1">
               <a:avLst/>
@@ -4487,10 +5321,10 @@
         </p:cxnSp>
         <p:sp>
           <p:nvSpPr>
-            <p:cNvPr id="33" name="TextBox 32">
-              <a:extLst>
-                <a:ext uri="{FF2B5EF4-FFF2-40B4-BE49-F238E27FC236}">
-                  <a16:creationId xmlns:a16="http://schemas.microsoft.com/office/drawing/2014/main" id="{A05F62C9-1EFF-7E6C-3FA2-21578927C756}"/>
+            <p:cNvPr id="78" name="TextBox 77">
+              <a:extLst>
+                <a:ext uri="{FF2B5EF4-FFF2-40B4-BE49-F238E27FC236}">
+                  <a16:creationId xmlns:a16="http://schemas.microsoft.com/office/drawing/2014/main" id="{1C2830DE-CCAD-FFCD-A230-484800753EB8}"/>
                 </a:ext>
               </a:extLst>
             </p:cNvPr>
@@ -4499,8 +5333,8 @@
           </p:nvSpPr>
           <p:spPr>
             <a:xfrm>
-              <a:off x="3555061" y="6489778"/>
-              <a:ext cx="383438" cy="230832"/>
+              <a:off x="2315041" y="8108477"/>
+              <a:ext cx="332142" cy="230832"/>
             </a:xfrm>
             <a:prstGeom prst="rect">
               <a:avLst/>
@@ -4519,17 +5353,17 @@
                   <a:latin typeface="Arial" panose="020B0604020202020204" pitchFamily="34" charset="0"/>
                   <a:cs typeface="Arial" panose="020B0604020202020204" pitchFamily="34" charset="0"/>
                 </a:rPr>
-                <a:t>Yes</a:t>
-              </a:r>
-            </a:p>
-          </p:txBody>
-        </p:sp>
-        <p:sp>
-          <p:nvSpPr>
-            <p:cNvPr id="34" name="Flowchart: Alternate Process 33">
-              <a:extLst>
-                <a:ext uri="{FF2B5EF4-FFF2-40B4-BE49-F238E27FC236}">
-                  <a16:creationId xmlns:a16="http://schemas.microsoft.com/office/drawing/2014/main" id="{1A316F19-F0EA-9E32-7901-16DAD0575DB8}"/>
+                <a:t>No</a:t>
+              </a:r>
+            </a:p>
+          </p:txBody>
+        </p:sp>
+        <p:sp>
+          <p:nvSpPr>
+            <p:cNvPr id="79" name="Flowchart: Connector 78">
+              <a:extLst>
+                <a:ext uri="{FF2B5EF4-FFF2-40B4-BE49-F238E27FC236}">
+                  <a16:creationId xmlns:a16="http://schemas.microsoft.com/office/drawing/2014/main" id="{2D7F44D4-02B0-4322-1EA4-64814D8101DC}"/>
                 </a:ext>
               </a:extLst>
             </p:cNvPr>
@@ -4538,18 +5372,13 @@
           </p:nvSpPr>
           <p:spPr>
             <a:xfrm>
-              <a:off x="2869261" y="6764098"/>
-              <a:ext cx="1371600" cy="457200"/>
-            </a:xfrm>
-            <a:prstGeom prst="flowChartAlternateProcess">
-              <a:avLst/>
-            </a:prstGeom>
-            <a:solidFill>
-              <a:schemeClr val="accent6">
-                <a:lumMod val="20000"/>
-                <a:lumOff val="80000"/>
-              </a:schemeClr>
-            </a:solidFill>
+              <a:off x="4767618" y="8197785"/>
+              <a:ext cx="274320" cy="274320"/>
+            </a:xfrm>
+            <a:prstGeom prst="flowChartConnector">
+              <a:avLst/>
+            </a:prstGeom>
+            <a:noFill/>
             <a:ln>
               <a:solidFill>
                 <a:schemeClr val="tx1"/>
@@ -4585,98 +5414,17 @@
                   <a:latin typeface="Arial" panose="020B0604020202020204" pitchFamily="34" charset="0"/>
                   <a:cs typeface="Arial" panose="020B0604020202020204" pitchFamily="34" charset="0"/>
                 </a:rPr>
-                <a:t>Assign Control Parameters per State</a:t>
-              </a:r>
-            </a:p>
-          </p:txBody>
-        </p:sp>
-        <p:cxnSp>
-          <p:nvCxnSpPr>
-            <p:cNvPr id="35" name="Straight Arrow Connector 34">
-              <a:extLst>
-                <a:ext uri="{FF2B5EF4-FFF2-40B4-BE49-F238E27FC236}">
-                  <a16:creationId xmlns:a16="http://schemas.microsoft.com/office/drawing/2014/main" id="{5FF3AEA2-1734-CC64-DA14-0539009E4665}"/>
-                </a:ext>
-              </a:extLst>
-            </p:cNvPr>
-            <p:cNvCxnSpPr>
-              <a:cxnSpLocks/>
-            </p:cNvCxnSpPr>
-            <p:nvPr/>
-          </p:nvCxnSpPr>
-          <p:spPr>
-            <a:xfrm>
-              <a:off x="5566741" y="6288432"/>
-              <a:ext cx="274320" cy="0"/>
-            </a:xfrm>
-            <a:prstGeom prst="straightConnector1">
-              <a:avLst/>
-            </a:prstGeom>
-            <a:ln>
-              <a:headEnd type="none" w="sm" len="lg"/>
-              <a:tailEnd type="triangle" w="sm" len="lg"/>
-            </a:ln>
-          </p:spPr>
-          <p:style>
-            <a:lnRef idx="1">
-              <a:schemeClr val="dk1"/>
-            </a:lnRef>
-            <a:fillRef idx="0">
-              <a:schemeClr val="dk1"/>
-            </a:fillRef>
-            <a:effectRef idx="0">
-              <a:schemeClr val="dk1"/>
-            </a:effectRef>
-            <a:fontRef idx="minor">
-              <a:schemeClr val="tx1"/>
-            </a:fontRef>
-          </p:style>
-        </p:cxnSp>
-        <p:sp>
-          <p:nvSpPr>
-            <p:cNvPr id="37" name="TextBox 36">
-              <a:extLst>
-                <a:ext uri="{FF2B5EF4-FFF2-40B4-BE49-F238E27FC236}">
-                  <a16:creationId xmlns:a16="http://schemas.microsoft.com/office/drawing/2014/main" id="{FB5E4FEC-2592-9E3E-8BAB-5241A7358F46}"/>
-                </a:ext>
-              </a:extLst>
-            </p:cNvPr>
-            <p:cNvSpPr txBox="1"/>
-            <p:nvPr/>
-          </p:nvSpPr>
-          <p:spPr>
-            <a:xfrm>
-              <a:off x="5508919" y="6059832"/>
-              <a:ext cx="332142" cy="230832"/>
-            </a:xfrm>
-            <a:prstGeom prst="rect">
-              <a:avLst/>
-            </a:prstGeom>
-            <a:noFill/>
-          </p:spPr>
-          <p:txBody>
-            <a:bodyPr wrap="none" rtlCol="0">
-              <a:spAutoFit/>
-            </a:bodyPr>
-            <a:lstStyle/>
-            <a:p>
-              <a:pPr algn="l"/>
-              <a:r>
-                <a:rPr lang="en-US" sz="900" dirty="0">
-                  <a:latin typeface="Arial" panose="020B0604020202020204" pitchFamily="34" charset="0"/>
-                  <a:cs typeface="Arial" panose="020B0604020202020204" pitchFamily="34" charset="0"/>
-                </a:rPr>
-                <a:t>No</a:t>
-              </a:r>
-            </a:p>
-          </p:txBody>
-        </p:sp>
-        <p:sp>
-          <p:nvSpPr>
-            <p:cNvPr id="38" name="Flowchart: Alternate Process 37">
-              <a:extLst>
-                <a:ext uri="{FF2B5EF4-FFF2-40B4-BE49-F238E27FC236}">
-                  <a16:creationId xmlns:a16="http://schemas.microsoft.com/office/drawing/2014/main" id="{1E93BA64-287F-E4B4-67B2-6AB0BC2DD51C}"/>
+                <a:t>A</a:t>
+              </a:r>
+            </a:p>
+          </p:txBody>
+        </p:sp>
+        <p:sp>
+          <p:nvSpPr>
+            <p:cNvPr id="80" name="Flowchart: Alternate Process 79">
+              <a:extLst>
+                <a:ext uri="{FF2B5EF4-FFF2-40B4-BE49-F238E27FC236}">
+                  <a16:creationId xmlns:a16="http://schemas.microsoft.com/office/drawing/2014/main" id="{1857372E-1F29-9EA4-2DC5-F4EFC11E49B4}"/>
                 </a:ext>
               </a:extLst>
             </p:cNvPr>
@@ -4685,116 +5433,8 @@
           </p:nvSpPr>
           <p:spPr>
             <a:xfrm>
-              <a:off x="5847692" y="6017753"/>
-              <a:ext cx="1371600" cy="548640"/>
-            </a:xfrm>
-            <a:prstGeom prst="flowChartAlternateProcess">
-              <a:avLst/>
-            </a:prstGeom>
-            <a:solidFill>
-              <a:schemeClr val="accent6">
-                <a:lumMod val="20000"/>
-                <a:lumOff val="80000"/>
-              </a:schemeClr>
-            </a:solidFill>
-            <a:ln>
-              <a:solidFill>
-                <a:schemeClr val="tx1"/>
-              </a:solidFill>
-            </a:ln>
-          </p:spPr>
-          <p:style>
-            <a:lnRef idx="2">
-              <a:schemeClr val="accent1">
-                <a:shade val="15000"/>
-              </a:schemeClr>
-            </a:lnRef>
-            <a:fillRef idx="1">
-              <a:schemeClr val="accent1"/>
-            </a:fillRef>
-            <a:effectRef idx="0">
-              <a:schemeClr val="accent1"/>
-            </a:effectRef>
-            <a:fontRef idx="minor">
-              <a:schemeClr val="lt1"/>
-            </a:fontRef>
-          </p:style>
-          <p:txBody>
-            <a:bodyPr rtlCol="0" anchor="ctr"/>
-            <a:lstStyle/>
-            <a:p>
-              <a:pPr algn="ctr"/>
-              <a:r>
-                <a:rPr lang="en-US" sz="900" dirty="0">
-                  <a:solidFill>
-                    <a:sysClr val="windowText" lastClr="000000"/>
-                  </a:solidFill>
-                  <a:latin typeface="Arial" panose="020B0604020202020204" pitchFamily="34" charset="0"/>
-                  <a:cs typeface="Arial" panose="020B0604020202020204" pitchFamily="34" charset="0"/>
-                </a:rPr>
-                <a:t>Assign Control Parameters regardless of State</a:t>
-              </a:r>
-            </a:p>
-          </p:txBody>
-        </p:sp>
-        <p:cxnSp>
-          <p:nvCxnSpPr>
-            <p:cNvPr id="39" name="Straight Arrow Connector 38">
-              <a:extLst>
-                <a:ext uri="{FF2B5EF4-FFF2-40B4-BE49-F238E27FC236}">
-                  <a16:creationId xmlns:a16="http://schemas.microsoft.com/office/drawing/2014/main" id="{44CC4793-78EF-5A3F-1BFC-F2B1CB0C5506}"/>
-                </a:ext>
-              </a:extLst>
-            </p:cNvPr>
-            <p:cNvCxnSpPr>
-              <a:cxnSpLocks/>
-            </p:cNvCxnSpPr>
-            <p:nvPr/>
-          </p:nvCxnSpPr>
-          <p:spPr>
-            <a:xfrm>
-              <a:off x="3560472" y="7221298"/>
-              <a:ext cx="0" cy="274320"/>
-            </a:xfrm>
-            <a:prstGeom prst="straightConnector1">
-              <a:avLst/>
-            </a:prstGeom>
-            <a:ln>
-              <a:headEnd type="none" w="sm" len="lg"/>
-              <a:tailEnd type="triangle" w="sm" len="lg"/>
-            </a:ln>
-          </p:spPr>
-          <p:style>
-            <a:lnRef idx="1">
-              <a:schemeClr val="dk1"/>
-            </a:lnRef>
-            <a:fillRef idx="0">
-              <a:schemeClr val="dk1"/>
-            </a:fillRef>
-            <a:effectRef idx="0">
-              <a:schemeClr val="dk1"/>
-            </a:effectRef>
-            <a:fontRef idx="minor">
-              <a:schemeClr val="tx1"/>
-            </a:fontRef>
-          </p:style>
-        </p:cxnSp>
-        <p:sp>
-          <p:nvSpPr>
-            <p:cNvPr id="40" name="Flowchart: Alternate Process 39">
-              <a:extLst>
-                <a:ext uri="{FF2B5EF4-FFF2-40B4-BE49-F238E27FC236}">
-                  <a16:creationId xmlns:a16="http://schemas.microsoft.com/office/drawing/2014/main" id="{3795CCDE-0418-6D43-2211-608E5A642564}"/>
-                </a:ext>
-              </a:extLst>
-            </p:cNvPr>
-            <p:cNvSpPr/>
-            <p:nvPr/>
-          </p:nvSpPr>
-          <p:spPr>
-            <a:xfrm>
-              <a:off x="2926577" y="8141473"/>
-              <a:ext cx="1280160" cy="274320"/>
+              <a:off x="1495124" y="1316021"/>
+              <a:ext cx="914400" cy="274320"/>
             </a:xfrm>
             <a:prstGeom prst="flowChartAlternateProcess">
               <a:avLst/>
@@ -4840,61 +5480,17 @@
                   <a:latin typeface="Arial" panose="020B0604020202020204" pitchFamily="34" charset="0"/>
                   <a:cs typeface="Arial" panose="020B0604020202020204" pitchFamily="34" charset="0"/>
                 </a:rPr>
-                <a:t>Apply Motor Torque</a:t>
-              </a:r>
-            </a:p>
-          </p:txBody>
-        </p:sp>
-        <p:cxnSp>
-          <p:nvCxnSpPr>
-            <p:cNvPr id="42" name="Connector: Elbow 41">
-              <a:extLst>
-                <a:ext uri="{FF2B5EF4-FFF2-40B4-BE49-F238E27FC236}">
-                  <a16:creationId xmlns:a16="http://schemas.microsoft.com/office/drawing/2014/main" id="{D0150F77-2BE3-DABE-8574-F216E1C49B5D}"/>
-                </a:ext>
-              </a:extLst>
-            </p:cNvPr>
-            <p:cNvCxnSpPr>
-              <a:cxnSpLocks/>
-              <a:stCxn id="38" idx="2"/>
-              <a:endCxn id="40" idx="3"/>
-            </p:cNvCxnSpPr>
-            <p:nvPr/>
-          </p:nvCxnSpPr>
-          <p:spPr>
-            <a:xfrm rot="5400000">
-              <a:off x="4513995" y="6259136"/>
-              <a:ext cx="1712240" cy="2326755"/>
-            </a:xfrm>
-            <a:prstGeom prst="bentConnector2">
-              <a:avLst/>
-            </a:prstGeom>
-            <a:ln>
-              <a:headEnd type="none" w="sm" len="lg"/>
-              <a:tailEnd type="triangle" w="sm" len="lg"/>
-            </a:ln>
-          </p:spPr>
-          <p:style>
-            <a:lnRef idx="1">
-              <a:schemeClr val="dk1"/>
-            </a:lnRef>
-            <a:fillRef idx="0">
-              <a:schemeClr val="dk1"/>
-            </a:fillRef>
-            <a:effectRef idx="0">
-              <a:schemeClr val="dk1"/>
-            </a:effectRef>
-            <a:fontRef idx="minor">
-              <a:schemeClr val="tx1"/>
-            </a:fontRef>
-          </p:style>
-        </p:cxnSp>
-        <p:sp>
-          <p:nvSpPr>
-            <p:cNvPr id="46" name="Flowchart: Decision 45">
-              <a:extLst>
-                <a:ext uri="{FF2B5EF4-FFF2-40B4-BE49-F238E27FC236}">
-                  <a16:creationId xmlns:a16="http://schemas.microsoft.com/office/drawing/2014/main" id="{03F720EA-594D-5E6A-AC0C-8D4C99A6A1F6}"/>
+                <a:t>Firmware</a:t>
+              </a:r>
+            </a:p>
+          </p:txBody>
+        </p:sp>
+        <p:sp>
+          <p:nvSpPr>
+            <p:cNvPr id="81" name="Flowchart: Alternate Process 80">
+              <a:extLst>
+                <a:ext uri="{FF2B5EF4-FFF2-40B4-BE49-F238E27FC236}">
+                  <a16:creationId xmlns:a16="http://schemas.microsoft.com/office/drawing/2014/main" id="{63A272E5-D1E6-CEF7-3680-1CF405461CD6}"/>
                 </a:ext>
               </a:extLst>
             </p:cNvPr>
@@ -4903,702 +5499,7 @@
           </p:nvSpPr>
           <p:spPr>
             <a:xfrm>
-              <a:off x="2286497" y="7495618"/>
-              <a:ext cx="2560320" cy="365760"/>
-            </a:xfrm>
-            <a:prstGeom prst="flowChartDecision">
-              <a:avLst/>
-            </a:prstGeom>
-            <a:solidFill>
-              <a:schemeClr val="accent4">
-                <a:lumMod val="20000"/>
-                <a:lumOff val="80000"/>
-              </a:schemeClr>
-            </a:solidFill>
-            <a:ln>
-              <a:solidFill>
-                <a:schemeClr val="tx1"/>
-              </a:solidFill>
-            </a:ln>
-          </p:spPr>
-          <p:style>
-            <a:lnRef idx="2">
-              <a:schemeClr val="accent1">
-                <a:shade val="15000"/>
-              </a:schemeClr>
-            </a:lnRef>
-            <a:fillRef idx="1">
-              <a:schemeClr val="accent1"/>
-            </a:fillRef>
-            <a:effectRef idx="0">
-              <a:schemeClr val="accent1"/>
-            </a:effectRef>
-            <a:fontRef idx="minor">
-              <a:schemeClr val="lt1"/>
-            </a:fontRef>
-          </p:style>
-          <p:txBody>
-            <a:bodyPr rtlCol="0" anchor="ctr"/>
-            <a:lstStyle/>
-            <a:p>
-              <a:pPr algn="ctr"/>
-              <a:r>
-                <a:rPr lang="en-US" sz="900" dirty="0">
-                  <a:solidFill>
-                    <a:sysClr val="windowText" lastClr="000000"/>
-                  </a:solidFill>
-                  <a:latin typeface="Arial" panose="020B0604020202020204" pitchFamily="34" charset="0"/>
-                  <a:cs typeface="Arial" panose="020B0604020202020204" pitchFamily="34" charset="0"/>
-                </a:rPr>
-                <a:t>Test Program = None</a:t>
-              </a:r>
-            </a:p>
-          </p:txBody>
-        </p:sp>
-        <p:cxnSp>
-          <p:nvCxnSpPr>
-            <p:cNvPr id="50" name="Straight Arrow Connector 49">
-              <a:extLst>
-                <a:ext uri="{FF2B5EF4-FFF2-40B4-BE49-F238E27FC236}">
-                  <a16:creationId xmlns:a16="http://schemas.microsoft.com/office/drawing/2014/main" id="{0A188560-38AC-839B-36BF-05CEDBEF0C04}"/>
-                </a:ext>
-              </a:extLst>
-            </p:cNvPr>
-            <p:cNvCxnSpPr>
-              <a:cxnSpLocks/>
-            </p:cNvCxnSpPr>
-            <p:nvPr/>
-          </p:nvCxnSpPr>
-          <p:spPr>
-            <a:xfrm>
-              <a:off x="3566657" y="7861378"/>
-              <a:ext cx="0" cy="274320"/>
-            </a:xfrm>
-            <a:prstGeom prst="straightConnector1">
-              <a:avLst/>
-            </a:prstGeom>
-            <a:ln>
-              <a:headEnd type="none" w="sm" len="lg"/>
-              <a:tailEnd type="triangle" w="sm" len="lg"/>
-            </a:ln>
-          </p:spPr>
-          <p:style>
-            <a:lnRef idx="1">
-              <a:schemeClr val="dk1"/>
-            </a:lnRef>
-            <a:fillRef idx="0">
-              <a:schemeClr val="dk1"/>
-            </a:fillRef>
-            <a:effectRef idx="0">
-              <a:schemeClr val="dk1"/>
-            </a:effectRef>
-            <a:fontRef idx="minor">
-              <a:schemeClr val="tx1"/>
-            </a:fontRef>
-          </p:style>
-        </p:cxnSp>
-        <p:sp>
-          <p:nvSpPr>
-            <p:cNvPr id="52" name="TextBox 51">
-              <a:extLst>
-                <a:ext uri="{FF2B5EF4-FFF2-40B4-BE49-F238E27FC236}">
-                  <a16:creationId xmlns:a16="http://schemas.microsoft.com/office/drawing/2014/main" id="{8A35E543-4A83-1A3E-2A7B-453CF21A8F59}"/>
-                </a:ext>
-              </a:extLst>
-            </p:cNvPr>
-            <p:cNvSpPr txBox="1"/>
-            <p:nvPr/>
-          </p:nvSpPr>
-          <p:spPr>
-            <a:xfrm>
-              <a:off x="3566657" y="7883122"/>
-              <a:ext cx="383438" cy="230832"/>
-            </a:xfrm>
-            <a:prstGeom prst="rect">
-              <a:avLst/>
-            </a:prstGeom>
-            <a:noFill/>
-          </p:spPr>
-          <p:txBody>
-            <a:bodyPr wrap="none" rtlCol="0">
-              <a:spAutoFit/>
-            </a:bodyPr>
-            <a:lstStyle/>
-            <a:p>
-              <a:pPr algn="l"/>
-              <a:r>
-                <a:rPr lang="en-US" sz="900" dirty="0">
-                  <a:latin typeface="Arial" panose="020B0604020202020204" pitchFamily="34" charset="0"/>
-                  <a:cs typeface="Arial" panose="020B0604020202020204" pitchFamily="34" charset="0"/>
-                </a:rPr>
-                <a:t>Yes</a:t>
-              </a:r>
-            </a:p>
-          </p:txBody>
-        </p:sp>
-        <p:cxnSp>
-          <p:nvCxnSpPr>
-            <p:cNvPr id="53" name="Connector: Elbow 52">
-              <a:extLst>
-                <a:ext uri="{FF2B5EF4-FFF2-40B4-BE49-F238E27FC236}">
-                  <a16:creationId xmlns:a16="http://schemas.microsoft.com/office/drawing/2014/main" id="{F6FD9A50-FBC8-BCA4-CC23-20DA49019B1A}"/>
-                </a:ext>
-              </a:extLst>
-            </p:cNvPr>
-            <p:cNvCxnSpPr>
-              <a:cxnSpLocks/>
-              <a:stCxn id="64" idx="1"/>
-              <a:endCxn id="25" idx="1"/>
-            </p:cNvCxnSpPr>
-            <p:nvPr/>
-          </p:nvCxnSpPr>
-          <p:spPr>
-            <a:xfrm rot="10800000" flipH="1">
-              <a:off x="2652257" y="3797434"/>
-              <a:ext cx="491324" cy="5086019"/>
-            </a:xfrm>
-            <a:prstGeom prst="bentConnector3">
-              <a:avLst>
-                <a:gd name="adj1" fmla="val -284333"/>
-              </a:avLst>
-            </a:prstGeom>
-            <a:ln>
-              <a:headEnd type="none" w="sm" len="lg"/>
-              <a:tailEnd type="triangle" w="sm" len="lg"/>
-            </a:ln>
-          </p:spPr>
-          <p:style>
-            <a:lnRef idx="1">
-              <a:schemeClr val="dk1"/>
-            </a:lnRef>
-            <a:fillRef idx="0">
-              <a:schemeClr val="dk1"/>
-            </a:fillRef>
-            <a:effectRef idx="0">
-              <a:schemeClr val="dk1"/>
-            </a:effectRef>
-            <a:fontRef idx="minor">
-              <a:schemeClr val="tx1"/>
-            </a:fontRef>
-          </p:style>
-        </p:cxnSp>
-        <p:cxnSp>
-          <p:nvCxnSpPr>
-            <p:cNvPr id="58" name="Straight Connector 57">
-              <a:extLst>
-                <a:ext uri="{FF2B5EF4-FFF2-40B4-BE49-F238E27FC236}">
-                  <a16:creationId xmlns:a16="http://schemas.microsoft.com/office/drawing/2014/main" id="{A75B0BC9-C9B0-D3DE-38F1-A2FCBE419609}"/>
-                </a:ext>
-              </a:extLst>
-            </p:cNvPr>
-            <p:cNvCxnSpPr>
-              <a:cxnSpLocks/>
-              <a:endCxn id="46" idx="1"/>
-            </p:cNvCxnSpPr>
-            <p:nvPr/>
-          </p:nvCxnSpPr>
-          <p:spPr>
-            <a:xfrm>
-              <a:off x="1254919" y="7678498"/>
-              <a:ext cx="1031578" cy="0"/>
-            </a:xfrm>
-            <a:prstGeom prst="line">
-              <a:avLst/>
-            </a:prstGeom>
-          </p:spPr>
-          <p:style>
-            <a:lnRef idx="1">
-              <a:schemeClr val="dk1"/>
-            </a:lnRef>
-            <a:fillRef idx="0">
-              <a:schemeClr val="dk1"/>
-            </a:fillRef>
-            <a:effectRef idx="0">
-              <a:schemeClr val="dk1"/>
-            </a:effectRef>
-            <a:fontRef idx="minor">
-              <a:schemeClr val="tx1"/>
-            </a:fontRef>
-          </p:style>
-        </p:cxnSp>
-        <p:sp>
-          <p:nvSpPr>
-            <p:cNvPr id="62" name="Flowchart: Alternate Process 61">
-              <a:extLst>
-                <a:ext uri="{FF2B5EF4-FFF2-40B4-BE49-F238E27FC236}">
-                  <a16:creationId xmlns:a16="http://schemas.microsoft.com/office/drawing/2014/main" id="{B19C6733-8F4D-3D8E-5041-6EDB84D15B48}"/>
-                </a:ext>
-              </a:extLst>
-            </p:cNvPr>
-            <p:cNvSpPr/>
-            <p:nvPr/>
-          </p:nvSpPr>
-          <p:spPr>
-            <a:xfrm>
-              <a:off x="2972297" y="2883033"/>
-              <a:ext cx="1188720" cy="274320"/>
-            </a:xfrm>
-            <a:prstGeom prst="flowChartAlternateProcess">
-              <a:avLst/>
-            </a:prstGeom>
-            <a:solidFill>
-              <a:schemeClr val="accent4">
-                <a:lumMod val="20000"/>
-                <a:lumOff val="80000"/>
-              </a:schemeClr>
-            </a:solidFill>
-            <a:ln>
-              <a:solidFill>
-                <a:schemeClr val="tx1"/>
-              </a:solidFill>
-            </a:ln>
-          </p:spPr>
-          <p:style>
-            <a:lnRef idx="2">
-              <a:schemeClr val="accent1">
-                <a:shade val="15000"/>
-              </a:schemeClr>
-            </a:lnRef>
-            <a:fillRef idx="1">
-              <a:schemeClr val="accent1"/>
-            </a:fillRef>
-            <a:effectRef idx="0">
-              <a:schemeClr val="accent1"/>
-            </a:effectRef>
-            <a:fontRef idx="minor">
-              <a:schemeClr val="lt1"/>
-            </a:fontRef>
-          </p:style>
-          <p:txBody>
-            <a:bodyPr rtlCol="0" anchor="ctr"/>
-            <a:lstStyle/>
-            <a:p>
-              <a:pPr algn="ctr"/>
-              <a:r>
-                <a:rPr lang="en-US" sz="900" dirty="0">
-                  <a:solidFill>
-                    <a:sysClr val="windowText" lastClr="000000"/>
-                  </a:solidFill>
-                  <a:latin typeface="Arial" panose="020B0604020202020204" pitchFamily="34" charset="0"/>
-                  <a:cs typeface="Arial" panose="020B0604020202020204" pitchFamily="34" charset="0"/>
-                </a:rPr>
-                <a:t>Set Test Program</a:t>
-              </a:r>
-            </a:p>
-          </p:txBody>
-        </p:sp>
-        <p:cxnSp>
-          <p:nvCxnSpPr>
-            <p:cNvPr id="63" name="Straight Arrow Connector 62">
-              <a:extLst>
-                <a:ext uri="{FF2B5EF4-FFF2-40B4-BE49-F238E27FC236}">
-                  <a16:creationId xmlns:a16="http://schemas.microsoft.com/office/drawing/2014/main" id="{C4D36F03-D23A-84E7-B24E-C3A70EF3D23D}"/>
-                </a:ext>
-              </a:extLst>
-            </p:cNvPr>
-            <p:cNvCxnSpPr>
-              <a:cxnSpLocks/>
-            </p:cNvCxnSpPr>
-            <p:nvPr/>
-          </p:nvCxnSpPr>
-          <p:spPr>
-            <a:xfrm>
-              <a:off x="3555061" y="3157353"/>
-              <a:ext cx="0" cy="274320"/>
-            </a:xfrm>
-            <a:prstGeom prst="straightConnector1">
-              <a:avLst/>
-            </a:prstGeom>
-            <a:ln>
-              <a:headEnd type="none" w="sm" len="lg"/>
-              <a:tailEnd type="triangle" w="sm" len="lg"/>
-            </a:ln>
-          </p:spPr>
-          <p:style>
-            <a:lnRef idx="1">
-              <a:schemeClr val="dk1"/>
-            </a:lnRef>
-            <a:fillRef idx="0">
-              <a:schemeClr val="dk1"/>
-            </a:fillRef>
-            <a:effectRef idx="0">
-              <a:schemeClr val="dk1"/>
-            </a:effectRef>
-            <a:fontRef idx="minor">
-              <a:schemeClr val="tx1"/>
-            </a:fontRef>
-          </p:style>
-        </p:cxnSp>
-        <p:sp>
-          <p:nvSpPr>
-            <p:cNvPr id="64" name="Flowchart: Decision 63">
-              <a:extLst>
-                <a:ext uri="{FF2B5EF4-FFF2-40B4-BE49-F238E27FC236}">
-                  <a16:creationId xmlns:a16="http://schemas.microsoft.com/office/drawing/2014/main" id="{B8679397-C646-4977-403F-458C08D66F69}"/>
-                </a:ext>
-              </a:extLst>
-            </p:cNvPr>
-            <p:cNvSpPr/>
-            <p:nvPr/>
-          </p:nvSpPr>
-          <p:spPr>
-            <a:xfrm>
-              <a:off x="2652257" y="8700572"/>
-              <a:ext cx="1828800" cy="365760"/>
-            </a:xfrm>
-            <a:prstGeom prst="flowChartDecision">
-              <a:avLst/>
-            </a:prstGeom>
-            <a:solidFill>
-              <a:schemeClr val="accent4">
-                <a:lumMod val="20000"/>
-                <a:lumOff val="80000"/>
-              </a:schemeClr>
-            </a:solidFill>
-            <a:ln>
-              <a:solidFill>
-                <a:schemeClr val="tx1"/>
-              </a:solidFill>
-            </a:ln>
-          </p:spPr>
-          <p:style>
-            <a:lnRef idx="2">
-              <a:schemeClr val="accent1">
-                <a:shade val="15000"/>
-              </a:schemeClr>
-            </a:lnRef>
-            <a:fillRef idx="1">
-              <a:schemeClr val="accent1"/>
-            </a:fillRef>
-            <a:effectRef idx="0">
-              <a:schemeClr val="accent1"/>
-            </a:effectRef>
-            <a:fontRef idx="minor">
-              <a:schemeClr val="lt1"/>
-            </a:fontRef>
-          </p:style>
-          <p:txBody>
-            <a:bodyPr rtlCol="0" anchor="ctr"/>
-            <a:lstStyle/>
-            <a:p>
-              <a:pPr algn="ctr"/>
-              <a:r>
-                <a:rPr lang="en-US" sz="900" dirty="0">
-                  <a:solidFill>
-                    <a:sysClr val="windowText" lastClr="000000"/>
-                  </a:solidFill>
-                  <a:latin typeface="Arial" panose="020B0604020202020204" pitchFamily="34" charset="0"/>
-                  <a:cs typeface="Arial" panose="020B0604020202020204" pitchFamily="34" charset="0"/>
-                </a:rPr>
-                <a:t>EPOS4 Error?</a:t>
-              </a:r>
-            </a:p>
-          </p:txBody>
-        </p:sp>
-        <p:cxnSp>
-          <p:nvCxnSpPr>
-            <p:cNvPr id="72" name="Straight Arrow Connector 71">
-              <a:extLst>
-                <a:ext uri="{FF2B5EF4-FFF2-40B4-BE49-F238E27FC236}">
-                  <a16:creationId xmlns:a16="http://schemas.microsoft.com/office/drawing/2014/main" id="{AD37B877-7FDD-AF8C-7183-5E2654A2693F}"/>
-                </a:ext>
-              </a:extLst>
-            </p:cNvPr>
-            <p:cNvCxnSpPr>
-              <a:cxnSpLocks/>
-            </p:cNvCxnSpPr>
-            <p:nvPr/>
-          </p:nvCxnSpPr>
-          <p:spPr>
-            <a:xfrm>
-              <a:off x="3566657" y="8415793"/>
-              <a:ext cx="0" cy="274320"/>
-            </a:xfrm>
-            <a:prstGeom prst="straightConnector1">
-              <a:avLst/>
-            </a:prstGeom>
-            <a:ln>
-              <a:headEnd type="none" w="sm" len="lg"/>
-              <a:tailEnd type="triangle" w="sm" len="lg"/>
-            </a:ln>
-          </p:spPr>
-          <p:style>
-            <a:lnRef idx="1">
-              <a:schemeClr val="dk1"/>
-            </a:lnRef>
-            <a:fillRef idx="0">
-              <a:schemeClr val="dk1"/>
-            </a:fillRef>
-            <a:effectRef idx="0">
-              <a:schemeClr val="dk1"/>
-            </a:effectRef>
-            <a:fontRef idx="minor">
-              <a:schemeClr val="tx1"/>
-            </a:fontRef>
-          </p:style>
-        </p:cxnSp>
-        <p:sp>
-          <p:nvSpPr>
-            <p:cNvPr id="75" name="TextBox 74">
-              <a:extLst>
-                <a:ext uri="{FF2B5EF4-FFF2-40B4-BE49-F238E27FC236}">
-                  <a16:creationId xmlns:a16="http://schemas.microsoft.com/office/drawing/2014/main" id="{BE59F917-6E2A-1ED3-B731-85D30B89BBE6}"/>
-                </a:ext>
-              </a:extLst>
-            </p:cNvPr>
-            <p:cNvSpPr txBox="1"/>
-            <p:nvPr/>
-          </p:nvSpPr>
-          <p:spPr>
-            <a:xfrm>
-              <a:off x="4437101" y="8653184"/>
-              <a:ext cx="383438" cy="230832"/>
-            </a:xfrm>
-            <a:prstGeom prst="rect">
-              <a:avLst/>
-            </a:prstGeom>
-            <a:noFill/>
-          </p:spPr>
-          <p:txBody>
-            <a:bodyPr wrap="none" rtlCol="0">
-              <a:spAutoFit/>
-            </a:bodyPr>
-            <a:lstStyle/>
-            <a:p>
-              <a:pPr algn="l"/>
-              <a:r>
-                <a:rPr lang="en-US" sz="900" dirty="0">
-                  <a:latin typeface="Arial" panose="020B0604020202020204" pitchFamily="34" charset="0"/>
-                  <a:cs typeface="Arial" panose="020B0604020202020204" pitchFamily="34" charset="0"/>
-                </a:rPr>
-                <a:t>Yes</a:t>
-              </a:r>
-            </a:p>
-          </p:txBody>
-        </p:sp>
-        <p:cxnSp>
-          <p:nvCxnSpPr>
-            <p:cNvPr id="77" name="Straight Arrow Connector 76">
-              <a:extLst>
-                <a:ext uri="{FF2B5EF4-FFF2-40B4-BE49-F238E27FC236}">
-                  <a16:creationId xmlns:a16="http://schemas.microsoft.com/office/drawing/2014/main" id="{9C8CEAFC-1D68-04D1-0D47-482E2105D4C2}"/>
-                </a:ext>
-              </a:extLst>
-            </p:cNvPr>
-            <p:cNvCxnSpPr>
-              <a:cxnSpLocks/>
-            </p:cNvCxnSpPr>
-            <p:nvPr/>
-          </p:nvCxnSpPr>
-          <p:spPr>
-            <a:xfrm>
-              <a:off x="4498372" y="8881220"/>
-              <a:ext cx="274320" cy="0"/>
-            </a:xfrm>
-            <a:prstGeom prst="straightConnector1">
-              <a:avLst/>
-            </a:prstGeom>
-            <a:ln>
-              <a:headEnd type="none" w="sm" len="lg"/>
-              <a:tailEnd type="triangle" w="sm" len="lg"/>
-            </a:ln>
-          </p:spPr>
-          <p:style>
-            <a:lnRef idx="1">
-              <a:schemeClr val="dk1"/>
-            </a:lnRef>
-            <a:fillRef idx="0">
-              <a:schemeClr val="dk1"/>
-            </a:fillRef>
-            <a:effectRef idx="0">
-              <a:schemeClr val="dk1"/>
-            </a:effectRef>
-            <a:fontRef idx="minor">
-              <a:schemeClr val="tx1"/>
-            </a:fontRef>
-          </p:style>
-        </p:cxnSp>
-        <p:sp>
-          <p:nvSpPr>
-            <p:cNvPr id="78" name="TextBox 77">
-              <a:extLst>
-                <a:ext uri="{FF2B5EF4-FFF2-40B4-BE49-F238E27FC236}">
-                  <a16:creationId xmlns:a16="http://schemas.microsoft.com/office/drawing/2014/main" id="{1C2830DE-CCAD-FFCD-A230-484800753EB8}"/>
-                </a:ext>
-              </a:extLst>
-            </p:cNvPr>
-            <p:cNvSpPr txBox="1"/>
-            <p:nvPr/>
-          </p:nvSpPr>
-          <p:spPr>
-            <a:xfrm>
-              <a:off x="2320115" y="8654752"/>
-              <a:ext cx="332142" cy="230832"/>
-            </a:xfrm>
-            <a:prstGeom prst="rect">
-              <a:avLst/>
-            </a:prstGeom>
-            <a:noFill/>
-          </p:spPr>
-          <p:txBody>
-            <a:bodyPr wrap="none" rtlCol="0">
-              <a:spAutoFit/>
-            </a:bodyPr>
-            <a:lstStyle/>
-            <a:p>
-              <a:pPr algn="l"/>
-              <a:r>
-                <a:rPr lang="en-US" sz="900" dirty="0">
-                  <a:latin typeface="Arial" panose="020B0604020202020204" pitchFamily="34" charset="0"/>
-                  <a:cs typeface="Arial" panose="020B0604020202020204" pitchFamily="34" charset="0"/>
-                </a:rPr>
-                <a:t>No</a:t>
-              </a:r>
-            </a:p>
-          </p:txBody>
-        </p:sp>
-        <p:sp>
-          <p:nvSpPr>
-            <p:cNvPr id="79" name="Flowchart: Connector 78">
-              <a:extLst>
-                <a:ext uri="{FF2B5EF4-FFF2-40B4-BE49-F238E27FC236}">
-                  <a16:creationId xmlns:a16="http://schemas.microsoft.com/office/drawing/2014/main" id="{2D7F44D4-02B0-4322-1EA4-64814D8101DC}"/>
-                </a:ext>
-              </a:extLst>
-            </p:cNvPr>
-            <p:cNvSpPr/>
-            <p:nvPr/>
-          </p:nvSpPr>
-          <p:spPr>
-            <a:xfrm>
-              <a:off x="4772692" y="8744060"/>
-              <a:ext cx="274320" cy="274320"/>
-            </a:xfrm>
-            <a:prstGeom prst="flowChartConnector">
-              <a:avLst/>
-            </a:prstGeom>
-            <a:noFill/>
-            <a:ln>
-              <a:solidFill>
-                <a:schemeClr val="tx1"/>
-              </a:solidFill>
-            </a:ln>
-          </p:spPr>
-          <p:style>
-            <a:lnRef idx="2">
-              <a:schemeClr val="accent1">
-                <a:shade val="15000"/>
-              </a:schemeClr>
-            </a:lnRef>
-            <a:fillRef idx="1">
-              <a:schemeClr val="accent1"/>
-            </a:fillRef>
-            <a:effectRef idx="0">
-              <a:schemeClr val="accent1"/>
-            </a:effectRef>
-            <a:fontRef idx="minor">
-              <a:schemeClr val="lt1"/>
-            </a:fontRef>
-          </p:style>
-          <p:txBody>
-            <a:bodyPr rtlCol="0" anchor="ctr"/>
-            <a:lstStyle/>
-            <a:p>
-              <a:pPr algn="ctr"/>
-              <a:r>
-                <a:rPr lang="en-US" sz="900" dirty="0">
-                  <a:solidFill>
-                    <a:sysClr val="windowText" lastClr="000000"/>
-                  </a:solidFill>
-                  <a:latin typeface="Arial" panose="020B0604020202020204" pitchFamily="34" charset="0"/>
-                  <a:cs typeface="Arial" panose="020B0604020202020204" pitchFamily="34" charset="0"/>
-                </a:rPr>
-                <a:t>A</a:t>
-              </a:r>
-            </a:p>
-          </p:txBody>
-        </p:sp>
-        <p:sp>
-          <p:nvSpPr>
-            <p:cNvPr id="80" name="Flowchart: Alternate Process 79">
-              <a:extLst>
-                <a:ext uri="{FF2B5EF4-FFF2-40B4-BE49-F238E27FC236}">
-                  <a16:creationId xmlns:a16="http://schemas.microsoft.com/office/drawing/2014/main" id="{1857372E-1F29-9EA4-2DC5-F4EFC11E49B4}"/>
-                </a:ext>
-              </a:extLst>
-            </p:cNvPr>
-            <p:cNvSpPr/>
-            <p:nvPr/>
-          </p:nvSpPr>
-          <p:spPr>
-            <a:xfrm>
-              <a:off x="1410830" y="1360375"/>
-              <a:ext cx="914400" cy="274320"/>
-            </a:xfrm>
-            <a:prstGeom prst="flowChartAlternateProcess">
-              <a:avLst/>
-            </a:prstGeom>
-            <a:solidFill>
-              <a:schemeClr val="accent4">
-                <a:lumMod val="20000"/>
-                <a:lumOff val="80000"/>
-              </a:schemeClr>
-            </a:solidFill>
-            <a:ln>
-              <a:solidFill>
-                <a:schemeClr val="tx1"/>
-              </a:solidFill>
-            </a:ln>
-          </p:spPr>
-          <p:style>
-            <a:lnRef idx="2">
-              <a:schemeClr val="accent1">
-                <a:shade val="15000"/>
-              </a:schemeClr>
-            </a:lnRef>
-            <a:fillRef idx="1">
-              <a:schemeClr val="accent1"/>
-            </a:fillRef>
-            <a:effectRef idx="0">
-              <a:schemeClr val="accent1"/>
-            </a:effectRef>
-            <a:fontRef idx="minor">
-              <a:schemeClr val="lt1"/>
-            </a:fontRef>
-          </p:style>
-          <p:txBody>
-            <a:bodyPr rtlCol="0" anchor="ctr"/>
-            <a:lstStyle/>
-            <a:p>
-              <a:pPr algn="ctr"/>
-              <a:r>
-                <a:rPr lang="en-US" sz="900" dirty="0">
-                  <a:solidFill>
-                    <a:sysClr val="windowText" lastClr="000000"/>
-                  </a:solidFill>
-                  <a:latin typeface="Arial" panose="020B0604020202020204" pitchFamily="34" charset="0"/>
-                  <a:cs typeface="Arial" panose="020B0604020202020204" pitchFamily="34" charset="0"/>
-                </a:rPr>
-                <a:t>Firmware</a:t>
-              </a:r>
-            </a:p>
-          </p:txBody>
-        </p:sp>
-        <p:sp>
-          <p:nvSpPr>
-            <p:cNvPr id="81" name="Flowchart: Alternate Process 80">
-              <a:extLst>
-                <a:ext uri="{FF2B5EF4-FFF2-40B4-BE49-F238E27FC236}">
-                  <a16:creationId xmlns:a16="http://schemas.microsoft.com/office/drawing/2014/main" id="{63A272E5-D1E6-CEF7-3680-1CF405461CD6}"/>
-                </a:ext>
-              </a:extLst>
-            </p:cNvPr>
-            <p:cNvSpPr/>
-            <p:nvPr/>
-          </p:nvSpPr>
-          <p:spPr>
-            <a:xfrm>
-              <a:off x="1410830" y="988268"/>
+              <a:off x="1495124" y="943914"/>
               <a:ext cx="914400" cy="274320"/>
             </a:xfrm>
             <a:prstGeom prst="flowChartAlternateProcess">
@@ -5671,7 +5572,7 @@
           </p:nvSpPr>
           <p:spPr>
             <a:xfrm>
-              <a:off x="1503187" y="696319"/>
+              <a:off x="1587481" y="651965"/>
               <a:ext cx="729687" cy="230832"/>
             </a:xfrm>
             <a:prstGeom prst="rect">
@@ -5710,7 +5611,7 @@
           </p:nvSpPr>
           <p:spPr>
             <a:xfrm>
-              <a:off x="2019925" y="7458539"/>
+              <a:off x="2014851" y="6912264"/>
               <a:ext cx="332142" cy="230832"/>
             </a:xfrm>
             <a:prstGeom prst="rect">

--- a/Documents/Figures/_Figures.pptx
+++ b/Documents/Figures/_Figures.pptx
@@ -480,10 +480,10 @@
       </p:grpSpPr>
       <p:grpSp>
         <p:nvGrpSpPr>
-          <p:cNvPr id="10" name="Group 9">
+          <p:cNvPr id="66" name="Group 65">
             <a:extLst>
               <a:ext uri="{FF2B5EF4-FFF2-40B4-BE49-F238E27FC236}">
-                <a16:creationId xmlns:a16="http://schemas.microsoft.com/office/drawing/2014/main" id="{68026EB8-4F2D-5157-4AAC-FE7A31D16DDE}"/>
+                <a16:creationId xmlns:a16="http://schemas.microsoft.com/office/drawing/2014/main" id="{A0B26051-371B-77CC-7AA6-E8815C760BAF}"/>
               </a:ext>
             </a:extLst>
           </p:cNvPr>
@@ -592,7 +592,7 @@
           </p:nvSpPr>
           <p:spPr>
             <a:xfrm>
-              <a:off x="3387829" y="4445525"/>
+              <a:off x="5153404" y="4444383"/>
               <a:ext cx="1188720" cy="365760"/>
             </a:xfrm>
             <a:prstGeom prst="rect">
@@ -672,7 +672,7 @@
           </p:nvSpPr>
           <p:spPr>
             <a:xfrm>
-              <a:off x="5153406" y="4445525"/>
+              <a:off x="3387828" y="4443550"/>
               <a:ext cx="1188720" cy="365760"/>
             </a:xfrm>
             <a:prstGeom prst="rect">
@@ -990,14 +990,14 @@
             <p:cNvCxnSpPr>
               <a:cxnSpLocks/>
               <a:stCxn id="7" idx="3"/>
-              <a:endCxn id="3" idx="1"/>
+              <a:endCxn id="4" idx="1"/>
             </p:cNvCxnSpPr>
             <p:nvPr/>
           </p:nvCxnSpPr>
           <p:spPr>
-            <a:xfrm>
-              <a:off x="2810972" y="4628405"/>
-              <a:ext cx="576857" cy="0"/>
+            <a:xfrm flipV="1">
+              <a:off x="2810972" y="4626430"/>
+              <a:ext cx="576856" cy="1975"/>
             </a:xfrm>
             <a:prstGeom prst="straightConnector1">
               <a:avLst/>
@@ -1033,15 +1033,15 @@
             </p:cNvPr>
             <p:cNvCxnSpPr>
               <a:cxnSpLocks/>
-              <a:stCxn id="3" idx="3"/>
-              <a:endCxn id="4" idx="1"/>
+              <a:stCxn id="4" idx="3"/>
+              <a:endCxn id="3" idx="1"/>
             </p:cNvCxnSpPr>
             <p:nvPr/>
           </p:nvCxnSpPr>
           <p:spPr>
             <a:xfrm>
-              <a:off x="4576549" y="4628405"/>
-              <a:ext cx="576857" cy="0"/>
+              <a:off x="4576548" y="4626430"/>
+              <a:ext cx="576856" cy="833"/>
             </a:xfrm>
             <a:prstGeom prst="straightConnector1">
               <a:avLst/>
@@ -1077,15 +1077,15 @@
             </p:cNvPr>
             <p:cNvCxnSpPr>
               <a:cxnSpLocks/>
-              <a:stCxn id="4" idx="2"/>
+              <a:stCxn id="3" idx="2"/>
               <a:endCxn id="2" idx="0"/>
             </p:cNvCxnSpPr>
             <p:nvPr/>
           </p:nvCxnSpPr>
           <p:spPr>
             <a:xfrm>
-              <a:off x="5747766" y="4811285"/>
-              <a:ext cx="0" cy="457200"/>
+              <a:off x="5747764" y="4810143"/>
+              <a:ext cx="2" cy="458342"/>
             </a:xfrm>
             <a:prstGeom prst="straightConnector1">
               <a:avLst/>
